--- a/App Capstone/Bank 170 App Capstone.pptx
+++ b/App Capstone/Bank 170 App Capstone.pptx
@@ -127,56 +127,3968 @@
 </p:presentation>
 </file>
 
+<file path=ppt/revisionInfo.xml><?xml version="1.0" encoding="utf-8"?>
+<p1510:revInfo xmlns:a="http://schemas.openxmlformats.org/drawingml/2006/main" xmlns:r="http://schemas.openxmlformats.org/officeDocument/2006/relationships" xmlns:p1510="http://schemas.microsoft.com/office/powerpoint/2015/10/main">
+  <p1510:revLst>
+    <p1510:client id="{5FC78452-0998-477C-956A-FDC21CEC2819}" v="23" dt="2022-09-15T17:23:44.167"/>
+  </p1510:revLst>
+</p1510:revInfo>
+</file>
+
 <file path=ppt/changesInfos/changesInfo1.xml><?xml version="1.0" encoding="utf-8"?>
 <pc:chgInfo xmlns:a="http://schemas.openxmlformats.org/drawingml/2006/main" xmlns:r="http://schemas.openxmlformats.org/officeDocument/2006/relationships" xmlns:ac="http://schemas.microsoft.com/office/drawing/2013/main/command" xmlns:pc="http://schemas.microsoft.com/office/powerpoint/2013/main/command">
   <pc:docChgLst>
-    <pc:chgData name="Bryant Pham" userId="278db2f4510d4a30" providerId="LiveId" clId="{9FCD8CDC-46AE-40B7-B2F8-A55EDA201CDE}"/>
-    <pc:docChg chg="modSld">
-      <pc:chgData name="Bryant Pham" userId="278db2f4510d4a30" providerId="LiveId" clId="{9FCD8CDC-46AE-40B7-B2F8-A55EDA201CDE}" dt="2022-09-14T15:49:30.524" v="28" actId="20577"/>
+    <pc:chgData name="Bryant Pham" userId="278db2f4510d4a30" providerId="LiveId" clId="{5FC78452-0998-477C-956A-FDC21CEC2819}"/>
+    <pc:docChg chg="undo custSel addSld delSld modSld sldOrd modMainMaster">
+      <pc:chgData name="Bryant Pham" userId="278db2f4510d4a30" providerId="LiveId" clId="{5FC78452-0998-477C-956A-FDC21CEC2819}" dt="2022-09-15T17:26:54.495" v="1095" actId="1076"/>
       <pc:docMkLst>
         <pc:docMk/>
       </pc:docMkLst>
       <pc:sldChg chg="modSp mod">
-        <pc:chgData name="Bryant Pham" userId="278db2f4510d4a30" providerId="LiveId" clId="{9FCD8CDC-46AE-40B7-B2F8-A55EDA201CDE}" dt="2022-09-14T15:49:30.524" v="28" actId="20577"/>
+        <pc:chgData name="Bryant Pham" userId="278db2f4510d4a30" providerId="LiveId" clId="{5FC78452-0998-477C-956A-FDC21CEC2819}" dt="2022-09-15T17:26:54.495" v="1095" actId="1076"/>
+        <pc:sldMkLst>
+          <pc:docMk/>
+          <pc:sldMk cId="2586058810" sldId="256"/>
+        </pc:sldMkLst>
+        <pc:spChg chg="mod">
+          <ac:chgData name="Bryant Pham" userId="278db2f4510d4a30" providerId="LiveId" clId="{5FC78452-0998-477C-956A-FDC21CEC2819}" dt="2022-09-15T17:23:44.167" v="1008"/>
+          <ac:spMkLst>
+            <pc:docMk/>
+            <pc:sldMk cId="2586058810" sldId="256"/>
+            <ac:spMk id="2" creationId="{CFE75451-6A4B-484B-9ED1-353CCE25B0F4}"/>
+          </ac:spMkLst>
+        </pc:spChg>
+        <pc:spChg chg="mod">
+          <ac:chgData name="Bryant Pham" userId="278db2f4510d4a30" providerId="LiveId" clId="{5FC78452-0998-477C-956A-FDC21CEC2819}" dt="2022-09-15T17:26:54.495" v="1095" actId="1076"/>
+          <ac:spMkLst>
+            <pc:docMk/>
+            <pc:sldMk cId="2586058810" sldId="256"/>
+            <ac:spMk id="3" creationId="{0236A1B4-B8D1-4A72-8E20-0703F54BF1FE}"/>
+          </ac:spMkLst>
+        </pc:spChg>
+      </pc:sldChg>
+      <pc:sldChg chg="addSp delSp modSp add del mod modClrScheme chgLayout">
+        <pc:chgData name="Bryant Pham" userId="278db2f4510d4a30" providerId="LiveId" clId="{5FC78452-0998-477C-956A-FDC21CEC2819}" dt="2022-09-15T17:24:07.808" v="1027" actId="26606"/>
+        <pc:sldMkLst>
+          <pc:docMk/>
+          <pc:sldMk cId="1713219598" sldId="257"/>
+        </pc:sldMkLst>
+        <pc:spChg chg="mod">
+          <ac:chgData name="Bryant Pham" userId="278db2f4510d4a30" providerId="LiveId" clId="{5FC78452-0998-477C-956A-FDC21CEC2819}" dt="2022-09-15T17:24:07.808" v="1027" actId="26606"/>
+          <ac:spMkLst>
+            <pc:docMk/>
+            <pc:sldMk cId="1713219598" sldId="257"/>
+            <ac:spMk id="2" creationId="{1BEF5859-10C9-4588-9727-B9362E26C29D}"/>
+          </ac:spMkLst>
+        </pc:spChg>
+        <pc:spChg chg="add del mod">
+          <ac:chgData name="Bryant Pham" userId="278db2f4510d4a30" providerId="LiveId" clId="{5FC78452-0998-477C-956A-FDC21CEC2819}" dt="2022-09-15T17:24:07.808" v="1027" actId="26606"/>
+          <ac:spMkLst>
+            <pc:docMk/>
+            <pc:sldMk cId="1713219598" sldId="257"/>
+            <ac:spMk id="3" creationId="{5671D7E5-EF66-4BCD-8DAA-E9061157F0BE}"/>
+          </ac:spMkLst>
+        </pc:spChg>
+        <pc:spChg chg="add del mod">
+          <ac:chgData name="Bryant Pham" userId="278db2f4510d4a30" providerId="LiveId" clId="{5FC78452-0998-477C-956A-FDC21CEC2819}" dt="2022-09-15T17:24:02.828" v="1016" actId="26606"/>
+          <ac:spMkLst>
+            <pc:docMk/>
+            <pc:sldMk cId="1713219598" sldId="257"/>
+            <ac:spMk id="8" creationId="{F419C3E5-EE51-9167-E45C-44D8BCE0A7D5}"/>
+          </ac:spMkLst>
+        </pc:spChg>
+        <pc:spChg chg="add del mod">
+          <ac:chgData name="Bryant Pham" userId="278db2f4510d4a30" providerId="LiveId" clId="{5FC78452-0998-477C-956A-FDC21CEC2819}" dt="2022-09-15T17:23:57.219" v="1010" actId="26606"/>
+          <ac:spMkLst>
+            <pc:docMk/>
+            <pc:sldMk cId="1713219598" sldId="257"/>
+            <ac:spMk id="9" creationId="{D2FCF0D7-62B6-EE0D-344F-13D05EAF619E}"/>
+          </ac:spMkLst>
+        </pc:spChg>
+        <pc:spChg chg="add del mod">
+          <ac:chgData name="Bryant Pham" userId="278db2f4510d4a30" providerId="LiveId" clId="{5FC78452-0998-477C-956A-FDC21CEC2819}" dt="2022-09-15T17:24:02.828" v="1016" actId="26606"/>
+          <ac:spMkLst>
+            <pc:docMk/>
+            <pc:sldMk cId="1713219598" sldId="257"/>
+            <ac:spMk id="10" creationId="{106E1BA9-F786-1293-5A45-555DC9E9676A}"/>
+          </ac:spMkLst>
+        </pc:spChg>
+        <pc:spChg chg="add del mod">
+          <ac:chgData name="Bryant Pham" userId="278db2f4510d4a30" providerId="LiveId" clId="{5FC78452-0998-477C-956A-FDC21CEC2819}" dt="2022-09-15T17:23:57.219" v="1010" actId="26606"/>
+          <ac:spMkLst>
+            <pc:docMk/>
+            <pc:sldMk cId="1713219598" sldId="257"/>
+            <ac:spMk id="11" creationId="{08579A4C-85E1-FAF6-8F7B-870B33ECFAB7}"/>
+          </ac:spMkLst>
+        </pc:spChg>
+        <pc:spChg chg="add del mod">
+          <ac:chgData name="Bryant Pham" userId="278db2f4510d4a30" providerId="LiveId" clId="{5FC78452-0998-477C-956A-FDC21CEC2819}" dt="2022-09-15T17:24:02.828" v="1016" actId="26606"/>
+          <ac:spMkLst>
+            <pc:docMk/>
+            <pc:sldMk cId="1713219598" sldId="257"/>
+            <ac:spMk id="12" creationId="{FD3BF8E0-511A-DCAE-662B-3EA8FC286804}"/>
+          </ac:spMkLst>
+        </pc:spChg>
+        <pc:spChg chg="add del mod">
+          <ac:chgData name="Bryant Pham" userId="278db2f4510d4a30" providerId="LiveId" clId="{5FC78452-0998-477C-956A-FDC21CEC2819}" dt="2022-09-15T17:23:57.219" v="1010" actId="26606"/>
+          <ac:spMkLst>
+            <pc:docMk/>
+            <pc:sldMk cId="1713219598" sldId="257"/>
+            <ac:spMk id="13" creationId="{CA2318A8-DEBB-F331-5006-9D51E6BDD32B}"/>
+          </ac:spMkLst>
+        </pc:spChg>
+        <pc:spChg chg="add del mod">
+          <ac:chgData name="Bryant Pham" userId="278db2f4510d4a30" providerId="LiveId" clId="{5FC78452-0998-477C-956A-FDC21CEC2819}" dt="2022-09-15T17:24:05.348" v="1020" actId="26606"/>
+          <ac:spMkLst>
+            <pc:docMk/>
+            <pc:sldMk cId="1713219598" sldId="257"/>
+            <ac:spMk id="14" creationId="{CCF41CE6-712E-973F-12E4-3AE9315A8207}"/>
+          </ac:spMkLst>
+        </pc:spChg>
+        <pc:spChg chg="add del mod">
+          <ac:chgData name="Bryant Pham" userId="278db2f4510d4a30" providerId="LiveId" clId="{5FC78452-0998-477C-956A-FDC21CEC2819}" dt="2022-09-15T17:24:00.167" v="1012" actId="26606"/>
+          <ac:spMkLst>
+            <pc:docMk/>
+            <pc:sldMk cId="1713219598" sldId="257"/>
+            <ac:spMk id="15" creationId="{64802C35-FFDC-219F-2C5D-A9B20FB3567A}"/>
+          </ac:spMkLst>
+        </pc:spChg>
+        <pc:spChg chg="add del mod">
+          <ac:chgData name="Bryant Pham" userId="278db2f4510d4a30" providerId="LiveId" clId="{5FC78452-0998-477C-956A-FDC21CEC2819}" dt="2022-09-15T17:24:00.167" v="1012" actId="26606"/>
+          <ac:spMkLst>
+            <pc:docMk/>
+            <pc:sldMk cId="1713219598" sldId="257"/>
+            <ac:spMk id="16" creationId="{D1B47A87-A0D6-9E45-CC0D-DDED9585F1D2}"/>
+          </ac:spMkLst>
+        </pc:spChg>
+        <pc:spChg chg="add del mod">
+          <ac:chgData name="Bryant Pham" userId="278db2f4510d4a30" providerId="LiveId" clId="{5FC78452-0998-477C-956A-FDC21CEC2819}" dt="2022-09-15T17:24:00.167" v="1012" actId="26606"/>
+          <ac:spMkLst>
+            <pc:docMk/>
+            <pc:sldMk cId="1713219598" sldId="257"/>
+            <ac:spMk id="17" creationId="{0B827131-EF91-BDC9-D535-34D0317002A0}"/>
+          </ac:spMkLst>
+        </pc:spChg>
+        <pc:spChg chg="add del mod">
+          <ac:chgData name="Bryant Pham" userId="278db2f4510d4a30" providerId="LiveId" clId="{5FC78452-0998-477C-956A-FDC21CEC2819}" dt="2022-09-15T17:24:01.433" v="1014" actId="26606"/>
+          <ac:spMkLst>
+            <pc:docMk/>
+            <pc:sldMk cId="1713219598" sldId="257"/>
+            <ac:spMk id="20" creationId="{B18EE1C6-7C5D-A7F0-42B0-1D4BE4F0E048}"/>
+          </ac:spMkLst>
+        </pc:spChg>
+        <pc:spChg chg="add del mod">
+          <ac:chgData name="Bryant Pham" userId="278db2f4510d4a30" providerId="LiveId" clId="{5FC78452-0998-477C-956A-FDC21CEC2819}" dt="2022-09-15T17:24:01.433" v="1014" actId="26606"/>
+          <ac:spMkLst>
+            <pc:docMk/>
+            <pc:sldMk cId="1713219598" sldId="257"/>
+            <ac:spMk id="21" creationId="{523CB350-5803-5BB6-E7B6-93D1DA1ACAF2}"/>
+          </ac:spMkLst>
+        </pc:spChg>
+        <pc:spChg chg="add del mod">
+          <ac:chgData name="Bryant Pham" userId="278db2f4510d4a30" providerId="LiveId" clId="{5FC78452-0998-477C-956A-FDC21CEC2819}" dt="2022-09-15T17:24:01.433" v="1014" actId="26606"/>
+          <ac:spMkLst>
+            <pc:docMk/>
+            <pc:sldMk cId="1713219598" sldId="257"/>
+            <ac:spMk id="22" creationId="{C9847167-E022-5AAE-B2EA-B6EF849EEEA5}"/>
+          </ac:spMkLst>
+        </pc:spChg>
+        <pc:spChg chg="add del mod">
+          <ac:chgData name="Bryant Pham" userId="278db2f4510d4a30" providerId="LiveId" clId="{5FC78452-0998-477C-956A-FDC21CEC2819}" dt="2022-09-15T17:24:02.828" v="1016" actId="26606"/>
+          <ac:spMkLst>
+            <pc:docMk/>
+            <pc:sldMk cId="1713219598" sldId="257"/>
+            <ac:spMk id="25" creationId="{5671D7E5-EF66-4BCD-8DAA-E9061157F0BE}"/>
+          </ac:spMkLst>
+        </pc:spChg>
+        <pc:spChg chg="add del mod">
+          <ac:chgData name="Bryant Pham" userId="278db2f4510d4a30" providerId="LiveId" clId="{5FC78452-0998-477C-956A-FDC21CEC2819}" dt="2022-09-15T17:24:03.962" v="1018" actId="26606"/>
+          <ac:spMkLst>
+            <pc:docMk/>
+            <pc:sldMk cId="1713219598" sldId="257"/>
+            <ac:spMk id="27" creationId="{5671D7E5-EF66-4BCD-8DAA-E9061157F0BE}"/>
+          </ac:spMkLst>
+        </pc:spChg>
+        <pc:spChg chg="add del mod">
+          <ac:chgData name="Bryant Pham" userId="278db2f4510d4a30" providerId="LiveId" clId="{5FC78452-0998-477C-956A-FDC21CEC2819}" dt="2022-09-15T17:24:03.962" v="1018" actId="26606"/>
+          <ac:spMkLst>
+            <pc:docMk/>
+            <pc:sldMk cId="1713219598" sldId="257"/>
+            <ac:spMk id="28" creationId="{36D314AC-8314-3A85-9071-F61C06A003F3}"/>
+          </ac:spMkLst>
+        </pc:spChg>
+        <pc:spChg chg="add del mod">
+          <ac:chgData name="Bryant Pham" userId="278db2f4510d4a30" providerId="LiveId" clId="{5FC78452-0998-477C-956A-FDC21CEC2819}" dt="2022-09-15T17:24:03.962" v="1018" actId="26606"/>
+          <ac:spMkLst>
+            <pc:docMk/>
+            <pc:sldMk cId="1713219598" sldId="257"/>
+            <ac:spMk id="29" creationId="{AB9FB99F-B982-6F71-2289-C93684C32B98}"/>
+          </ac:spMkLst>
+        </pc:spChg>
+        <pc:spChg chg="add del mod">
+          <ac:chgData name="Bryant Pham" userId="278db2f4510d4a30" providerId="LiveId" clId="{5FC78452-0998-477C-956A-FDC21CEC2819}" dt="2022-09-15T17:24:03.962" v="1018" actId="26606"/>
+          <ac:spMkLst>
+            <pc:docMk/>
+            <pc:sldMk cId="1713219598" sldId="257"/>
+            <ac:spMk id="30" creationId="{9F63F7F4-643E-6E3D-5099-BE36D01203E9}"/>
+          </ac:spMkLst>
+        </pc:spChg>
+        <pc:spChg chg="add del mod">
+          <ac:chgData name="Bryant Pham" userId="278db2f4510d4a30" providerId="LiveId" clId="{5FC78452-0998-477C-956A-FDC21CEC2819}" dt="2022-09-15T17:24:05.348" v="1020" actId="26606"/>
+          <ac:spMkLst>
+            <pc:docMk/>
+            <pc:sldMk cId="1713219598" sldId="257"/>
+            <ac:spMk id="32" creationId="{7C5A2134-0A65-F94E-0FF1-714B91216E40}"/>
+          </ac:spMkLst>
+        </pc:spChg>
+        <pc:spChg chg="add del mod">
+          <ac:chgData name="Bryant Pham" userId="278db2f4510d4a30" providerId="LiveId" clId="{5FC78452-0998-477C-956A-FDC21CEC2819}" dt="2022-09-15T17:24:05.348" v="1020" actId="26606"/>
+          <ac:spMkLst>
+            <pc:docMk/>
+            <pc:sldMk cId="1713219598" sldId="257"/>
+            <ac:spMk id="33" creationId="{5671D7E5-EF66-4BCD-8DAA-E9061157F0BE}"/>
+          </ac:spMkLst>
+        </pc:spChg>
+        <pc:spChg chg="add del mod">
+          <ac:chgData name="Bryant Pham" userId="278db2f4510d4a30" providerId="LiveId" clId="{5FC78452-0998-477C-956A-FDC21CEC2819}" dt="2022-09-15T17:24:05.348" v="1020" actId="26606"/>
+          <ac:spMkLst>
+            <pc:docMk/>
+            <pc:sldMk cId="1713219598" sldId="257"/>
+            <ac:spMk id="34" creationId="{7C7BC33F-84BF-C5D5-80F7-85D3A54D96DB}"/>
+          </ac:spMkLst>
+        </pc:spChg>
+        <pc:spChg chg="add del mod">
+          <ac:chgData name="Bryant Pham" userId="278db2f4510d4a30" providerId="LiveId" clId="{5FC78452-0998-477C-956A-FDC21CEC2819}" dt="2022-09-15T17:24:05.348" v="1020" actId="26606"/>
+          <ac:spMkLst>
+            <pc:docMk/>
+            <pc:sldMk cId="1713219598" sldId="257"/>
+            <ac:spMk id="35" creationId="{A5E849E0-80B6-B9DE-E4CC-3184CC566E30}"/>
+          </ac:spMkLst>
+        </pc:spChg>
+        <pc:spChg chg="add del mod">
+          <ac:chgData name="Bryant Pham" userId="278db2f4510d4a30" providerId="LiveId" clId="{5FC78452-0998-477C-956A-FDC21CEC2819}" dt="2022-09-15T17:24:05.348" v="1020" actId="26606"/>
+          <ac:spMkLst>
+            <pc:docMk/>
+            <pc:sldMk cId="1713219598" sldId="257"/>
+            <ac:spMk id="36" creationId="{3DA95BB6-587C-3EAD-43D4-273DF962642E}"/>
+          </ac:spMkLst>
+        </pc:spChg>
+        <pc:spChg chg="add del mod">
+          <ac:chgData name="Bryant Pham" userId="278db2f4510d4a30" providerId="LiveId" clId="{5FC78452-0998-477C-956A-FDC21CEC2819}" dt="2022-09-15T17:24:05.348" v="1020" actId="26606"/>
+          <ac:spMkLst>
+            <pc:docMk/>
+            <pc:sldMk cId="1713219598" sldId="257"/>
+            <ac:spMk id="37" creationId="{85F3EA96-E119-F434-6FEE-F6B6E5AE5013}"/>
+          </ac:spMkLst>
+        </pc:spChg>
+        <pc:spChg chg="add del mod">
+          <ac:chgData name="Bryant Pham" userId="278db2f4510d4a30" providerId="LiveId" clId="{5FC78452-0998-477C-956A-FDC21CEC2819}" dt="2022-09-15T17:24:05.348" v="1020" actId="26606"/>
+          <ac:spMkLst>
+            <pc:docMk/>
+            <pc:sldMk cId="1713219598" sldId="257"/>
+            <ac:spMk id="38" creationId="{917ACA6C-1AAA-7EFC-E439-A4A61682E158}"/>
+          </ac:spMkLst>
+        </pc:spChg>
+        <pc:spChg chg="add del mod">
+          <ac:chgData name="Bryant Pham" userId="278db2f4510d4a30" providerId="LiveId" clId="{5FC78452-0998-477C-956A-FDC21CEC2819}" dt="2022-09-15T17:24:05.348" v="1020" actId="26606"/>
+          <ac:spMkLst>
+            <pc:docMk/>
+            <pc:sldMk cId="1713219598" sldId="257"/>
+            <ac:spMk id="39" creationId="{2C9111B8-30A5-3BB4-9242-F91FC7426625}"/>
+          </ac:spMkLst>
+        </pc:spChg>
+        <pc:spChg chg="add del mod">
+          <ac:chgData name="Bryant Pham" userId="278db2f4510d4a30" providerId="LiveId" clId="{5FC78452-0998-477C-956A-FDC21CEC2819}" dt="2022-09-15T17:24:05.840" v="1022" actId="26606"/>
+          <ac:spMkLst>
+            <pc:docMk/>
+            <pc:sldMk cId="1713219598" sldId="257"/>
+            <ac:spMk id="41" creationId="{5671D7E5-EF66-4BCD-8DAA-E9061157F0BE}"/>
+          </ac:spMkLst>
+        </pc:spChg>
+        <pc:spChg chg="add del mod">
+          <ac:chgData name="Bryant Pham" userId="278db2f4510d4a30" providerId="LiveId" clId="{5FC78452-0998-477C-956A-FDC21CEC2819}" dt="2022-09-15T17:24:05.840" v="1022" actId="26606"/>
+          <ac:spMkLst>
+            <pc:docMk/>
+            <pc:sldMk cId="1713219598" sldId="257"/>
+            <ac:spMk id="42" creationId="{F419C3E5-EE51-9167-E45C-44D8BCE0A7D5}"/>
+          </ac:spMkLst>
+        </pc:spChg>
+        <pc:spChg chg="add del mod">
+          <ac:chgData name="Bryant Pham" userId="278db2f4510d4a30" providerId="LiveId" clId="{5FC78452-0998-477C-956A-FDC21CEC2819}" dt="2022-09-15T17:24:05.840" v="1022" actId="26606"/>
+          <ac:spMkLst>
+            <pc:docMk/>
+            <pc:sldMk cId="1713219598" sldId="257"/>
+            <ac:spMk id="43" creationId="{106E1BA9-F786-1293-5A45-555DC9E9676A}"/>
+          </ac:spMkLst>
+        </pc:spChg>
+        <pc:spChg chg="add del mod">
+          <ac:chgData name="Bryant Pham" userId="278db2f4510d4a30" providerId="LiveId" clId="{5FC78452-0998-477C-956A-FDC21CEC2819}" dt="2022-09-15T17:24:05.840" v="1022" actId="26606"/>
+          <ac:spMkLst>
+            <pc:docMk/>
+            <pc:sldMk cId="1713219598" sldId="257"/>
+            <ac:spMk id="44" creationId="{FD3BF8E0-511A-DCAE-662B-3EA8FC286804}"/>
+          </ac:spMkLst>
+        </pc:spChg>
+        <pc:spChg chg="add del mod">
+          <ac:chgData name="Bryant Pham" userId="278db2f4510d4a30" providerId="LiveId" clId="{5FC78452-0998-477C-956A-FDC21CEC2819}" dt="2022-09-15T17:24:06.886" v="1024" actId="26606"/>
+          <ac:spMkLst>
+            <pc:docMk/>
+            <pc:sldMk cId="1713219598" sldId="257"/>
+            <ac:spMk id="46" creationId="{B18EE1C6-7C5D-A7F0-42B0-1D4BE4F0E048}"/>
+          </ac:spMkLst>
+        </pc:spChg>
+        <pc:spChg chg="add del mod">
+          <ac:chgData name="Bryant Pham" userId="278db2f4510d4a30" providerId="LiveId" clId="{5FC78452-0998-477C-956A-FDC21CEC2819}" dt="2022-09-15T17:24:06.886" v="1024" actId="26606"/>
+          <ac:spMkLst>
+            <pc:docMk/>
+            <pc:sldMk cId="1713219598" sldId="257"/>
+            <ac:spMk id="47" creationId="{523CB350-5803-5BB6-E7B6-93D1DA1ACAF2}"/>
+          </ac:spMkLst>
+        </pc:spChg>
+        <pc:spChg chg="add del mod">
+          <ac:chgData name="Bryant Pham" userId="278db2f4510d4a30" providerId="LiveId" clId="{5FC78452-0998-477C-956A-FDC21CEC2819}" dt="2022-09-15T17:24:06.886" v="1024" actId="26606"/>
+          <ac:spMkLst>
+            <pc:docMk/>
+            <pc:sldMk cId="1713219598" sldId="257"/>
+            <ac:spMk id="48" creationId="{C9847167-E022-5AAE-B2EA-B6EF849EEEA5}"/>
+          </ac:spMkLst>
+        </pc:spChg>
+        <pc:spChg chg="add del mod">
+          <ac:chgData name="Bryant Pham" userId="278db2f4510d4a30" providerId="LiveId" clId="{5FC78452-0998-477C-956A-FDC21CEC2819}" dt="2022-09-15T17:24:07.782" v="1026" actId="26606"/>
+          <ac:spMkLst>
+            <pc:docMk/>
+            <pc:sldMk cId="1713219598" sldId="257"/>
+            <ac:spMk id="51" creationId="{64802C35-FFDC-219F-2C5D-A9B20FB3567A}"/>
+          </ac:spMkLst>
+        </pc:spChg>
+        <pc:spChg chg="add del mod">
+          <ac:chgData name="Bryant Pham" userId="278db2f4510d4a30" providerId="LiveId" clId="{5FC78452-0998-477C-956A-FDC21CEC2819}" dt="2022-09-15T17:24:07.782" v="1026" actId="26606"/>
+          <ac:spMkLst>
+            <pc:docMk/>
+            <pc:sldMk cId="1713219598" sldId="257"/>
+            <ac:spMk id="52" creationId="{D1B47A87-A0D6-9E45-CC0D-DDED9585F1D2}"/>
+          </ac:spMkLst>
+        </pc:spChg>
+        <pc:spChg chg="add del mod">
+          <ac:chgData name="Bryant Pham" userId="278db2f4510d4a30" providerId="LiveId" clId="{5FC78452-0998-477C-956A-FDC21CEC2819}" dt="2022-09-15T17:24:07.782" v="1026" actId="26606"/>
+          <ac:spMkLst>
+            <pc:docMk/>
+            <pc:sldMk cId="1713219598" sldId="257"/>
+            <ac:spMk id="53" creationId="{0B827131-EF91-BDC9-D535-34D0317002A0}"/>
+          </ac:spMkLst>
+        </pc:spChg>
+        <pc:spChg chg="add mod">
+          <ac:chgData name="Bryant Pham" userId="278db2f4510d4a30" providerId="LiveId" clId="{5FC78452-0998-477C-956A-FDC21CEC2819}" dt="2022-09-15T17:24:07.808" v="1027" actId="26606"/>
+          <ac:spMkLst>
+            <pc:docMk/>
+            <pc:sldMk cId="1713219598" sldId="257"/>
+            <ac:spMk id="56" creationId="{D2FCF0D7-62B6-EE0D-344F-13D05EAF619E}"/>
+          </ac:spMkLst>
+        </pc:spChg>
+        <pc:spChg chg="add mod">
+          <ac:chgData name="Bryant Pham" userId="278db2f4510d4a30" providerId="LiveId" clId="{5FC78452-0998-477C-956A-FDC21CEC2819}" dt="2022-09-15T17:24:07.808" v="1027" actId="26606"/>
+          <ac:spMkLst>
+            <pc:docMk/>
+            <pc:sldMk cId="1713219598" sldId="257"/>
+            <ac:spMk id="57" creationId="{08579A4C-85E1-FAF6-8F7B-870B33ECFAB7}"/>
+          </ac:spMkLst>
+        </pc:spChg>
+        <pc:spChg chg="add mod">
+          <ac:chgData name="Bryant Pham" userId="278db2f4510d4a30" providerId="LiveId" clId="{5FC78452-0998-477C-956A-FDC21CEC2819}" dt="2022-09-15T17:24:07.808" v="1027" actId="26606"/>
+          <ac:spMkLst>
+            <pc:docMk/>
+            <pc:sldMk cId="1713219598" sldId="257"/>
+            <ac:spMk id="58" creationId="{CA2318A8-DEBB-F331-5006-9D51E6BDD32B}"/>
+          </ac:spMkLst>
+        </pc:spChg>
+        <pc:graphicFrameChg chg="add del mod">
+          <ac:chgData name="Bryant Pham" userId="278db2f4510d4a30" providerId="LiveId" clId="{5FC78452-0998-477C-956A-FDC21CEC2819}" dt="2022-09-15T17:23:57.219" v="1010" actId="26606"/>
+          <ac:graphicFrameMkLst>
+            <pc:docMk/>
+            <pc:sldMk cId="1713219598" sldId="257"/>
+            <ac:graphicFrameMk id="5" creationId="{40B6EC56-4BEE-DEEC-B586-46C8A1CD4572}"/>
+          </ac:graphicFrameMkLst>
+        </pc:graphicFrameChg>
+        <pc:graphicFrameChg chg="add del mod">
+          <ac:chgData name="Bryant Pham" userId="278db2f4510d4a30" providerId="LiveId" clId="{5FC78452-0998-477C-956A-FDC21CEC2819}" dt="2022-09-15T17:24:00.167" v="1012" actId="26606"/>
+          <ac:graphicFrameMkLst>
+            <pc:docMk/>
+            <pc:sldMk cId="1713219598" sldId="257"/>
+            <ac:graphicFrameMk id="18" creationId="{1AA6D379-857A-2AF6-275E-D3370A2F556F}"/>
+          </ac:graphicFrameMkLst>
+        </pc:graphicFrameChg>
+        <pc:graphicFrameChg chg="add del mod">
+          <ac:chgData name="Bryant Pham" userId="278db2f4510d4a30" providerId="LiveId" clId="{5FC78452-0998-477C-956A-FDC21CEC2819}" dt="2022-09-15T17:24:01.433" v="1014" actId="26606"/>
+          <ac:graphicFrameMkLst>
+            <pc:docMk/>
+            <pc:sldMk cId="1713219598" sldId="257"/>
+            <ac:graphicFrameMk id="23" creationId="{E4774563-A811-9BF6-5C5F-DA6B73E1090A}"/>
+          </ac:graphicFrameMkLst>
+        </pc:graphicFrameChg>
+        <pc:graphicFrameChg chg="add del mod">
+          <ac:chgData name="Bryant Pham" userId="278db2f4510d4a30" providerId="LiveId" clId="{5FC78452-0998-477C-956A-FDC21CEC2819}" dt="2022-09-15T17:24:06.886" v="1024" actId="26606"/>
+          <ac:graphicFrameMkLst>
+            <pc:docMk/>
+            <pc:sldMk cId="1713219598" sldId="257"/>
+            <ac:graphicFrameMk id="49" creationId="{E4774563-A811-9BF6-5C5F-DA6B73E1090A}"/>
+          </ac:graphicFrameMkLst>
+        </pc:graphicFrameChg>
+        <pc:graphicFrameChg chg="add del mod">
+          <ac:chgData name="Bryant Pham" userId="278db2f4510d4a30" providerId="LiveId" clId="{5FC78452-0998-477C-956A-FDC21CEC2819}" dt="2022-09-15T17:24:07.782" v="1026" actId="26606"/>
+          <ac:graphicFrameMkLst>
+            <pc:docMk/>
+            <pc:sldMk cId="1713219598" sldId="257"/>
+            <ac:graphicFrameMk id="54" creationId="{1AA6D379-857A-2AF6-275E-D3370A2F556F}"/>
+          </ac:graphicFrameMkLst>
+        </pc:graphicFrameChg>
+        <pc:graphicFrameChg chg="add mod">
+          <ac:chgData name="Bryant Pham" userId="278db2f4510d4a30" providerId="LiveId" clId="{5FC78452-0998-477C-956A-FDC21CEC2819}" dt="2022-09-15T17:24:07.808" v="1027" actId="26606"/>
+          <ac:graphicFrameMkLst>
+            <pc:docMk/>
+            <pc:sldMk cId="1713219598" sldId="257"/>
+            <ac:graphicFrameMk id="59" creationId="{40B6EC56-4BEE-DEEC-B586-46C8A1CD4572}"/>
+          </ac:graphicFrameMkLst>
+        </pc:graphicFrameChg>
+      </pc:sldChg>
+      <pc:sldChg chg="addSp delSp modSp mod modClrScheme chgLayout">
+        <pc:chgData name="Bryant Pham" userId="278db2f4510d4a30" providerId="LiveId" clId="{5FC78452-0998-477C-956A-FDC21CEC2819}" dt="2022-09-15T17:25:27.875" v="1068" actId="20577"/>
+        <pc:sldMkLst>
+          <pc:docMk/>
+          <pc:sldMk cId="3571516367" sldId="258"/>
+        </pc:sldMkLst>
+        <pc:spChg chg="mod">
+          <ac:chgData name="Bryant Pham" userId="278db2f4510d4a30" providerId="LiveId" clId="{5FC78452-0998-477C-956A-FDC21CEC2819}" dt="2022-09-15T17:24:37.772" v="1039" actId="1076"/>
+          <ac:spMkLst>
+            <pc:docMk/>
+            <pc:sldMk cId="3571516367" sldId="258"/>
+            <ac:spMk id="2" creationId="{0A32731C-311B-46F7-A865-6C3AF6B09A47}"/>
+          </ac:spMkLst>
+        </pc:spChg>
+        <pc:spChg chg="add mod">
+          <ac:chgData name="Bryant Pham" userId="278db2f4510d4a30" providerId="LiveId" clId="{5FC78452-0998-477C-956A-FDC21CEC2819}" dt="2022-09-15T17:25:27.875" v="1068" actId="20577"/>
+          <ac:spMkLst>
+            <pc:docMk/>
+            <pc:sldMk cId="3571516367" sldId="258"/>
+            <ac:spMk id="3" creationId="{A124636D-C047-CF8D-244B-681919300013}"/>
+          </ac:spMkLst>
+        </pc:spChg>
+        <pc:spChg chg="add del mod">
+          <ac:chgData name="Bryant Pham" userId="278db2f4510d4a30" providerId="LiveId" clId="{5FC78452-0998-477C-956A-FDC21CEC2819}" dt="2022-09-15T17:24:15.451" v="1034" actId="26606"/>
+          <ac:spMkLst>
+            <pc:docMk/>
+            <pc:sldMk cId="3571516367" sldId="258"/>
+            <ac:spMk id="5" creationId="{34D0415F-562E-B52D-820F-08D45454011C}"/>
+          </ac:spMkLst>
+        </pc:spChg>
+        <pc:spChg chg="add del mod">
+          <ac:chgData name="Bryant Pham" userId="278db2f4510d4a30" providerId="LiveId" clId="{5FC78452-0998-477C-956A-FDC21CEC2819}" dt="2022-09-15T17:24:15.451" v="1034" actId="26606"/>
+          <ac:spMkLst>
+            <pc:docMk/>
+            <pc:sldMk cId="3571516367" sldId="258"/>
+            <ac:spMk id="6" creationId="{D75C6242-0E1C-D7E9-060A-6C44CDB7B272}"/>
+          </ac:spMkLst>
+        </pc:spChg>
+        <pc:spChg chg="add del mod">
+          <ac:chgData name="Bryant Pham" userId="278db2f4510d4a30" providerId="LiveId" clId="{5FC78452-0998-477C-956A-FDC21CEC2819}" dt="2022-09-15T17:24:15.451" v="1034" actId="26606"/>
+          <ac:spMkLst>
+            <pc:docMk/>
+            <pc:sldMk cId="3571516367" sldId="258"/>
+            <ac:spMk id="7" creationId="{59C4F939-492A-B3A4-7226-AA4EA2AA9EE7}"/>
+          </ac:spMkLst>
+        </pc:spChg>
+        <pc:spChg chg="add del mod">
+          <ac:chgData name="Bryant Pham" userId="278db2f4510d4a30" providerId="LiveId" clId="{5FC78452-0998-477C-956A-FDC21CEC2819}" dt="2022-09-15T17:24:12.575" v="1029" actId="26606"/>
+          <ac:spMkLst>
+            <pc:docMk/>
+            <pc:sldMk cId="3571516367" sldId="258"/>
+            <ac:spMk id="8" creationId="{5BB51ED2-8137-E05F-477C-0EF2EC89EC1F}"/>
+          </ac:spMkLst>
+        </pc:spChg>
+        <pc:spChg chg="add del mod">
+          <ac:chgData name="Bryant Pham" userId="278db2f4510d4a30" providerId="LiveId" clId="{5FC78452-0998-477C-956A-FDC21CEC2819}" dt="2022-09-15T17:24:15.451" v="1034" actId="26606"/>
+          <ac:spMkLst>
+            <pc:docMk/>
+            <pc:sldMk cId="3571516367" sldId="258"/>
+            <ac:spMk id="9" creationId="{8500B79E-00B0-0B51-2F99-2134C418FD9B}"/>
+          </ac:spMkLst>
+        </pc:spChg>
+        <pc:spChg chg="add del mod">
+          <ac:chgData name="Bryant Pham" userId="278db2f4510d4a30" providerId="LiveId" clId="{5FC78452-0998-477C-956A-FDC21CEC2819}" dt="2022-09-15T17:24:12.575" v="1029" actId="26606"/>
+          <ac:spMkLst>
+            <pc:docMk/>
+            <pc:sldMk cId="3571516367" sldId="258"/>
+            <ac:spMk id="10" creationId="{8DAD4276-E29D-88E2-AFEE-DF5C3DD3BC5A}"/>
+          </ac:spMkLst>
+        </pc:spChg>
+        <pc:spChg chg="add del mod">
+          <ac:chgData name="Bryant Pham" userId="278db2f4510d4a30" providerId="LiveId" clId="{5FC78452-0998-477C-956A-FDC21CEC2819}" dt="2022-09-15T17:24:15.451" v="1034" actId="26606"/>
+          <ac:spMkLst>
+            <pc:docMk/>
+            <pc:sldMk cId="3571516367" sldId="258"/>
+            <ac:spMk id="11" creationId="{F4BA9CF6-5F0D-D03A-D0B9-82CB68FA91C8}"/>
+          </ac:spMkLst>
+        </pc:spChg>
+        <pc:spChg chg="add del mod">
+          <ac:chgData name="Bryant Pham" userId="278db2f4510d4a30" providerId="LiveId" clId="{5FC78452-0998-477C-956A-FDC21CEC2819}" dt="2022-09-15T17:24:12.575" v="1029" actId="26606"/>
+          <ac:spMkLst>
+            <pc:docMk/>
+            <pc:sldMk cId="3571516367" sldId="258"/>
+            <ac:spMk id="12" creationId="{254CD06B-D411-3609-9B5E-560FAD054306}"/>
+          </ac:spMkLst>
+        </pc:spChg>
+        <pc:spChg chg="add del mod">
+          <ac:chgData name="Bryant Pham" userId="278db2f4510d4a30" providerId="LiveId" clId="{5FC78452-0998-477C-956A-FDC21CEC2819}" dt="2022-09-15T17:24:15.451" v="1034" actId="26606"/>
+          <ac:spMkLst>
+            <pc:docMk/>
+            <pc:sldMk cId="3571516367" sldId="258"/>
+            <ac:spMk id="13" creationId="{FD0D1E05-6A63-67E3-FC9A-F651DF4B4667}"/>
+          </ac:spMkLst>
+        </pc:spChg>
+        <pc:spChg chg="add del mod">
+          <ac:chgData name="Bryant Pham" userId="278db2f4510d4a30" providerId="LiveId" clId="{5FC78452-0998-477C-956A-FDC21CEC2819}" dt="2022-09-15T17:24:12.575" v="1029" actId="26606"/>
+          <ac:spMkLst>
+            <pc:docMk/>
+            <pc:sldMk cId="3571516367" sldId="258"/>
+            <ac:spMk id="14" creationId="{A3458FDF-32A3-E3A9-045F-A215B6448645}"/>
+          </ac:spMkLst>
+        </pc:spChg>
+        <pc:spChg chg="add mod">
+          <ac:chgData name="Bryant Pham" userId="278db2f4510d4a30" providerId="LiveId" clId="{5FC78452-0998-477C-956A-FDC21CEC2819}" dt="2022-09-15T17:24:15.457" v="1035" actId="26606"/>
+          <ac:spMkLst>
+            <pc:docMk/>
+            <pc:sldMk cId="3571516367" sldId="258"/>
+            <ac:spMk id="15" creationId="{BB780400-020C-D918-9F51-324DF3C9E454}"/>
+          </ac:spMkLst>
+        </pc:spChg>
+        <pc:spChg chg="add del mod">
+          <ac:chgData name="Bryant Pham" userId="278db2f4510d4a30" providerId="LiveId" clId="{5FC78452-0998-477C-956A-FDC21CEC2819}" dt="2022-09-15T17:24:12.575" v="1029" actId="26606"/>
+          <ac:spMkLst>
+            <pc:docMk/>
+            <pc:sldMk cId="3571516367" sldId="258"/>
+            <ac:spMk id="16" creationId="{B200DDE0-83D5-60FA-899C-50E42CDAD29E}"/>
+          </ac:spMkLst>
+        </pc:spChg>
+        <pc:spChg chg="add mod">
+          <ac:chgData name="Bryant Pham" userId="278db2f4510d4a30" providerId="LiveId" clId="{5FC78452-0998-477C-956A-FDC21CEC2819}" dt="2022-09-15T17:24:15.457" v="1035" actId="26606"/>
+          <ac:spMkLst>
+            <pc:docMk/>
+            <pc:sldMk cId="3571516367" sldId="258"/>
+            <ac:spMk id="17" creationId="{FCD814E3-A2C9-A0AD-8A68-A313B5366C80}"/>
+          </ac:spMkLst>
+        </pc:spChg>
+        <pc:spChg chg="add del mod">
+          <ac:chgData name="Bryant Pham" userId="278db2f4510d4a30" providerId="LiveId" clId="{5FC78452-0998-477C-956A-FDC21CEC2819}" dt="2022-09-15T17:24:12.575" v="1029" actId="26606"/>
+          <ac:spMkLst>
+            <pc:docMk/>
+            <pc:sldMk cId="3571516367" sldId="258"/>
+            <ac:spMk id="18" creationId="{801B5EE8-AC14-A176-973C-43442C43A965}"/>
+          </ac:spMkLst>
+        </pc:spChg>
+        <pc:spChg chg="add mod">
+          <ac:chgData name="Bryant Pham" userId="278db2f4510d4a30" providerId="LiveId" clId="{5FC78452-0998-477C-956A-FDC21CEC2819}" dt="2022-09-15T17:24:15.457" v="1035" actId="26606"/>
+          <ac:spMkLst>
+            <pc:docMk/>
+            <pc:sldMk cId="3571516367" sldId="258"/>
+            <ac:spMk id="19" creationId="{20A5F4F5-C32D-FC72-92E3-09EF715C9DC8}"/>
+          </ac:spMkLst>
+        </pc:spChg>
+        <pc:spChg chg="add del mod">
+          <ac:chgData name="Bryant Pham" userId="278db2f4510d4a30" providerId="LiveId" clId="{5FC78452-0998-477C-956A-FDC21CEC2819}" dt="2022-09-15T17:24:12.575" v="1029" actId="26606"/>
+          <ac:spMkLst>
+            <pc:docMk/>
+            <pc:sldMk cId="3571516367" sldId="258"/>
+            <ac:spMk id="20" creationId="{AADE7758-2F4A-6BAD-0DAC-19718F2430B4}"/>
+          </ac:spMkLst>
+        </pc:spChg>
+        <pc:spChg chg="add del mod">
+          <ac:chgData name="Bryant Pham" userId="278db2f4510d4a30" providerId="LiveId" clId="{5FC78452-0998-477C-956A-FDC21CEC2819}" dt="2022-09-15T17:24:12.575" v="1029" actId="26606"/>
+          <ac:spMkLst>
+            <pc:docMk/>
+            <pc:sldMk cId="3571516367" sldId="258"/>
+            <ac:spMk id="22" creationId="{A5065282-BB8E-D449-BEA5-A450F469E6AE}"/>
+          </ac:spMkLst>
+        </pc:spChg>
+      </pc:sldChg>
+      <pc:sldChg chg="modSp mod">
+        <pc:chgData name="Bryant Pham" userId="278db2f4510d4a30" providerId="LiveId" clId="{5FC78452-0998-477C-956A-FDC21CEC2819}" dt="2022-09-15T17:23:44.167" v="1008"/>
         <pc:sldMkLst>
           <pc:docMk/>
           <pc:sldMk cId="332104327" sldId="259"/>
         </pc:sldMkLst>
         <pc:spChg chg="mod">
-          <ac:chgData name="Bryant Pham" userId="278db2f4510d4a30" providerId="LiveId" clId="{9FCD8CDC-46AE-40B7-B2F8-A55EDA201CDE}" dt="2022-09-14T15:49:16.750" v="21" actId="20577"/>
+          <ac:chgData name="Bryant Pham" userId="278db2f4510d4a30" providerId="LiveId" clId="{5FC78452-0998-477C-956A-FDC21CEC2819}" dt="2022-09-15T17:23:44.167" v="1008"/>
           <ac:spMkLst>
             <pc:docMk/>
             <pc:sldMk cId="332104327" sldId="259"/>
-            <ac:spMk id="12" creationId="{FABE7D8B-D1CD-44C0-AD2D-2ABA67684E97}"/>
-          </ac:spMkLst>
-        </pc:spChg>
-        <pc:spChg chg="mod">
-          <ac:chgData name="Bryant Pham" userId="278db2f4510d4a30" providerId="LiveId" clId="{9FCD8CDC-46AE-40B7-B2F8-A55EDA201CDE}" dt="2022-09-14T15:49:30.524" v="28" actId="20577"/>
-          <ac:spMkLst>
-            <pc:docMk/>
-            <pc:sldMk cId="332104327" sldId="259"/>
-            <ac:spMk id="13" creationId="{8C2F0B15-120C-423F-8EE5-F303B19D5CC5}"/>
+            <ac:spMk id="2" creationId="{FA93DB88-62DD-4C41-977F-D59BEF14EE76}"/>
           </ac:spMkLst>
         </pc:spChg>
       </pc:sldChg>
-      <pc:sldChg chg="modSp mod">
-        <pc:chgData name="Bryant Pham" userId="278db2f4510d4a30" providerId="LiveId" clId="{9FCD8CDC-46AE-40B7-B2F8-A55EDA201CDE}" dt="2022-09-14T15:48:57.120" v="0" actId="20577"/>
+      <pc:sldChg chg="addSp modSp mod modClrScheme chgLayout">
+        <pc:chgData name="Bryant Pham" userId="278db2f4510d4a30" providerId="LiveId" clId="{5FC78452-0998-477C-956A-FDC21CEC2819}" dt="2022-09-15T17:26:05.573" v="1092" actId="1076"/>
         <pc:sldMkLst>
           <pc:docMk/>
           <pc:sldMk cId="379728094" sldId="262"/>
         </pc:sldMkLst>
         <pc:spChg chg="mod">
-          <ac:chgData name="Bryant Pham" userId="278db2f4510d4a30" providerId="LiveId" clId="{9FCD8CDC-46AE-40B7-B2F8-A55EDA201CDE}" dt="2022-09-14T15:48:57.120" v="0" actId="20577"/>
+          <ac:chgData name="Bryant Pham" userId="278db2f4510d4a30" providerId="LiveId" clId="{5FC78452-0998-477C-956A-FDC21CEC2819}" dt="2022-09-15T17:26:05.573" v="1092" actId="1076"/>
+          <ac:spMkLst>
+            <pc:docMk/>
+            <pc:sldMk cId="379728094" sldId="262"/>
+            <ac:spMk id="2" creationId="{B1FE5F11-B7B9-4B80-8C6A-A8A7A7190B77}"/>
+          </ac:spMkLst>
+        </pc:spChg>
+        <pc:spChg chg="mod">
+          <ac:chgData name="Bryant Pham" userId="278db2f4510d4a30" providerId="LiveId" clId="{5FC78452-0998-477C-956A-FDC21CEC2819}" dt="2022-09-15T17:25:47.581" v="1089" actId="27636"/>
           <ac:spMkLst>
             <pc:docMk/>
             <pc:sldMk cId="379728094" sldId="262"/>
             <ac:spMk id="3" creationId="{DA8AFAA9-633A-475C-B8ED-840A34F7294D}"/>
           </ac:spMkLst>
         </pc:spChg>
+        <pc:spChg chg="add mod">
+          <ac:chgData name="Bryant Pham" userId="278db2f4510d4a30" providerId="LiveId" clId="{5FC78452-0998-477C-956A-FDC21CEC2819}" dt="2022-09-15T17:24:44.577" v="1041" actId="26606"/>
+          <ac:spMkLst>
+            <pc:docMk/>
+            <pc:sldMk cId="379728094" sldId="262"/>
+            <ac:spMk id="8" creationId="{814B414B-9117-E407-604A-808224338BF5}"/>
+          </ac:spMkLst>
+        </pc:spChg>
+        <pc:spChg chg="add mod">
+          <ac:chgData name="Bryant Pham" userId="278db2f4510d4a30" providerId="LiveId" clId="{5FC78452-0998-477C-956A-FDC21CEC2819}" dt="2022-09-15T17:24:44.577" v="1041" actId="26606"/>
+          <ac:spMkLst>
+            <pc:docMk/>
+            <pc:sldMk cId="379728094" sldId="262"/>
+            <ac:spMk id="10" creationId="{7390922E-A1D8-6546-BD17-2D7C73A3A8BB}"/>
+          </ac:spMkLst>
+        </pc:spChg>
+        <pc:spChg chg="add mod">
+          <ac:chgData name="Bryant Pham" userId="278db2f4510d4a30" providerId="LiveId" clId="{5FC78452-0998-477C-956A-FDC21CEC2819}" dt="2022-09-15T17:24:44.577" v="1041" actId="26606"/>
+          <ac:spMkLst>
+            <pc:docMk/>
+            <pc:sldMk cId="379728094" sldId="262"/>
+            <ac:spMk id="12" creationId="{3FEC4A65-93B9-F029-D05A-7C281A62C39C}"/>
+          </ac:spMkLst>
+        </pc:spChg>
       </pc:sldChg>
+      <pc:sldChg chg="modSp mod">
+        <pc:chgData name="Bryant Pham" userId="278db2f4510d4a30" providerId="LiveId" clId="{5FC78452-0998-477C-956A-FDC21CEC2819}" dt="2022-09-15T17:23:44.167" v="1008"/>
+        <pc:sldMkLst>
+          <pc:docMk/>
+          <pc:sldMk cId="1742861620" sldId="266"/>
+        </pc:sldMkLst>
+        <pc:spChg chg="mod">
+          <ac:chgData name="Bryant Pham" userId="278db2f4510d4a30" providerId="LiveId" clId="{5FC78452-0998-477C-956A-FDC21CEC2819}" dt="2022-09-15T17:23:44.167" v="1008"/>
+          <ac:spMkLst>
+            <pc:docMk/>
+            <pc:sldMk cId="1742861620" sldId="266"/>
+            <ac:spMk id="2" creationId="{4518FC28-E0BD-4387-B8BE-9965D1A57FF1}"/>
+          </ac:spMkLst>
+        </pc:spChg>
+        <pc:spChg chg="mod">
+          <ac:chgData name="Bryant Pham" userId="278db2f4510d4a30" providerId="LiveId" clId="{5FC78452-0998-477C-956A-FDC21CEC2819}" dt="2022-09-15T17:23:44.167" v="1008"/>
+          <ac:spMkLst>
+            <pc:docMk/>
+            <pc:sldMk cId="1742861620" sldId="266"/>
+            <ac:spMk id="3" creationId="{FED19BCA-B61F-4EA6-A1FB-CCA3BD8506FB}"/>
+          </ac:spMkLst>
+        </pc:spChg>
+        <pc:spChg chg="mod">
+          <ac:chgData name="Bryant Pham" userId="278db2f4510d4a30" providerId="LiveId" clId="{5FC78452-0998-477C-956A-FDC21CEC2819}" dt="2022-09-15T17:23:44.167" v="1008"/>
+          <ac:spMkLst>
+            <pc:docMk/>
+            <pc:sldMk cId="1742861620" sldId="266"/>
+            <ac:spMk id="6" creationId="{7C4B8313-9270-4128-8674-3A3E42B806BC}"/>
+          </ac:spMkLst>
+        </pc:spChg>
+      </pc:sldChg>
+      <pc:sldChg chg="addSp delSp modSp mod">
+        <pc:chgData name="Bryant Pham" userId="278db2f4510d4a30" providerId="LiveId" clId="{5FC78452-0998-477C-956A-FDC21CEC2819}" dt="2022-09-15T17:23:44.167" v="1008"/>
+        <pc:sldMkLst>
+          <pc:docMk/>
+          <pc:sldMk cId="1969787568" sldId="271"/>
+        </pc:sldMkLst>
+        <pc:spChg chg="mod">
+          <ac:chgData name="Bryant Pham" userId="278db2f4510d4a30" providerId="LiveId" clId="{5FC78452-0998-477C-956A-FDC21CEC2819}" dt="2022-09-15T17:23:44.167" v="1008"/>
+          <ac:spMkLst>
+            <pc:docMk/>
+            <pc:sldMk cId="1969787568" sldId="271"/>
+            <ac:spMk id="2" creationId="{8BDF1EDE-5423-435C-B149-87AB1BC22B83}"/>
+          </ac:spMkLst>
+        </pc:spChg>
+        <pc:spChg chg="add mod">
+          <ac:chgData name="Bryant Pham" userId="278db2f4510d4a30" providerId="LiveId" clId="{5FC78452-0998-477C-956A-FDC21CEC2819}" dt="2022-09-15T17:19:48.230" v="909" actId="1076"/>
+          <ac:spMkLst>
+            <pc:docMk/>
+            <pc:sldMk cId="1969787568" sldId="271"/>
+            <ac:spMk id="5" creationId="{185E379E-EBCD-79EB-6E22-E97A9FF4A8D4}"/>
+          </ac:spMkLst>
+        </pc:spChg>
+        <pc:spChg chg="add mod">
+          <ac:chgData name="Bryant Pham" userId="278db2f4510d4a30" providerId="LiveId" clId="{5FC78452-0998-477C-956A-FDC21CEC2819}" dt="2022-09-15T17:20:39.052" v="935" actId="20577"/>
+          <ac:spMkLst>
+            <pc:docMk/>
+            <pc:sldMk cId="1969787568" sldId="271"/>
+            <ac:spMk id="8" creationId="{2A3A63DD-F110-A0C2-549F-47488EED93EB}"/>
+          </ac:spMkLst>
+        </pc:spChg>
+        <pc:picChg chg="add mod">
+          <ac:chgData name="Bryant Pham" userId="278db2f4510d4a30" providerId="LiveId" clId="{5FC78452-0998-477C-956A-FDC21CEC2819}" dt="2022-09-15T17:20:49.867" v="938" actId="1076"/>
+          <ac:picMkLst>
+            <pc:docMk/>
+            <pc:sldMk cId="1969787568" sldId="271"/>
+            <ac:picMk id="4" creationId="{31FB3BC6-5B9D-0DA3-8F8E-27464119D8E1}"/>
+          </ac:picMkLst>
+        </pc:picChg>
+        <pc:picChg chg="add mod">
+          <ac:chgData name="Bryant Pham" userId="278db2f4510d4a30" providerId="LiveId" clId="{5FC78452-0998-477C-956A-FDC21CEC2819}" dt="2022-09-15T17:20:08.607" v="916" actId="1076"/>
+          <ac:picMkLst>
+            <pc:docMk/>
+            <pc:sldMk cId="1969787568" sldId="271"/>
+            <ac:picMk id="7" creationId="{BF16CC6C-9701-B69B-FA1C-93A06FC38D94}"/>
+          </ac:picMkLst>
+        </pc:picChg>
+        <pc:picChg chg="del mod">
+          <ac:chgData name="Bryant Pham" userId="278db2f4510d4a30" providerId="LiveId" clId="{5FC78452-0998-477C-956A-FDC21CEC2819}" dt="2022-09-15T16:21:52.625" v="865" actId="21"/>
+          <ac:picMkLst>
+            <pc:docMk/>
+            <pc:sldMk cId="1969787568" sldId="271"/>
+            <ac:picMk id="12" creationId="{D0A05AD6-BA21-3EEE-76CF-C3B054A14F19}"/>
+          </ac:picMkLst>
+        </pc:picChg>
+      </pc:sldChg>
+      <pc:sldChg chg="modSp new del mod ord">
+        <pc:chgData name="Bryant Pham" userId="278db2f4510d4a30" providerId="LiveId" clId="{5FC78452-0998-477C-956A-FDC21CEC2819}" dt="2022-09-15T17:23:23.512" v="994" actId="680"/>
+        <pc:sldMkLst>
+          <pc:docMk/>
+          <pc:sldMk cId="1505792934" sldId="272"/>
+        </pc:sldMkLst>
+        <pc:spChg chg="mod">
+          <ac:chgData name="Bryant Pham" userId="278db2f4510d4a30" providerId="LiveId" clId="{5FC78452-0998-477C-956A-FDC21CEC2819}" dt="2022-09-15T17:23:23.502" v="992" actId="20577"/>
+          <ac:spMkLst>
+            <pc:docMk/>
+            <pc:sldMk cId="1505792934" sldId="272"/>
+            <ac:spMk id="2" creationId="{08A80ABF-02E0-F68D-8D38-94211251E426}"/>
+          </ac:spMkLst>
+        </pc:spChg>
+        <pc:spChg chg="mod">
+          <ac:chgData name="Bryant Pham" userId="278db2f4510d4a30" providerId="LiveId" clId="{5FC78452-0998-477C-956A-FDC21CEC2819}" dt="2022-09-15T17:23:23.496" v="991"/>
+          <ac:spMkLst>
+            <pc:docMk/>
+            <pc:sldMk cId="1505792934" sldId="272"/>
+            <ac:spMk id="3" creationId="{E8B8D716-CDA6-2242-11D7-A9A7042278D5}"/>
+          </ac:spMkLst>
+        </pc:spChg>
+        <pc:spChg chg="mod">
+          <ac:chgData name="Bryant Pham" userId="278db2f4510d4a30" providerId="LiveId" clId="{5FC78452-0998-477C-956A-FDC21CEC2819}" dt="2022-09-15T17:23:22.124" v="988"/>
+          <ac:spMkLst>
+            <pc:docMk/>
+            <pc:sldMk cId="1505792934" sldId="272"/>
+            <ac:spMk id="4" creationId="{264D1DBC-13B7-6F6B-F4BC-B40B84CC9B88}"/>
+          </ac:spMkLst>
+        </pc:spChg>
+        <pc:spChg chg="mod">
+          <ac:chgData name="Bryant Pham" userId="278db2f4510d4a30" providerId="LiveId" clId="{5FC78452-0998-477C-956A-FDC21CEC2819}" dt="2022-09-15T17:23:22.124" v="988"/>
+          <ac:spMkLst>
+            <pc:docMk/>
+            <pc:sldMk cId="1505792934" sldId="272"/>
+            <ac:spMk id="5" creationId="{A7FE4776-3A02-E81D-EEE4-8780F9526072}"/>
+          </ac:spMkLst>
+        </pc:spChg>
+        <pc:spChg chg="mod">
+          <ac:chgData name="Bryant Pham" userId="278db2f4510d4a30" providerId="LiveId" clId="{5FC78452-0998-477C-956A-FDC21CEC2819}" dt="2022-09-15T17:23:22.124" v="988"/>
+          <ac:spMkLst>
+            <pc:docMk/>
+            <pc:sldMk cId="1505792934" sldId="272"/>
+            <ac:spMk id="6" creationId="{E3B3893D-0D91-E95D-C7CB-9CCD6B708E1B}"/>
+          </ac:spMkLst>
+        </pc:spChg>
+      </pc:sldChg>
+      <pc:sldMasterChg chg="modSldLayout">
+        <pc:chgData name="Bryant Pham" userId="278db2f4510d4a30" providerId="LiveId" clId="{5FC78452-0998-477C-956A-FDC21CEC2819}" dt="2022-09-15T17:22:21.401" v="952"/>
+        <pc:sldMasterMkLst>
+          <pc:docMk/>
+          <pc:sldMasterMk cId="2878591007" sldId="2147483669"/>
+        </pc:sldMasterMkLst>
+        <pc:sldLayoutChg chg="addSp">
+          <pc:chgData name="Bryant Pham" userId="278db2f4510d4a30" providerId="LiveId" clId="{5FC78452-0998-477C-956A-FDC21CEC2819}" dt="2022-09-15T17:22:21.401" v="952"/>
+          <pc:sldLayoutMkLst>
+            <pc:docMk/>
+            <pc:sldMasterMk cId="2878591007" sldId="2147483669"/>
+            <pc:sldLayoutMk cId="2747493218" sldId="2147483670"/>
+          </pc:sldLayoutMkLst>
+          <pc:picChg chg="add">
+            <ac:chgData name="Bryant Pham" userId="278db2f4510d4a30" providerId="LiveId" clId="{5FC78452-0998-477C-956A-FDC21CEC2819}" dt="2022-09-15T17:22:21.401" v="952"/>
+            <ac:picMkLst>
+              <pc:docMk/>
+              <pc:sldMasterMk cId="2878591007" sldId="2147483669"/>
+              <pc:sldLayoutMk cId="2747493218" sldId="2147483670"/>
+              <ac:picMk id="7" creationId="{5670C627-0851-1379-F030-767C109017D1}"/>
+            </ac:picMkLst>
+          </pc:picChg>
+        </pc:sldLayoutChg>
+      </pc:sldMasterChg>
+      <pc:sldMasterChg chg="modSldLayout">
+        <pc:chgData name="Bryant Pham" userId="278db2f4510d4a30" providerId="LiveId" clId="{5FC78452-0998-477C-956A-FDC21CEC2819}" dt="2022-09-15T17:23:37.330" v="995"/>
+        <pc:sldMasterMkLst>
+          <pc:docMk/>
+          <pc:sldMasterMk cId="3242204475" sldId="2147483669"/>
+        </pc:sldMasterMkLst>
+        <pc:sldLayoutChg chg="addSp">
+          <pc:chgData name="Bryant Pham" userId="278db2f4510d4a30" providerId="LiveId" clId="{5FC78452-0998-477C-956A-FDC21CEC2819}" dt="2022-09-15T17:23:37.330" v="995"/>
+          <pc:sldLayoutMkLst>
+            <pc:docMk/>
+            <pc:sldMasterMk cId="3242204475" sldId="2147483669"/>
+            <pc:sldLayoutMk cId="1560116990" sldId="2147483670"/>
+          </pc:sldLayoutMkLst>
+          <pc:picChg chg="add">
+            <ac:chgData name="Bryant Pham" userId="278db2f4510d4a30" providerId="LiveId" clId="{5FC78452-0998-477C-956A-FDC21CEC2819}" dt="2022-09-15T17:23:37.330" v="995"/>
+            <ac:picMkLst>
+              <pc:docMk/>
+              <pc:sldMasterMk cId="3242204475" sldId="2147483669"/>
+              <pc:sldLayoutMk cId="1560116990" sldId="2147483670"/>
+              <ac:picMk id="7" creationId="{464BE2FC-DB97-42B4-F0C0-E82570170950}"/>
+            </ac:picMkLst>
+          </pc:picChg>
+        </pc:sldLayoutChg>
+      </pc:sldMasterChg>
+      <pc:sldMasterChg chg="modSldLayout">
+        <pc:chgData name="Bryant Pham" userId="278db2f4510d4a30" providerId="LiveId" clId="{5FC78452-0998-477C-956A-FDC21CEC2819}" dt="2022-09-15T17:23:08.310" v="969"/>
+        <pc:sldMasterMkLst>
+          <pc:docMk/>
+          <pc:sldMasterMk cId="2698944734" sldId="2147483682"/>
+        </pc:sldMasterMkLst>
+        <pc:sldLayoutChg chg="addSp">
+          <pc:chgData name="Bryant Pham" userId="278db2f4510d4a30" providerId="LiveId" clId="{5FC78452-0998-477C-956A-FDC21CEC2819}" dt="2022-09-15T17:23:08.310" v="969"/>
+          <pc:sldLayoutMkLst>
+            <pc:docMk/>
+            <pc:sldMasterMk cId="2698944734" sldId="2147483682"/>
+            <pc:sldLayoutMk cId="3076755273" sldId="2147483683"/>
+          </pc:sldLayoutMkLst>
+          <pc:picChg chg="add">
+            <ac:chgData name="Bryant Pham" userId="278db2f4510d4a30" providerId="LiveId" clId="{5FC78452-0998-477C-956A-FDC21CEC2819}" dt="2022-09-15T17:23:08.310" v="969"/>
+            <ac:picMkLst>
+              <pc:docMk/>
+              <pc:sldMasterMk cId="2698944734" sldId="2147483682"/>
+              <pc:sldLayoutMk cId="3076755273" sldId="2147483683"/>
+              <ac:picMk id="7" creationId="{52803F8B-25F3-6BE9-712C-F6540CD27DB3}"/>
+            </ac:picMkLst>
+          </pc:picChg>
+        </pc:sldLayoutChg>
+      </pc:sldMasterChg>
+      <pc:sldMasterChg chg="modSldLayout">
+        <pc:chgData name="Bryant Pham" userId="278db2f4510d4a30" providerId="LiveId" clId="{5FC78452-0998-477C-956A-FDC21CEC2819}" dt="2022-09-15T17:23:14.266" v="971"/>
+        <pc:sldMasterMkLst>
+          <pc:docMk/>
+          <pc:sldMasterMk cId="3146775144" sldId="2147483695"/>
+        </pc:sldMasterMkLst>
+        <pc:sldLayoutChg chg="addSp">
+          <pc:chgData name="Bryant Pham" userId="278db2f4510d4a30" providerId="LiveId" clId="{5FC78452-0998-477C-956A-FDC21CEC2819}" dt="2022-09-15T17:23:14.266" v="971"/>
+          <pc:sldLayoutMkLst>
+            <pc:docMk/>
+            <pc:sldMasterMk cId="3146775144" sldId="2147483695"/>
+            <pc:sldLayoutMk cId="3303760881" sldId="2147483696"/>
+          </pc:sldLayoutMkLst>
+          <pc:picChg chg="add">
+            <ac:chgData name="Bryant Pham" userId="278db2f4510d4a30" providerId="LiveId" clId="{5FC78452-0998-477C-956A-FDC21CEC2819}" dt="2022-09-15T17:23:14.266" v="971"/>
+            <ac:picMkLst>
+              <pc:docMk/>
+              <pc:sldMasterMk cId="3146775144" sldId="2147483695"/>
+              <pc:sldLayoutMk cId="3303760881" sldId="2147483696"/>
+              <ac:picMk id="7" creationId="{A2E2CBE9-49F4-88D6-CA68-5BBC7A660B7C}"/>
+            </ac:picMkLst>
+          </pc:picChg>
+        </pc:sldLayoutChg>
+      </pc:sldMasterChg>
+      <pc:sldMasterChg chg="modSldLayout">
+        <pc:chgData name="Bryant Pham" userId="278db2f4510d4a30" providerId="LiveId" clId="{5FC78452-0998-477C-956A-FDC21CEC2819}" dt="2022-09-15T17:23:14.707" v="972"/>
+        <pc:sldMasterMkLst>
+          <pc:docMk/>
+          <pc:sldMasterMk cId="2912136899" sldId="2147483708"/>
+        </pc:sldMasterMkLst>
+        <pc:sldLayoutChg chg="addSp">
+          <pc:chgData name="Bryant Pham" userId="278db2f4510d4a30" providerId="LiveId" clId="{5FC78452-0998-477C-956A-FDC21CEC2819}" dt="2022-09-15T17:23:14.707" v="972"/>
+          <pc:sldLayoutMkLst>
+            <pc:docMk/>
+            <pc:sldMasterMk cId="2912136899" sldId="2147483708"/>
+            <pc:sldLayoutMk cId="1095975697" sldId="2147483709"/>
+          </pc:sldLayoutMkLst>
+          <pc:picChg chg="add">
+            <ac:chgData name="Bryant Pham" userId="278db2f4510d4a30" providerId="LiveId" clId="{5FC78452-0998-477C-956A-FDC21CEC2819}" dt="2022-09-15T17:23:14.707" v="972"/>
+            <ac:picMkLst>
+              <pc:docMk/>
+              <pc:sldMasterMk cId="2912136899" sldId="2147483708"/>
+              <pc:sldLayoutMk cId="1095975697" sldId="2147483709"/>
+              <ac:picMk id="7" creationId="{BB2B5DF8-11DE-0755-7D39-D69FCEB2048B}"/>
+            </ac:picMkLst>
+          </pc:picChg>
+        </pc:sldLayoutChg>
+      </pc:sldMasterChg>
+      <pc:sldMasterChg chg="modSldLayout">
+        <pc:chgData name="Bryant Pham" userId="278db2f4510d4a30" providerId="LiveId" clId="{5FC78452-0998-477C-956A-FDC21CEC2819}" dt="2022-09-15T17:23:15.264" v="973"/>
+        <pc:sldMasterMkLst>
+          <pc:docMk/>
+          <pc:sldMasterMk cId="177283245" sldId="2147483721"/>
+        </pc:sldMasterMkLst>
+        <pc:sldLayoutChg chg="addSp">
+          <pc:chgData name="Bryant Pham" userId="278db2f4510d4a30" providerId="LiveId" clId="{5FC78452-0998-477C-956A-FDC21CEC2819}" dt="2022-09-15T17:23:15.264" v="973"/>
+          <pc:sldLayoutMkLst>
+            <pc:docMk/>
+            <pc:sldMasterMk cId="177283245" sldId="2147483721"/>
+            <pc:sldLayoutMk cId="1978496049" sldId="2147483722"/>
+          </pc:sldLayoutMkLst>
+          <pc:picChg chg="add">
+            <ac:chgData name="Bryant Pham" userId="278db2f4510d4a30" providerId="LiveId" clId="{5FC78452-0998-477C-956A-FDC21CEC2819}" dt="2022-09-15T17:23:15.264" v="973"/>
+            <ac:picMkLst>
+              <pc:docMk/>
+              <pc:sldMasterMk cId="177283245" sldId="2147483721"/>
+              <pc:sldLayoutMk cId="1978496049" sldId="2147483722"/>
+              <ac:picMk id="7" creationId="{173C50C8-7175-B06C-8EA6-560B402E1D45}"/>
+            </ac:picMkLst>
+          </pc:picChg>
+        </pc:sldLayoutChg>
+      </pc:sldMasterChg>
     </pc:docChg>
   </pc:docChgLst>
 </pc:chgInfo>
+</file>
+
+<file path=ppt/diagrams/colors1.xml><?xml version="1.0" encoding="utf-8"?>
+<dgm:colorsDef xmlns:dgm="http://schemas.openxmlformats.org/drawingml/2006/diagram" xmlns:a="http://schemas.openxmlformats.org/drawingml/2006/main" uniqueId="urn:microsoft.com/office/officeart/2005/8/colors/accent1_2">
+  <dgm:title val=""/>
+  <dgm:desc val=""/>
+  <dgm:catLst>
+    <dgm:cat type="accent1" pri="11200"/>
+  </dgm:catLst>
+  <dgm:styleLbl name="node0">
+    <dgm:fillClrLst meth="repeat">
+      <a:schemeClr val="accent1"/>
+    </dgm:fillClrLst>
+    <dgm:linClrLst meth="repeat">
+      <a:schemeClr val="lt1"/>
+    </dgm:linClrLst>
+    <dgm:effectClrLst/>
+    <dgm:txLinClrLst/>
+    <dgm:txFillClrLst/>
+    <dgm:txEffectClrLst/>
+  </dgm:styleLbl>
+  <dgm:styleLbl name="alignNode1">
+    <dgm:fillClrLst meth="repeat">
+      <a:schemeClr val="accent1"/>
+    </dgm:fillClrLst>
+    <dgm:linClrLst meth="repeat">
+      <a:schemeClr val="accent1"/>
+    </dgm:linClrLst>
+    <dgm:effectClrLst/>
+    <dgm:txLinClrLst/>
+    <dgm:txFillClrLst/>
+    <dgm:txEffectClrLst/>
+  </dgm:styleLbl>
+  <dgm:styleLbl name="node1">
+    <dgm:fillClrLst meth="repeat">
+      <a:schemeClr val="accent1"/>
+    </dgm:fillClrLst>
+    <dgm:linClrLst meth="repeat">
+      <a:schemeClr val="lt1"/>
+    </dgm:linClrLst>
+    <dgm:effectClrLst/>
+    <dgm:txLinClrLst/>
+    <dgm:txFillClrLst/>
+    <dgm:txEffectClrLst/>
+  </dgm:styleLbl>
+  <dgm:styleLbl name="lnNode1">
+    <dgm:fillClrLst meth="repeat">
+      <a:schemeClr val="accent1"/>
+    </dgm:fillClrLst>
+    <dgm:linClrLst meth="repeat">
+      <a:schemeClr val="lt1"/>
+    </dgm:linClrLst>
+    <dgm:effectClrLst/>
+    <dgm:txLinClrLst/>
+    <dgm:txFillClrLst/>
+    <dgm:txEffectClrLst/>
+  </dgm:styleLbl>
+  <dgm:styleLbl name="vennNode1">
+    <dgm:fillClrLst meth="repeat">
+      <a:schemeClr val="accent1">
+        <a:alpha val="50000"/>
+      </a:schemeClr>
+    </dgm:fillClrLst>
+    <dgm:linClrLst meth="repeat">
+      <a:schemeClr val="lt1"/>
+    </dgm:linClrLst>
+    <dgm:effectClrLst/>
+    <dgm:txLinClrLst/>
+    <dgm:txFillClrLst/>
+    <dgm:txEffectClrLst/>
+  </dgm:styleLbl>
+  <dgm:styleLbl name="node2">
+    <dgm:fillClrLst meth="repeat">
+      <a:schemeClr val="accent1"/>
+    </dgm:fillClrLst>
+    <dgm:linClrLst meth="repeat">
+      <a:schemeClr val="lt1"/>
+    </dgm:linClrLst>
+    <dgm:effectClrLst/>
+    <dgm:txLinClrLst/>
+    <dgm:txFillClrLst/>
+    <dgm:txEffectClrLst/>
+  </dgm:styleLbl>
+  <dgm:styleLbl name="node3">
+    <dgm:fillClrLst meth="repeat">
+      <a:schemeClr val="accent1"/>
+    </dgm:fillClrLst>
+    <dgm:linClrLst meth="repeat">
+      <a:schemeClr val="lt1"/>
+    </dgm:linClrLst>
+    <dgm:effectClrLst/>
+    <dgm:txLinClrLst/>
+    <dgm:txFillClrLst/>
+    <dgm:txEffectClrLst/>
+  </dgm:styleLbl>
+  <dgm:styleLbl name="node4">
+    <dgm:fillClrLst meth="repeat">
+      <a:schemeClr val="accent1"/>
+    </dgm:fillClrLst>
+    <dgm:linClrLst meth="repeat">
+      <a:schemeClr val="lt1"/>
+    </dgm:linClrLst>
+    <dgm:effectClrLst/>
+    <dgm:txLinClrLst/>
+    <dgm:txFillClrLst/>
+    <dgm:txEffectClrLst/>
+  </dgm:styleLbl>
+  <dgm:styleLbl name="fgImgPlace1">
+    <dgm:fillClrLst meth="repeat">
+      <a:schemeClr val="accent1">
+        <a:tint val="50000"/>
+      </a:schemeClr>
+    </dgm:fillClrLst>
+    <dgm:linClrLst meth="repeat">
+      <a:schemeClr val="lt1"/>
+    </dgm:linClrLst>
+    <dgm:effectClrLst/>
+    <dgm:txLinClrLst/>
+    <dgm:txFillClrLst meth="repeat">
+      <a:schemeClr val="lt1"/>
+    </dgm:txFillClrLst>
+    <dgm:txEffectClrLst/>
+  </dgm:styleLbl>
+  <dgm:styleLbl name="alignImgPlace1">
+    <dgm:fillClrLst meth="repeat">
+      <a:schemeClr val="accent1">
+        <a:tint val="50000"/>
+      </a:schemeClr>
+    </dgm:fillClrLst>
+    <dgm:linClrLst meth="repeat">
+      <a:schemeClr val="lt1"/>
+    </dgm:linClrLst>
+    <dgm:effectClrLst/>
+    <dgm:txLinClrLst/>
+    <dgm:txFillClrLst meth="repeat">
+      <a:schemeClr val="lt1"/>
+    </dgm:txFillClrLst>
+    <dgm:txEffectClrLst/>
+  </dgm:styleLbl>
+  <dgm:styleLbl name="bgImgPlace1">
+    <dgm:fillClrLst meth="repeat">
+      <a:schemeClr val="accent1">
+        <a:tint val="50000"/>
+      </a:schemeClr>
+    </dgm:fillClrLst>
+    <dgm:linClrLst meth="repeat">
+      <a:schemeClr val="lt1"/>
+    </dgm:linClrLst>
+    <dgm:effectClrLst/>
+    <dgm:txLinClrLst/>
+    <dgm:txFillClrLst meth="repeat">
+      <a:schemeClr val="lt1"/>
+    </dgm:txFillClrLst>
+    <dgm:txEffectClrLst/>
+  </dgm:styleLbl>
+  <dgm:styleLbl name="sibTrans2D1">
+    <dgm:fillClrLst meth="repeat">
+      <a:schemeClr val="accent1">
+        <a:tint val="60000"/>
+      </a:schemeClr>
+    </dgm:fillClrLst>
+    <dgm:linClrLst meth="repeat">
+      <a:schemeClr val="accent1">
+        <a:tint val="60000"/>
+      </a:schemeClr>
+    </dgm:linClrLst>
+    <dgm:effectClrLst/>
+    <dgm:txLinClrLst/>
+    <dgm:txFillClrLst/>
+    <dgm:txEffectClrLst/>
+  </dgm:styleLbl>
+  <dgm:styleLbl name="fgSibTrans2D1">
+    <dgm:fillClrLst meth="repeat">
+      <a:schemeClr val="accent1">
+        <a:tint val="60000"/>
+      </a:schemeClr>
+    </dgm:fillClrLst>
+    <dgm:linClrLst meth="repeat">
+      <a:schemeClr val="accent1">
+        <a:tint val="60000"/>
+      </a:schemeClr>
+    </dgm:linClrLst>
+    <dgm:effectClrLst/>
+    <dgm:txLinClrLst/>
+    <dgm:txFillClrLst/>
+    <dgm:txEffectClrLst/>
+  </dgm:styleLbl>
+  <dgm:styleLbl name="bgSibTrans2D1">
+    <dgm:fillClrLst meth="repeat">
+      <a:schemeClr val="accent1">
+        <a:tint val="60000"/>
+      </a:schemeClr>
+    </dgm:fillClrLst>
+    <dgm:linClrLst meth="repeat">
+      <a:schemeClr val="accent1">
+        <a:tint val="60000"/>
+      </a:schemeClr>
+    </dgm:linClrLst>
+    <dgm:effectClrLst/>
+    <dgm:txLinClrLst/>
+    <dgm:txFillClrLst/>
+    <dgm:txEffectClrLst/>
+  </dgm:styleLbl>
+  <dgm:styleLbl name="sibTrans1D1">
+    <dgm:fillClrLst meth="repeat">
+      <a:schemeClr val="accent1"/>
+    </dgm:fillClrLst>
+    <dgm:linClrLst meth="repeat">
+      <a:schemeClr val="accent1"/>
+    </dgm:linClrLst>
+    <dgm:effectClrLst/>
+    <dgm:txLinClrLst/>
+    <dgm:txFillClrLst meth="repeat">
+      <a:schemeClr val="tx1"/>
+    </dgm:txFillClrLst>
+    <dgm:txEffectClrLst/>
+  </dgm:styleLbl>
+  <dgm:styleLbl name="callout">
+    <dgm:fillClrLst meth="repeat">
+      <a:schemeClr val="accent1"/>
+    </dgm:fillClrLst>
+    <dgm:linClrLst meth="repeat">
+      <a:schemeClr val="accent1">
+        <a:tint val="50000"/>
+      </a:schemeClr>
+    </dgm:linClrLst>
+    <dgm:effectClrLst/>
+    <dgm:txLinClrLst/>
+    <dgm:txFillClrLst meth="repeat">
+      <a:schemeClr val="tx1"/>
+    </dgm:txFillClrLst>
+    <dgm:txEffectClrLst/>
+  </dgm:styleLbl>
+  <dgm:styleLbl name="asst0">
+    <dgm:fillClrLst meth="repeat">
+      <a:schemeClr val="accent1"/>
+    </dgm:fillClrLst>
+    <dgm:linClrLst meth="repeat">
+      <a:schemeClr val="lt1"/>
+    </dgm:linClrLst>
+    <dgm:effectClrLst/>
+    <dgm:txLinClrLst/>
+    <dgm:txFillClrLst/>
+    <dgm:txEffectClrLst/>
+  </dgm:styleLbl>
+  <dgm:styleLbl name="asst1">
+    <dgm:fillClrLst meth="repeat">
+      <a:schemeClr val="accent1"/>
+    </dgm:fillClrLst>
+    <dgm:linClrLst meth="repeat">
+      <a:schemeClr val="lt1"/>
+    </dgm:linClrLst>
+    <dgm:effectClrLst/>
+    <dgm:txLinClrLst/>
+    <dgm:txFillClrLst/>
+    <dgm:txEffectClrLst/>
+  </dgm:styleLbl>
+  <dgm:styleLbl name="asst2">
+    <dgm:fillClrLst meth="repeat">
+      <a:schemeClr val="accent1"/>
+    </dgm:fillClrLst>
+    <dgm:linClrLst meth="repeat">
+      <a:schemeClr val="lt1"/>
+    </dgm:linClrLst>
+    <dgm:effectClrLst/>
+    <dgm:txLinClrLst/>
+    <dgm:txFillClrLst/>
+    <dgm:txEffectClrLst/>
+  </dgm:styleLbl>
+  <dgm:styleLbl name="asst3">
+    <dgm:fillClrLst meth="repeat">
+      <a:schemeClr val="accent1"/>
+    </dgm:fillClrLst>
+    <dgm:linClrLst meth="repeat">
+      <a:schemeClr val="lt1"/>
+    </dgm:linClrLst>
+    <dgm:effectClrLst/>
+    <dgm:txLinClrLst/>
+    <dgm:txFillClrLst/>
+    <dgm:txEffectClrLst/>
+  </dgm:styleLbl>
+  <dgm:styleLbl name="asst4">
+    <dgm:fillClrLst meth="repeat">
+      <a:schemeClr val="accent1"/>
+    </dgm:fillClrLst>
+    <dgm:linClrLst meth="repeat">
+      <a:schemeClr val="lt1"/>
+    </dgm:linClrLst>
+    <dgm:effectClrLst/>
+    <dgm:txLinClrLst/>
+    <dgm:txFillClrLst/>
+    <dgm:txEffectClrLst/>
+  </dgm:styleLbl>
+  <dgm:styleLbl name="parChTrans2D1">
+    <dgm:fillClrLst meth="repeat">
+      <a:schemeClr val="accent1">
+        <a:tint val="60000"/>
+      </a:schemeClr>
+    </dgm:fillClrLst>
+    <dgm:linClrLst meth="repeat">
+      <a:schemeClr val="accent1">
+        <a:tint val="60000"/>
+      </a:schemeClr>
+    </dgm:linClrLst>
+    <dgm:effectClrLst/>
+    <dgm:txLinClrLst/>
+    <dgm:txFillClrLst meth="repeat">
+      <a:schemeClr val="lt1"/>
+    </dgm:txFillClrLst>
+    <dgm:txEffectClrLst/>
+  </dgm:styleLbl>
+  <dgm:styleLbl name="parChTrans2D2">
+    <dgm:fillClrLst meth="repeat">
+      <a:schemeClr val="accent1"/>
+    </dgm:fillClrLst>
+    <dgm:linClrLst meth="repeat">
+      <a:schemeClr val="accent1"/>
+    </dgm:linClrLst>
+    <dgm:effectClrLst/>
+    <dgm:txLinClrLst/>
+    <dgm:txFillClrLst meth="repeat">
+      <a:schemeClr val="lt1"/>
+    </dgm:txFillClrLst>
+    <dgm:txEffectClrLst/>
+  </dgm:styleLbl>
+  <dgm:styleLbl name="parChTrans2D3">
+    <dgm:fillClrLst meth="repeat">
+      <a:schemeClr val="accent1"/>
+    </dgm:fillClrLst>
+    <dgm:linClrLst meth="repeat">
+      <a:schemeClr val="accent1"/>
+    </dgm:linClrLst>
+    <dgm:effectClrLst/>
+    <dgm:txLinClrLst/>
+    <dgm:txFillClrLst meth="repeat">
+      <a:schemeClr val="lt1"/>
+    </dgm:txFillClrLst>
+    <dgm:txEffectClrLst/>
+  </dgm:styleLbl>
+  <dgm:styleLbl name="parChTrans2D4">
+    <dgm:fillClrLst meth="repeat">
+      <a:schemeClr val="accent1"/>
+    </dgm:fillClrLst>
+    <dgm:linClrLst meth="repeat">
+      <a:schemeClr val="accent1"/>
+    </dgm:linClrLst>
+    <dgm:effectClrLst/>
+    <dgm:txLinClrLst/>
+    <dgm:txFillClrLst meth="repeat">
+      <a:schemeClr val="lt1"/>
+    </dgm:txFillClrLst>
+    <dgm:txEffectClrLst/>
+  </dgm:styleLbl>
+  <dgm:styleLbl name="parChTrans1D1">
+    <dgm:fillClrLst meth="repeat">
+      <a:schemeClr val="accent1"/>
+    </dgm:fillClrLst>
+    <dgm:linClrLst meth="repeat">
+      <a:schemeClr val="accent1">
+        <a:shade val="60000"/>
+      </a:schemeClr>
+    </dgm:linClrLst>
+    <dgm:effectClrLst/>
+    <dgm:txLinClrLst/>
+    <dgm:txFillClrLst meth="repeat">
+      <a:schemeClr val="tx1"/>
+    </dgm:txFillClrLst>
+    <dgm:txEffectClrLst/>
+  </dgm:styleLbl>
+  <dgm:styleLbl name="parChTrans1D2">
+    <dgm:fillClrLst meth="repeat">
+      <a:schemeClr val="accent1"/>
+    </dgm:fillClrLst>
+    <dgm:linClrLst meth="repeat">
+      <a:schemeClr val="accent1">
+        <a:shade val="60000"/>
+      </a:schemeClr>
+    </dgm:linClrLst>
+    <dgm:effectClrLst/>
+    <dgm:txLinClrLst/>
+    <dgm:txFillClrLst meth="repeat">
+      <a:schemeClr val="tx1"/>
+    </dgm:txFillClrLst>
+    <dgm:txEffectClrLst/>
+  </dgm:styleLbl>
+  <dgm:styleLbl name="parChTrans1D3">
+    <dgm:fillClrLst meth="repeat">
+      <a:schemeClr val="accent1"/>
+    </dgm:fillClrLst>
+    <dgm:linClrLst meth="repeat">
+      <a:schemeClr val="accent1">
+        <a:shade val="80000"/>
+      </a:schemeClr>
+    </dgm:linClrLst>
+    <dgm:effectClrLst/>
+    <dgm:txLinClrLst/>
+    <dgm:txFillClrLst meth="repeat">
+      <a:schemeClr val="tx1"/>
+    </dgm:txFillClrLst>
+    <dgm:txEffectClrLst/>
+  </dgm:styleLbl>
+  <dgm:styleLbl name="parChTrans1D4">
+    <dgm:fillClrLst meth="repeat">
+      <a:schemeClr val="accent1"/>
+    </dgm:fillClrLst>
+    <dgm:linClrLst meth="repeat">
+      <a:schemeClr val="accent1">
+        <a:shade val="80000"/>
+      </a:schemeClr>
+    </dgm:linClrLst>
+    <dgm:effectClrLst/>
+    <dgm:txLinClrLst/>
+    <dgm:txFillClrLst meth="repeat">
+      <a:schemeClr val="tx1"/>
+    </dgm:txFillClrLst>
+    <dgm:txEffectClrLst/>
+  </dgm:styleLbl>
+  <dgm:styleLbl name="fgAcc1">
+    <dgm:fillClrLst meth="repeat">
+      <a:schemeClr val="lt1">
+        <a:alpha val="90000"/>
+      </a:schemeClr>
+    </dgm:fillClrLst>
+    <dgm:linClrLst meth="repeat">
+      <a:schemeClr val="accent1"/>
+    </dgm:linClrLst>
+    <dgm:effectClrLst/>
+    <dgm:txLinClrLst/>
+    <dgm:txFillClrLst meth="repeat">
+      <a:schemeClr val="dk1"/>
+    </dgm:txFillClrLst>
+    <dgm:txEffectClrLst/>
+  </dgm:styleLbl>
+  <dgm:styleLbl name="conFgAcc1">
+    <dgm:fillClrLst meth="repeat">
+      <a:schemeClr val="lt1">
+        <a:alpha val="90000"/>
+      </a:schemeClr>
+    </dgm:fillClrLst>
+    <dgm:linClrLst meth="repeat">
+      <a:schemeClr val="accent1"/>
+    </dgm:linClrLst>
+    <dgm:effectClrLst/>
+    <dgm:txLinClrLst/>
+    <dgm:txFillClrLst meth="repeat">
+      <a:schemeClr val="dk1"/>
+    </dgm:txFillClrLst>
+    <dgm:txEffectClrLst/>
+  </dgm:styleLbl>
+  <dgm:styleLbl name="alignAcc1">
+    <dgm:fillClrLst meth="repeat">
+      <a:schemeClr val="lt1">
+        <a:alpha val="90000"/>
+      </a:schemeClr>
+    </dgm:fillClrLst>
+    <dgm:linClrLst meth="repeat">
+      <a:schemeClr val="accent1"/>
+    </dgm:linClrLst>
+    <dgm:effectClrLst/>
+    <dgm:txLinClrLst/>
+    <dgm:txFillClrLst meth="repeat">
+      <a:schemeClr val="dk1"/>
+    </dgm:txFillClrLst>
+    <dgm:txEffectClrLst/>
+  </dgm:styleLbl>
+  <dgm:styleLbl name="trAlignAcc1">
+    <dgm:fillClrLst meth="repeat">
+      <a:schemeClr val="lt1">
+        <a:alpha val="40000"/>
+      </a:schemeClr>
+    </dgm:fillClrLst>
+    <dgm:linClrLst meth="repeat">
+      <a:schemeClr val="accent1"/>
+    </dgm:linClrLst>
+    <dgm:effectClrLst/>
+    <dgm:txLinClrLst/>
+    <dgm:txFillClrLst meth="repeat">
+      <a:schemeClr val="dk1"/>
+    </dgm:txFillClrLst>
+    <dgm:txEffectClrLst/>
+  </dgm:styleLbl>
+  <dgm:styleLbl name="bgAcc1">
+    <dgm:fillClrLst meth="repeat">
+      <a:schemeClr val="lt1">
+        <a:alpha val="90000"/>
+      </a:schemeClr>
+    </dgm:fillClrLst>
+    <dgm:linClrLst meth="repeat">
+      <a:schemeClr val="accent1"/>
+    </dgm:linClrLst>
+    <dgm:effectClrLst/>
+    <dgm:txLinClrLst/>
+    <dgm:txFillClrLst meth="repeat">
+      <a:schemeClr val="dk1"/>
+    </dgm:txFillClrLst>
+    <dgm:txEffectClrLst/>
+  </dgm:styleLbl>
+  <dgm:styleLbl name="solidFgAcc1">
+    <dgm:fillClrLst meth="repeat">
+      <a:schemeClr val="lt1"/>
+    </dgm:fillClrLst>
+    <dgm:linClrLst meth="repeat">
+      <a:schemeClr val="accent1"/>
+    </dgm:linClrLst>
+    <dgm:effectClrLst/>
+    <dgm:txLinClrLst/>
+    <dgm:txFillClrLst meth="repeat">
+      <a:schemeClr val="dk1"/>
+    </dgm:txFillClrLst>
+    <dgm:txEffectClrLst/>
+  </dgm:styleLbl>
+  <dgm:styleLbl name="solidAlignAcc1">
+    <dgm:fillClrLst meth="repeat">
+      <a:schemeClr val="lt1"/>
+    </dgm:fillClrLst>
+    <dgm:linClrLst meth="repeat">
+      <a:schemeClr val="accent1"/>
+    </dgm:linClrLst>
+    <dgm:effectClrLst/>
+    <dgm:txLinClrLst/>
+    <dgm:txFillClrLst meth="repeat">
+      <a:schemeClr val="dk1"/>
+    </dgm:txFillClrLst>
+    <dgm:txEffectClrLst/>
+  </dgm:styleLbl>
+  <dgm:styleLbl name="solidBgAcc1">
+    <dgm:fillClrLst meth="repeat">
+      <a:schemeClr val="lt1"/>
+    </dgm:fillClrLst>
+    <dgm:linClrLst meth="repeat">
+      <a:schemeClr val="accent1"/>
+    </dgm:linClrLst>
+    <dgm:effectClrLst/>
+    <dgm:txLinClrLst/>
+    <dgm:txFillClrLst meth="repeat">
+      <a:schemeClr val="dk1"/>
+    </dgm:txFillClrLst>
+    <dgm:txEffectClrLst/>
+  </dgm:styleLbl>
+  <dgm:styleLbl name="fgAccFollowNode1">
+    <dgm:fillClrLst meth="repeat">
+      <a:schemeClr val="accent1">
+        <a:alpha val="90000"/>
+        <a:tint val="40000"/>
+      </a:schemeClr>
+    </dgm:fillClrLst>
+    <dgm:linClrLst meth="repeat">
+      <a:schemeClr val="accent1">
+        <a:alpha val="90000"/>
+        <a:tint val="40000"/>
+      </a:schemeClr>
+    </dgm:linClrLst>
+    <dgm:effectClrLst/>
+    <dgm:txLinClrLst/>
+    <dgm:txFillClrLst meth="repeat">
+      <a:schemeClr val="dk1"/>
+    </dgm:txFillClrLst>
+    <dgm:txEffectClrLst/>
+  </dgm:styleLbl>
+  <dgm:styleLbl name="alignAccFollowNode1">
+    <dgm:fillClrLst meth="repeat">
+      <a:schemeClr val="accent1">
+        <a:alpha val="90000"/>
+        <a:tint val="40000"/>
+      </a:schemeClr>
+    </dgm:fillClrLst>
+    <dgm:linClrLst meth="repeat">
+      <a:schemeClr val="accent1">
+        <a:alpha val="90000"/>
+        <a:tint val="40000"/>
+      </a:schemeClr>
+    </dgm:linClrLst>
+    <dgm:effectClrLst/>
+    <dgm:txLinClrLst/>
+    <dgm:txFillClrLst meth="repeat">
+      <a:schemeClr val="dk1"/>
+    </dgm:txFillClrLst>
+    <dgm:txEffectClrLst/>
+  </dgm:styleLbl>
+  <dgm:styleLbl name="bgAccFollowNode1">
+    <dgm:fillClrLst meth="repeat">
+      <a:schemeClr val="accent1">
+        <a:alpha val="90000"/>
+        <a:tint val="40000"/>
+      </a:schemeClr>
+    </dgm:fillClrLst>
+    <dgm:linClrLst meth="repeat">
+      <a:schemeClr val="accent1">
+        <a:alpha val="90000"/>
+        <a:tint val="40000"/>
+      </a:schemeClr>
+    </dgm:linClrLst>
+    <dgm:effectClrLst/>
+    <dgm:txLinClrLst/>
+    <dgm:txFillClrLst meth="repeat">
+      <a:schemeClr val="dk1"/>
+    </dgm:txFillClrLst>
+    <dgm:txEffectClrLst/>
+  </dgm:styleLbl>
+  <dgm:styleLbl name="fgAcc0">
+    <dgm:fillClrLst meth="repeat">
+      <a:schemeClr val="lt1">
+        <a:alpha val="90000"/>
+      </a:schemeClr>
+    </dgm:fillClrLst>
+    <dgm:linClrLst meth="repeat">
+      <a:schemeClr val="accent1"/>
+    </dgm:linClrLst>
+    <dgm:effectClrLst/>
+    <dgm:txLinClrLst/>
+    <dgm:txFillClrLst meth="repeat">
+      <a:schemeClr val="dk1"/>
+    </dgm:txFillClrLst>
+    <dgm:txEffectClrLst/>
+  </dgm:styleLbl>
+  <dgm:styleLbl name="fgAcc2">
+    <dgm:fillClrLst meth="repeat">
+      <a:schemeClr val="lt1">
+        <a:alpha val="90000"/>
+      </a:schemeClr>
+    </dgm:fillClrLst>
+    <dgm:linClrLst meth="repeat">
+      <a:schemeClr val="accent1"/>
+    </dgm:linClrLst>
+    <dgm:effectClrLst/>
+    <dgm:txLinClrLst/>
+    <dgm:txFillClrLst meth="repeat">
+      <a:schemeClr val="dk1"/>
+    </dgm:txFillClrLst>
+    <dgm:txEffectClrLst/>
+  </dgm:styleLbl>
+  <dgm:styleLbl name="fgAcc3">
+    <dgm:fillClrLst meth="repeat">
+      <a:schemeClr val="lt1">
+        <a:alpha val="90000"/>
+      </a:schemeClr>
+    </dgm:fillClrLst>
+    <dgm:linClrLst meth="repeat">
+      <a:schemeClr val="accent1"/>
+    </dgm:linClrLst>
+    <dgm:effectClrLst/>
+    <dgm:txLinClrLst/>
+    <dgm:txFillClrLst meth="repeat">
+      <a:schemeClr val="dk1"/>
+    </dgm:txFillClrLst>
+    <dgm:txEffectClrLst/>
+  </dgm:styleLbl>
+  <dgm:styleLbl name="fgAcc4">
+    <dgm:fillClrLst meth="repeat">
+      <a:schemeClr val="lt1">
+        <a:alpha val="90000"/>
+      </a:schemeClr>
+    </dgm:fillClrLst>
+    <dgm:linClrLst meth="repeat">
+      <a:schemeClr val="accent1"/>
+    </dgm:linClrLst>
+    <dgm:effectClrLst/>
+    <dgm:txLinClrLst/>
+    <dgm:txFillClrLst meth="repeat">
+      <a:schemeClr val="dk1"/>
+    </dgm:txFillClrLst>
+    <dgm:txEffectClrLst/>
+  </dgm:styleLbl>
+  <dgm:styleLbl name="bgShp">
+    <dgm:fillClrLst meth="repeat">
+      <a:schemeClr val="accent1">
+        <a:tint val="40000"/>
+      </a:schemeClr>
+    </dgm:fillClrLst>
+    <dgm:linClrLst meth="repeat">
+      <a:schemeClr val="accent1"/>
+    </dgm:linClrLst>
+    <dgm:effectClrLst/>
+    <dgm:txLinClrLst/>
+    <dgm:txFillClrLst meth="repeat">
+      <a:schemeClr val="dk1"/>
+    </dgm:txFillClrLst>
+    <dgm:txEffectClrLst/>
+  </dgm:styleLbl>
+  <dgm:styleLbl name="dkBgShp">
+    <dgm:fillClrLst meth="repeat">
+      <a:schemeClr val="accent1">
+        <a:shade val="80000"/>
+      </a:schemeClr>
+    </dgm:fillClrLst>
+    <dgm:linClrLst meth="repeat">
+      <a:schemeClr val="accent1"/>
+    </dgm:linClrLst>
+    <dgm:effectClrLst/>
+    <dgm:txLinClrLst/>
+    <dgm:txFillClrLst meth="repeat">
+      <a:schemeClr val="lt1"/>
+    </dgm:txFillClrLst>
+    <dgm:txEffectClrLst/>
+  </dgm:styleLbl>
+  <dgm:styleLbl name="trBgShp">
+    <dgm:fillClrLst meth="repeat">
+      <a:schemeClr val="accent1">
+        <a:tint val="50000"/>
+        <a:alpha val="40000"/>
+      </a:schemeClr>
+    </dgm:fillClrLst>
+    <dgm:linClrLst meth="repeat">
+      <a:schemeClr val="accent1"/>
+    </dgm:linClrLst>
+    <dgm:effectClrLst/>
+    <dgm:txLinClrLst/>
+    <dgm:txFillClrLst meth="repeat">
+      <a:schemeClr val="lt1"/>
+    </dgm:txFillClrLst>
+    <dgm:txEffectClrLst/>
+  </dgm:styleLbl>
+  <dgm:styleLbl name="fgShp">
+    <dgm:fillClrLst meth="repeat">
+      <a:schemeClr val="accent1">
+        <a:tint val="60000"/>
+      </a:schemeClr>
+    </dgm:fillClrLst>
+    <dgm:linClrLst meth="repeat">
+      <a:schemeClr val="lt1"/>
+    </dgm:linClrLst>
+    <dgm:effectClrLst/>
+    <dgm:txLinClrLst/>
+    <dgm:txFillClrLst meth="repeat">
+      <a:schemeClr val="dk1"/>
+    </dgm:txFillClrLst>
+    <dgm:txEffectClrLst/>
+  </dgm:styleLbl>
+  <dgm:styleLbl name="revTx">
+    <dgm:fillClrLst meth="repeat">
+      <a:schemeClr val="lt1">
+        <a:alpha val="0"/>
+      </a:schemeClr>
+    </dgm:fillClrLst>
+    <dgm:linClrLst meth="repeat">
+      <a:schemeClr val="dk1">
+        <a:alpha val="0"/>
+      </a:schemeClr>
+    </dgm:linClrLst>
+    <dgm:effectClrLst/>
+    <dgm:txLinClrLst/>
+    <dgm:txFillClrLst meth="repeat">
+      <a:schemeClr val="tx1"/>
+    </dgm:txFillClrLst>
+    <dgm:txEffectClrLst/>
+  </dgm:styleLbl>
+</dgm:colorsDef>
+</file>
+
+<file path=ppt/diagrams/data1.xml><?xml version="1.0" encoding="utf-8"?>
+<dgm:dataModel xmlns:dgm="http://schemas.openxmlformats.org/drawingml/2006/diagram" xmlns:a="http://schemas.openxmlformats.org/drawingml/2006/main">
+  <dgm:ptLst>
+    <dgm:pt modelId="{FA093108-3F12-4F03-BA27-7D5DE7054DC6}" type="doc">
+      <dgm:prSet loTypeId="urn:microsoft.com/office/officeart/2018/2/layout/IconCircleList" loCatId="icon" qsTypeId="urn:microsoft.com/office/officeart/2005/8/quickstyle/simple1" qsCatId="simple" csTypeId="urn:microsoft.com/office/officeart/2005/8/colors/accent1_2" csCatId="accent1" phldr="1"/>
+      <dgm:spPr/>
+      <dgm:t>
+        <a:bodyPr/>
+        <a:lstStyle/>
+        <a:p>
+          <a:endParaRPr lang="en-US"/>
+        </a:p>
+      </dgm:t>
+    </dgm:pt>
+    <dgm:pt modelId="{67FE1179-4710-4566-A383-E7E7617569A5}">
+      <dgm:prSet/>
+      <dgm:spPr/>
+      <dgm:t>
+        <a:bodyPr/>
+        <a:lstStyle/>
+        <a:p>
+          <a:r>
+            <a:rPr lang="en-US"/>
+            <a:t>Introduction</a:t>
+          </a:r>
+        </a:p>
+      </dgm:t>
+    </dgm:pt>
+    <dgm:pt modelId="{38BE828C-0CF4-411F-AA83-C6C10A3EF25E}" type="parTrans" cxnId="{591858DA-D7B2-4DDD-A863-C04F8937153A}">
+      <dgm:prSet/>
+      <dgm:spPr/>
+      <dgm:t>
+        <a:bodyPr/>
+        <a:lstStyle/>
+        <a:p>
+          <a:endParaRPr lang="en-US"/>
+        </a:p>
+      </dgm:t>
+    </dgm:pt>
+    <dgm:pt modelId="{58AE5D1D-F532-4D1C-9317-D688D9E1815A}" type="sibTrans" cxnId="{591858DA-D7B2-4DDD-A863-C04F8937153A}">
+      <dgm:prSet/>
+      <dgm:spPr/>
+      <dgm:t>
+        <a:bodyPr/>
+        <a:lstStyle/>
+        <a:p>
+          <a:endParaRPr lang="en-US"/>
+        </a:p>
+      </dgm:t>
+    </dgm:pt>
+    <dgm:pt modelId="{BD6ADE40-B0D5-4EA1-AB58-EFF8BCFA6040}">
+      <dgm:prSet/>
+      <dgm:spPr/>
+      <dgm:t>
+        <a:bodyPr/>
+        <a:lstStyle/>
+        <a:p>
+          <a:r>
+            <a:rPr lang="en-US"/>
+            <a:t>Primary Goals</a:t>
+          </a:r>
+        </a:p>
+      </dgm:t>
+    </dgm:pt>
+    <dgm:pt modelId="{EFB0E038-8E8D-49C3-8361-BCF73F063B9B}" type="parTrans" cxnId="{82AA8356-BBD8-410B-9E50-695C1F394DF2}">
+      <dgm:prSet/>
+      <dgm:spPr/>
+      <dgm:t>
+        <a:bodyPr/>
+        <a:lstStyle/>
+        <a:p>
+          <a:endParaRPr lang="en-US"/>
+        </a:p>
+      </dgm:t>
+    </dgm:pt>
+    <dgm:pt modelId="{E7DB90E6-3AD1-4B41-8AB8-00C0EB2BF797}" type="sibTrans" cxnId="{82AA8356-BBD8-410B-9E50-695C1F394DF2}">
+      <dgm:prSet/>
+      <dgm:spPr/>
+      <dgm:t>
+        <a:bodyPr/>
+        <a:lstStyle/>
+        <a:p>
+          <a:endParaRPr lang="en-US"/>
+        </a:p>
+      </dgm:t>
+    </dgm:pt>
+    <dgm:pt modelId="{BFDEC8C2-97FB-4B4A-B518-532EF6F4F91E}">
+      <dgm:prSet/>
+      <dgm:spPr/>
+      <dgm:t>
+        <a:bodyPr/>
+        <a:lstStyle/>
+        <a:p>
+          <a:r>
+            <a:rPr lang="en-US"/>
+            <a:t>Timeline of Production</a:t>
+          </a:r>
+        </a:p>
+      </dgm:t>
+    </dgm:pt>
+    <dgm:pt modelId="{05201BCD-A059-454E-A239-281A0BAC399A}" type="parTrans" cxnId="{D72C3446-988B-44B4-BE30-FC4E207E8563}">
+      <dgm:prSet/>
+      <dgm:spPr/>
+      <dgm:t>
+        <a:bodyPr/>
+        <a:lstStyle/>
+        <a:p>
+          <a:endParaRPr lang="en-US"/>
+        </a:p>
+      </dgm:t>
+    </dgm:pt>
+    <dgm:pt modelId="{FF6AF074-F780-45BA-ADE7-2FCA61668C4F}" type="sibTrans" cxnId="{D72C3446-988B-44B4-BE30-FC4E207E8563}">
+      <dgm:prSet/>
+      <dgm:spPr/>
+      <dgm:t>
+        <a:bodyPr/>
+        <a:lstStyle/>
+        <a:p>
+          <a:endParaRPr lang="en-US"/>
+        </a:p>
+      </dgm:t>
+    </dgm:pt>
+    <dgm:pt modelId="{9299C417-C1CE-455C-BE1A-900EBCAE7E97}">
+      <dgm:prSet/>
+      <dgm:spPr/>
+      <dgm:t>
+        <a:bodyPr/>
+        <a:lstStyle/>
+        <a:p>
+          <a:r>
+            <a:rPr lang="en-US"/>
+            <a:t>Summary</a:t>
+          </a:r>
+        </a:p>
+      </dgm:t>
+    </dgm:pt>
+    <dgm:pt modelId="{5B26A1C4-9DFE-4DD3-8A30-72A86168B2E1}" type="parTrans" cxnId="{C0C2733E-4A54-4343-857C-E01A74762A66}">
+      <dgm:prSet/>
+      <dgm:spPr/>
+      <dgm:t>
+        <a:bodyPr/>
+        <a:lstStyle/>
+        <a:p>
+          <a:endParaRPr lang="en-US"/>
+        </a:p>
+      </dgm:t>
+    </dgm:pt>
+    <dgm:pt modelId="{1D1F2BBC-B30F-44A5-839F-E57D137F2DA2}" type="sibTrans" cxnId="{C0C2733E-4A54-4343-857C-E01A74762A66}">
+      <dgm:prSet/>
+      <dgm:spPr/>
+      <dgm:t>
+        <a:bodyPr/>
+        <a:lstStyle/>
+        <a:p>
+          <a:endParaRPr lang="en-US"/>
+        </a:p>
+      </dgm:t>
+    </dgm:pt>
+    <dgm:pt modelId="{8727BBC2-FF10-40A6-8565-5379D0B16EB5}" type="pres">
+      <dgm:prSet presAssocID="{FA093108-3F12-4F03-BA27-7D5DE7054DC6}" presName="root" presStyleCnt="0">
+        <dgm:presLayoutVars>
+          <dgm:dir/>
+          <dgm:resizeHandles val="exact"/>
+        </dgm:presLayoutVars>
+      </dgm:prSet>
+      <dgm:spPr/>
+    </dgm:pt>
+    <dgm:pt modelId="{6DD29123-FA5B-4F94-A16A-C035C822C5C8}" type="pres">
+      <dgm:prSet presAssocID="{FA093108-3F12-4F03-BA27-7D5DE7054DC6}" presName="container" presStyleCnt="0">
+        <dgm:presLayoutVars>
+          <dgm:dir/>
+          <dgm:resizeHandles val="exact"/>
+        </dgm:presLayoutVars>
+      </dgm:prSet>
+      <dgm:spPr/>
+    </dgm:pt>
+    <dgm:pt modelId="{6D73A4D8-61A4-42AD-9469-1C45581EC4D1}" type="pres">
+      <dgm:prSet presAssocID="{67FE1179-4710-4566-A383-E7E7617569A5}" presName="compNode" presStyleCnt="0"/>
+      <dgm:spPr/>
+    </dgm:pt>
+    <dgm:pt modelId="{B671AB39-0A18-4662-A88D-FD99E1E8B632}" type="pres">
+      <dgm:prSet presAssocID="{67FE1179-4710-4566-A383-E7E7617569A5}" presName="iconBgRect" presStyleLbl="bgShp" presStyleIdx="0" presStyleCnt="4"/>
+      <dgm:spPr/>
+    </dgm:pt>
+    <dgm:pt modelId="{7B593301-7AC3-4A91-AEED-ABADDF927F2D}" type="pres">
+      <dgm:prSet presAssocID="{67FE1179-4710-4566-A383-E7E7617569A5}" presName="iconRect" presStyleLbl="node1" presStyleIdx="0" presStyleCnt="4"/>
+      <dgm:spPr>
+        <a:blipFill>
+          <a:blip xmlns:r="http://schemas.openxmlformats.org/officeDocument/2006/relationships" r:embed="rId1">
+            <a:extLst>
+              <a:ext uri="{28A0092B-C50C-407E-A947-70E740481C1C}">
+                <a14:useLocalDpi xmlns:a14="http://schemas.microsoft.com/office/drawing/2010/main" val="0"/>
+              </a:ext>
+              <a:ext uri="{96DAC541-7B7A-43D3-8B79-37D633B846F1}">
+                <asvg:svgBlip xmlns:asvg="http://schemas.microsoft.com/office/drawing/2016/SVG/main" r:embed="rId2"/>
+              </a:ext>
+            </a:extLst>
+          </a:blip>
+          <a:stretch>
+            <a:fillRect/>
+          </a:stretch>
+        </a:blipFill>
+        <a:ln>
+          <a:noFill/>
+        </a:ln>
+      </dgm:spPr>
+      <dgm:extLst>
+        <a:ext uri="{E40237B7-FDA0-4F09-8148-C483321AD2D9}">
+          <dgm14:cNvPr xmlns:dgm14="http://schemas.microsoft.com/office/drawing/2010/diagram" id="0" name="" descr="Like"/>
+        </a:ext>
+      </dgm:extLst>
+    </dgm:pt>
+    <dgm:pt modelId="{BB8F45E6-C993-4EC4-A681-D0A233DF90EA}" type="pres">
+      <dgm:prSet presAssocID="{67FE1179-4710-4566-A383-E7E7617569A5}" presName="spaceRect" presStyleCnt="0"/>
+      <dgm:spPr/>
+    </dgm:pt>
+    <dgm:pt modelId="{397A9127-781D-4030-B737-FC67801F6D88}" type="pres">
+      <dgm:prSet presAssocID="{67FE1179-4710-4566-A383-E7E7617569A5}" presName="textRect" presStyleLbl="revTx" presStyleIdx="0" presStyleCnt="4">
+        <dgm:presLayoutVars>
+          <dgm:chMax val="1"/>
+          <dgm:chPref val="1"/>
+        </dgm:presLayoutVars>
+      </dgm:prSet>
+      <dgm:spPr/>
+    </dgm:pt>
+    <dgm:pt modelId="{56AFE54C-9802-4915-BF97-6C5229D088AE}" type="pres">
+      <dgm:prSet presAssocID="{58AE5D1D-F532-4D1C-9317-D688D9E1815A}" presName="sibTrans" presStyleLbl="sibTrans2D1" presStyleIdx="0" presStyleCnt="0"/>
+      <dgm:spPr/>
+    </dgm:pt>
+    <dgm:pt modelId="{2B269B4B-3BFD-42BA-A135-AF5E291974B5}" type="pres">
+      <dgm:prSet presAssocID="{BD6ADE40-B0D5-4EA1-AB58-EFF8BCFA6040}" presName="compNode" presStyleCnt="0"/>
+      <dgm:spPr/>
+    </dgm:pt>
+    <dgm:pt modelId="{52AC73AE-A590-47E7-8D07-37DBA61DF0DA}" type="pres">
+      <dgm:prSet presAssocID="{BD6ADE40-B0D5-4EA1-AB58-EFF8BCFA6040}" presName="iconBgRect" presStyleLbl="bgShp" presStyleIdx="1" presStyleCnt="4"/>
+      <dgm:spPr/>
+    </dgm:pt>
+    <dgm:pt modelId="{B66A774A-A4A1-4577-87C2-A9F1B92F3AC3}" type="pres">
+      <dgm:prSet presAssocID="{BD6ADE40-B0D5-4EA1-AB58-EFF8BCFA6040}" presName="iconRect" presStyleLbl="node1" presStyleIdx="1" presStyleCnt="4"/>
+      <dgm:spPr>
+        <a:blipFill>
+          <a:blip xmlns:r="http://schemas.openxmlformats.org/officeDocument/2006/relationships" r:embed="rId3">
+            <a:extLst>
+              <a:ext uri="{28A0092B-C50C-407E-A947-70E740481C1C}">
+                <a14:useLocalDpi xmlns:a14="http://schemas.microsoft.com/office/drawing/2010/main" val="0"/>
+              </a:ext>
+              <a:ext uri="{96DAC541-7B7A-43D3-8B79-37D633B846F1}">
+                <asvg:svgBlip xmlns:asvg="http://schemas.microsoft.com/office/drawing/2016/SVG/main" r:embed="rId4"/>
+              </a:ext>
+            </a:extLst>
+          </a:blip>
+          <a:stretch>
+            <a:fillRect/>
+          </a:stretch>
+        </a:blipFill>
+        <a:ln>
+          <a:noFill/>
+        </a:ln>
+      </dgm:spPr>
+      <dgm:extLst>
+        <a:ext uri="{E40237B7-FDA0-4F09-8148-C483321AD2D9}">
+          <dgm14:cNvPr xmlns:dgm14="http://schemas.microsoft.com/office/drawing/2010/diagram" id="0" name="" descr="Design"/>
+        </a:ext>
+      </dgm:extLst>
+    </dgm:pt>
+    <dgm:pt modelId="{A2996900-2539-4CED-BB26-E8A16D8C0767}" type="pres">
+      <dgm:prSet presAssocID="{BD6ADE40-B0D5-4EA1-AB58-EFF8BCFA6040}" presName="spaceRect" presStyleCnt="0"/>
+      <dgm:spPr/>
+    </dgm:pt>
+    <dgm:pt modelId="{31EFBF69-7447-4C34-A95C-BA10A1D7C4DA}" type="pres">
+      <dgm:prSet presAssocID="{BD6ADE40-B0D5-4EA1-AB58-EFF8BCFA6040}" presName="textRect" presStyleLbl="revTx" presStyleIdx="1" presStyleCnt="4">
+        <dgm:presLayoutVars>
+          <dgm:chMax val="1"/>
+          <dgm:chPref val="1"/>
+        </dgm:presLayoutVars>
+      </dgm:prSet>
+      <dgm:spPr/>
+    </dgm:pt>
+    <dgm:pt modelId="{2D79F6B9-6391-4728-90AE-7D22C9558726}" type="pres">
+      <dgm:prSet presAssocID="{E7DB90E6-3AD1-4B41-8AB8-00C0EB2BF797}" presName="sibTrans" presStyleLbl="sibTrans2D1" presStyleIdx="0" presStyleCnt="0"/>
+      <dgm:spPr/>
+    </dgm:pt>
+    <dgm:pt modelId="{546D30FE-083E-4B15-9E98-C3849BE4162C}" type="pres">
+      <dgm:prSet presAssocID="{BFDEC8C2-97FB-4B4A-B518-532EF6F4F91E}" presName="compNode" presStyleCnt="0"/>
+      <dgm:spPr/>
+    </dgm:pt>
+    <dgm:pt modelId="{A85B81B8-8AC3-4C50-8F30-3DF2CECB8764}" type="pres">
+      <dgm:prSet presAssocID="{BFDEC8C2-97FB-4B4A-B518-532EF6F4F91E}" presName="iconBgRect" presStyleLbl="bgShp" presStyleIdx="2" presStyleCnt="4"/>
+      <dgm:spPr/>
+    </dgm:pt>
+    <dgm:pt modelId="{9345E486-337C-4A25-ADFD-F20FF128E4C8}" type="pres">
+      <dgm:prSet presAssocID="{BFDEC8C2-97FB-4B4A-B518-532EF6F4F91E}" presName="iconRect" presStyleLbl="node1" presStyleIdx="2" presStyleCnt="4"/>
+      <dgm:spPr>
+        <a:blipFill>
+          <a:blip xmlns:r="http://schemas.openxmlformats.org/officeDocument/2006/relationships" r:embed="rId5">
+            <a:extLst>
+              <a:ext uri="{28A0092B-C50C-407E-A947-70E740481C1C}">
+                <a14:useLocalDpi xmlns:a14="http://schemas.microsoft.com/office/drawing/2010/main" val="0"/>
+              </a:ext>
+              <a:ext uri="{96DAC541-7B7A-43D3-8B79-37D633B846F1}">
+                <asvg:svgBlip xmlns:asvg="http://schemas.microsoft.com/office/drawing/2016/SVG/main" r:embed="rId6"/>
+              </a:ext>
+            </a:extLst>
+          </a:blip>
+          <a:stretch>
+            <a:fillRect/>
+          </a:stretch>
+        </a:blipFill>
+        <a:ln>
+          <a:noFill/>
+        </a:ln>
+      </dgm:spPr>
+      <dgm:extLst>
+        <a:ext uri="{E40237B7-FDA0-4F09-8148-C483321AD2D9}">
+          <dgm14:cNvPr xmlns:dgm14="http://schemas.microsoft.com/office/drawing/2010/diagram" id="0" name="" descr="Timeline"/>
+        </a:ext>
+      </dgm:extLst>
+    </dgm:pt>
+    <dgm:pt modelId="{4A35E121-1A30-4F31-9C22-950DEA632E82}" type="pres">
+      <dgm:prSet presAssocID="{BFDEC8C2-97FB-4B4A-B518-532EF6F4F91E}" presName="spaceRect" presStyleCnt="0"/>
+      <dgm:spPr/>
+    </dgm:pt>
+    <dgm:pt modelId="{020601C9-B3EA-411B-AB39-8D0101208413}" type="pres">
+      <dgm:prSet presAssocID="{BFDEC8C2-97FB-4B4A-B518-532EF6F4F91E}" presName="textRect" presStyleLbl="revTx" presStyleIdx="2" presStyleCnt="4">
+        <dgm:presLayoutVars>
+          <dgm:chMax val="1"/>
+          <dgm:chPref val="1"/>
+        </dgm:presLayoutVars>
+      </dgm:prSet>
+      <dgm:spPr/>
+    </dgm:pt>
+    <dgm:pt modelId="{7038E7EC-E7DA-496C-9B2F-3E46C539AFAF}" type="pres">
+      <dgm:prSet presAssocID="{FF6AF074-F780-45BA-ADE7-2FCA61668C4F}" presName="sibTrans" presStyleLbl="sibTrans2D1" presStyleIdx="0" presStyleCnt="0"/>
+      <dgm:spPr/>
+    </dgm:pt>
+    <dgm:pt modelId="{3CD655C7-4E07-4BFB-933C-AB3E5EAA40AB}" type="pres">
+      <dgm:prSet presAssocID="{9299C417-C1CE-455C-BE1A-900EBCAE7E97}" presName="compNode" presStyleCnt="0"/>
+      <dgm:spPr/>
+    </dgm:pt>
+    <dgm:pt modelId="{A8F65300-62BE-4EFC-803A-0308E069BE86}" type="pres">
+      <dgm:prSet presAssocID="{9299C417-C1CE-455C-BE1A-900EBCAE7E97}" presName="iconBgRect" presStyleLbl="bgShp" presStyleIdx="3" presStyleCnt="4"/>
+      <dgm:spPr/>
+    </dgm:pt>
+    <dgm:pt modelId="{50307A0E-43C6-4154-9888-8F3B5F347610}" type="pres">
+      <dgm:prSet presAssocID="{9299C417-C1CE-455C-BE1A-900EBCAE7E97}" presName="iconRect" presStyleLbl="node1" presStyleIdx="3" presStyleCnt="4"/>
+      <dgm:spPr>
+        <a:blipFill>
+          <a:blip xmlns:r="http://schemas.openxmlformats.org/officeDocument/2006/relationships" r:embed="rId7">
+            <a:extLst>
+              <a:ext uri="{28A0092B-C50C-407E-A947-70E740481C1C}">
+                <a14:useLocalDpi xmlns:a14="http://schemas.microsoft.com/office/drawing/2010/main" val="0"/>
+              </a:ext>
+              <a:ext uri="{96DAC541-7B7A-43D3-8B79-37D633B846F1}">
+                <asvg:svgBlip xmlns:asvg="http://schemas.microsoft.com/office/drawing/2016/SVG/main" r:embed="rId8"/>
+              </a:ext>
+            </a:extLst>
+          </a:blip>
+          <a:stretch>
+            <a:fillRect/>
+          </a:stretch>
+        </a:blipFill>
+        <a:ln>
+          <a:noFill/>
+        </a:ln>
+      </dgm:spPr>
+      <dgm:extLst>
+        <a:ext uri="{E40237B7-FDA0-4F09-8148-C483321AD2D9}">
+          <dgm14:cNvPr xmlns:dgm14="http://schemas.microsoft.com/office/drawing/2010/diagram" id="0" name="" descr="Word Document"/>
+        </a:ext>
+      </dgm:extLst>
+    </dgm:pt>
+    <dgm:pt modelId="{EF8C7DDD-816F-4A11-89F6-DE4C5B044151}" type="pres">
+      <dgm:prSet presAssocID="{9299C417-C1CE-455C-BE1A-900EBCAE7E97}" presName="spaceRect" presStyleCnt="0"/>
+      <dgm:spPr/>
+    </dgm:pt>
+    <dgm:pt modelId="{CB2A660B-1DC9-487A-A570-D6185D5752DF}" type="pres">
+      <dgm:prSet presAssocID="{9299C417-C1CE-455C-BE1A-900EBCAE7E97}" presName="textRect" presStyleLbl="revTx" presStyleIdx="3" presStyleCnt="4">
+        <dgm:presLayoutVars>
+          <dgm:chMax val="1"/>
+          <dgm:chPref val="1"/>
+        </dgm:presLayoutVars>
+      </dgm:prSet>
+      <dgm:spPr/>
+    </dgm:pt>
+  </dgm:ptLst>
+  <dgm:cxnLst>
+    <dgm:cxn modelId="{08E6C319-D4D9-4B71-BFB8-0B424F2BE3FD}" type="presOf" srcId="{E7DB90E6-3AD1-4B41-8AB8-00C0EB2BF797}" destId="{2D79F6B9-6391-4728-90AE-7D22C9558726}" srcOrd="0" destOrd="0" presId="urn:microsoft.com/office/officeart/2018/2/layout/IconCircleList"/>
+    <dgm:cxn modelId="{5E592528-7696-430C-AAB0-C6F088F9BA47}" type="presOf" srcId="{BD6ADE40-B0D5-4EA1-AB58-EFF8BCFA6040}" destId="{31EFBF69-7447-4C34-A95C-BA10A1D7C4DA}" srcOrd="0" destOrd="0" presId="urn:microsoft.com/office/officeart/2018/2/layout/IconCircleList"/>
+    <dgm:cxn modelId="{3021182D-58BD-49D7-B6BD-C0342BE8BA16}" type="presOf" srcId="{FA093108-3F12-4F03-BA27-7D5DE7054DC6}" destId="{8727BBC2-FF10-40A6-8565-5379D0B16EB5}" srcOrd="0" destOrd="0" presId="urn:microsoft.com/office/officeart/2018/2/layout/IconCircleList"/>
+    <dgm:cxn modelId="{C0C2733E-4A54-4343-857C-E01A74762A66}" srcId="{FA093108-3F12-4F03-BA27-7D5DE7054DC6}" destId="{9299C417-C1CE-455C-BE1A-900EBCAE7E97}" srcOrd="3" destOrd="0" parTransId="{5B26A1C4-9DFE-4DD3-8A30-72A86168B2E1}" sibTransId="{1D1F2BBC-B30F-44A5-839F-E57D137F2DA2}"/>
+    <dgm:cxn modelId="{1809B23E-0591-4FCF-8429-40FF8779F190}" type="presOf" srcId="{9299C417-C1CE-455C-BE1A-900EBCAE7E97}" destId="{CB2A660B-1DC9-487A-A570-D6185D5752DF}" srcOrd="0" destOrd="0" presId="urn:microsoft.com/office/officeart/2018/2/layout/IconCircleList"/>
+    <dgm:cxn modelId="{D72C3446-988B-44B4-BE30-FC4E207E8563}" srcId="{FA093108-3F12-4F03-BA27-7D5DE7054DC6}" destId="{BFDEC8C2-97FB-4B4A-B518-532EF6F4F91E}" srcOrd="2" destOrd="0" parTransId="{05201BCD-A059-454E-A239-281A0BAC399A}" sibTransId="{FF6AF074-F780-45BA-ADE7-2FCA61668C4F}"/>
+    <dgm:cxn modelId="{6279DA74-CAC7-4087-B2BE-C462A91FED05}" type="presOf" srcId="{58AE5D1D-F532-4D1C-9317-D688D9E1815A}" destId="{56AFE54C-9802-4915-BF97-6C5229D088AE}" srcOrd="0" destOrd="0" presId="urn:microsoft.com/office/officeart/2018/2/layout/IconCircleList"/>
+    <dgm:cxn modelId="{82AA8356-BBD8-410B-9E50-695C1F394DF2}" srcId="{FA093108-3F12-4F03-BA27-7D5DE7054DC6}" destId="{BD6ADE40-B0D5-4EA1-AB58-EFF8BCFA6040}" srcOrd="1" destOrd="0" parTransId="{EFB0E038-8E8D-49C3-8361-BCF73F063B9B}" sibTransId="{E7DB90E6-3AD1-4B41-8AB8-00C0EB2BF797}"/>
+    <dgm:cxn modelId="{555419A0-69F9-444F-ACEC-1C6E8AD7F872}" type="presOf" srcId="{BFDEC8C2-97FB-4B4A-B518-532EF6F4F91E}" destId="{020601C9-B3EA-411B-AB39-8D0101208413}" srcOrd="0" destOrd="0" presId="urn:microsoft.com/office/officeart/2018/2/layout/IconCircleList"/>
+    <dgm:cxn modelId="{B36CD7B8-6928-43C0-A602-5FD3AE457EE3}" type="presOf" srcId="{FF6AF074-F780-45BA-ADE7-2FCA61668C4F}" destId="{7038E7EC-E7DA-496C-9B2F-3E46C539AFAF}" srcOrd="0" destOrd="0" presId="urn:microsoft.com/office/officeart/2018/2/layout/IconCircleList"/>
+    <dgm:cxn modelId="{591858DA-D7B2-4DDD-A863-C04F8937153A}" srcId="{FA093108-3F12-4F03-BA27-7D5DE7054DC6}" destId="{67FE1179-4710-4566-A383-E7E7617569A5}" srcOrd="0" destOrd="0" parTransId="{38BE828C-0CF4-411F-AA83-C6C10A3EF25E}" sibTransId="{58AE5D1D-F532-4D1C-9317-D688D9E1815A}"/>
+    <dgm:cxn modelId="{916817F8-E29E-4666-BDE2-ECF6880FE9B4}" type="presOf" srcId="{67FE1179-4710-4566-A383-E7E7617569A5}" destId="{397A9127-781D-4030-B737-FC67801F6D88}" srcOrd="0" destOrd="0" presId="urn:microsoft.com/office/officeart/2018/2/layout/IconCircleList"/>
+    <dgm:cxn modelId="{D61FD27A-F018-44DD-AD21-63E6BD214D1F}" type="presParOf" srcId="{8727BBC2-FF10-40A6-8565-5379D0B16EB5}" destId="{6DD29123-FA5B-4F94-A16A-C035C822C5C8}" srcOrd="0" destOrd="0" presId="urn:microsoft.com/office/officeart/2018/2/layout/IconCircleList"/>
+    <dgm:cxn modelId="{E7394208-2349-4AC7-9053-DD6B427CACE7}" type="presParOf" srcId="{6DD29123-FA5B-4F94-A16A-C035C822C5C8}" destId="{6D73A4D8-61A4-42AD-9469-1C45581EC4D1}" srcOrd="0" destOrd="0" presId="urn:microsoft.com/office/officeart/2018/2/layout/IconCircleList"/>
+    <dgm:cxn modelId="{1BAAD686-D593-47E5-9AC8-DFE15359E05B}" type="presParOf" srcId="{6D73A4D8-61A4-42AD-9469-1C45581EC4D1}" destId="{B671AB39-0A18-4662-A88D-FD99E1E8B632}" srcOrd="0" destOrd="0" presId="urn:microsoft.com/office/officeart/2018/2/layout/IconCircleList"/>
+    <dgm:cxn modelId="{9BE9E2E2-4B76-4C4F-BC8E-7E6A7E679E9B}" type="presParOf" srcId="{6D73A4D8-61A4-42AD-9469-1C45581EC4D1}" destId="{7B593301-7AC3-4A91-AEED-ABADDF927F2D}" srcOrd="1" destOrd="0" presId="urn:microsoft.com/office/officeart/2018/2/layout/IconCircleList"/>
+    <dgm:cxn modelId="{0FA88E36-02CC-4A10-B571-36D9C9F4D4DD}" type="presParOf" srcId="{6D73A4D8-61A4-42AD-9469-1C45581EC4D1}" destId="{BB8F45E6-C993-4EC4-A681-D0A233DF90EA}" srcOrd="2" destOrd="0" presId="urn:microsoft.com/office/officeart/2018/2/layout/IconCircleList"/>
+    <dgm:cxn modelId="{A3447C2C-E011-4D56-B641-8AB85509C668}" type="presParOf" srcId="{6D73A4D8-61A4-42AD-9469-1C45581EC4D1}" destId="{397A9127-781D-4030-B737-FC67801F6D88}" srcOrd="3" destOrd="0" presId="urn:microsoft.com/office/officeart/2018/2/layout/IconCircleList"/>
+    <dgm:cxn modelId="{5AE8473B-E703-4897-BE9B-6F706BBF23F6}" type="presParOf" srcId="{6DD29123-FA5B-4F94-A16A-C035C822C5C8}" destId="{56AFE54C-9802-4915-BF97-6C5229D088AE}" srcOrd="1" destOrd="0" presId="urn:microsoft.com/office/officeart/2018/2/layout/IconCircleList"/>
+    <dgm:cxn modelId="{42631B47-F21E-4660-AB7D-C1B905716E77}" type="presParOf" srcId="{6DD29123-FA5B-4F94-A16A-C035C822C5C8}" destId="{2B269B4B-3BFD-42BA-A135-AF5E291974B5}" srcOrd="2" destOrd="0" presId="urn:microsoft.com/office/officeart/2018/2/layout/IconCircleList"/>
+    <dgm:cxn modelId="{B16FD5DA-800A-4C3D-A2C9-EFF651777763}" type="presParOf" srcId="{2B269B4B-3BFD-42BA-A135-AF5E291974B5}" destId="{52AC73AE-A590-47E7-8D07-37DBA61DF0DA}" srcOrd="0" destOrd="0" presId="urn:microsoft.com/office/officeart/2018/2/layout/IconCircleList"/>
+    <dgm:cxn modelId="{3AF1367F-4840-455F-B95E-2E16878D7C09}" type="presParOf" srcId="{2B269B4B-3BFD-42BA-A135-AF5E291974B5}" destId="{B66A774A-A4A1-4577-87C2-A9F1B92F3AC3}" srcOrd="1" destOrd="0" presId="urn:microsoft.com/office/officeart/2018/2/layout/IconCircleList"/>
+    <dgm:cxn modelId="{488F8E52-034C-466C-A82B-D07D55132D20}" type="presParOf" srcId="{2B269B4B-3BFD-42BA-A135-AF5E291974B5}" destId="{A2996900-2539-4CED-BB26-E8A16D8C0767}" srcOrd="2" destOrd="0" presId="urn:microsoft.com/office/officeart/2018/2/layout/IconCircleList"/>
+    <dgm:cxn modelId="{AE4A2BCE-DD8D-494F-B339-DB1DB05D74EC}" type="presParOf" srcId="{2B269B4B-3BFD-42BA-A135-AF5E291974B5}" destId="{31EFBF69-7447-4C34-A95C-BA10A1D7C4DA}" srcOrd="3" destOrd="0" presId="urn:microsoft.com/office/officeart/2018/2/layout/IconCircleList"/>
+    <dgm:cxn modelId="{2A36C612-CE03-4554-B57B-DEEE4118F53C}" type="presParOf" srcId="{6DD29123-FA5B-4F94-A16A-C035C822C5C8}" destId="{2D79F6B9-6391-4728-90AE-7D22C9558726}" srcOrd="3" destOrd="0" presId="urn:microsoft.com/office/officeart/2018/2/layout/IconCircleList"/>
+    <dgm:cxn modelId="{96959223-D5BD-4DBA-AA58-9B54A21BF148}" type="presParOf" srcId="{6DD29123-FA5B-4F94-A16A-C035C822C5C8}" destId="{546D30FE-083E-4B15-9E98-C3849BE4162C}" srcOrd="4" destOrd="0" presId="urn:microsoft.com/office/officeart/2018/2/layout/IconCircleList"/>
+    <dgm:cxn modelId="{781C4297-B7FF-4E3C-A6D9-FC4975067D48}" type="presParOf" srcId="{546D30FE-083E-4B15-9E98-C3849BE4162C}" destId="{A85B81B8-8AC3-4C50-8F30-3DF2CECB8764}" srcOrd="0" destOrd="0" presId="urn:microsoft.com/office/officeart/2018/2/layout/IconCircleList"/>
+    <dgm:cxn modelId="{12800578-840A-494F-8090-B53434CE2156}" type="presParOf" srcId="{546D30FE-083E-4B15-9E98-C3849BE4162C}" destId="{9345E486-337C-4A25-ADFD-F20FF128E4C8}" srcOrd="1" destOrd="0" presId="urn:microsoft.com/office/officeart/2018/2/layout/IconCircleList"/>
+    <dgm:cxn modelId="{D8D9F75E-2A73-4353-99E4-B1B35A382FBA}" type="presParOf" srcId="{546D30FE-083E-4B15-9E98-C3849BE4162C}" destId="{4A35E121-1A30-4F31-9C22-950DEA632E82}" srcOrd="2" destOrd="0" presId="urn:microsoft.com/office/officeart/2018/2/layout/IconCircleList"/>
+    <dgm:cxn modelId="{B9C821A8-2EBE-496E-AAED-96DAD672DFFE}" type="presParOf" srcId="{546D30FE-083E-4B15-9E98-C3849BE4162C}" destId="{020601C9-B3EA-411B-AB39-8D0101208413}" srcOrd="3" destOrd="0" presId="urn:microsoft.com/office/officeart/2018/2/layout/IconCircleList"/>
+    <dgm:cxn modelId="{0ED167D4-1BFB-4C36-81EA-A5439074C96C}" type="presParOf" srcId="{6DD29123-FA5B-4F94-A16A-C035C822C5C8}" destId="{7038E7EC-E7DA-496C-9B2F-3E46C539AFAF}" srcOrd="5" destOrd="0" presId="urn:microsoft.com/office/officeart/2018/2/layout/IconCircleList"/>
+    <dgm:cxn modelId="{B1638CF1-6FA8-49A9-B2D6-1B016052DCB5}" type="presParOf" srcId="{6DD29123-FA5B-4F94-A16A-C035C822C5C8}" destId="{3CD655C7-4E07-4BFB-933C-AB3E5EAA40AB}" srcOrd="6" destOrd="0" presId="urn:microsoft.com/office/officeart/2018/2/layout/IconCircleList"/>
+    <dgm:cxn modelId="{3722D72C-1BF4-4152-B05A-D2486EF05FA7}" type="presParOf" srcId="{3CD655C7-4E07-4BFB-933C-AB3E5EAA40AB}" destId="{A8F65300-62BE-4EFC-803A-0308E069BE86}" srcOrd="0" destOrd="0" presId="urn:microsoft.com/office/officeart/2018/2/layout/IconCircleList"/>
+    <dgm:cxn modelId="{1E80ECF9-F956-4CB1-9B87-9F080E1E8B69}" type="presParOf" srcId="{3CD655C7-4E07-4BFB-933C-AB3E5EAA40AB}" destId="{50307A0E-43C6-4154-9888-8F3B5F347610}" srcOrd="1" destOrd="0" presId="urn:microsoft.com/office/officeart/2018/2/layout/IconCircleList"/>
+    <dgm:cxn modelId="{EAE0A457-99D6-42FD-9C1E-156D1772EDB8}" type="presParOf" srcId="{3CD655C7-4E07-4BFB-933C-AB3E5EAA40AB}" destId="{EF8C7DDD-816F-4A11-89F6-DE4C5B044151}" srcOrd="2" destOrd="0" presId="urn:microsoft.com/office/officeart/2018/2/layout/IconCircleList"/>
+    <dgm:cxn modelId="{B3D2799C-4A98-46EC-844E-B756538444FB}" type="presParOf" srcId="{3CD655C7-4E07-4BFB-933C-AB3E5EAA40AB}" destId="{CB2A660B-1DC9-487A-A570-D6185D5752DF}" srcOrd="3" destOrd="0" presId="urn:microsoft.com/office/officeart/2018/2/layout/IconCircleList"/>
+  </dgm:cxnLst>
+  <dgm:bg/>
+  <dgm:whole/>
+  <dgm:extLst>
+    <a:ext uri="http://schemas.microsoft.com/office/drawing/2008/diagram">
+      <dsp:dataModelExt xmlns:dsp="http://schemas.microsoft.com/office/drawing/2008/diagram" relId="rId6" minVer="http://schemas.openxmlformats.org/drawingml/2006/diagram"/>
+    </a:ext>
+  </dgm:extLst>
+</dgm:dataModel>
+</file>
+
+<file path=ppt/diagrams/drawing1.xml><?xml version="1.0" encoding="utf-8"?>
+<dsp:drawing xmlns:dgm="http://schemas.openxmlformats.org/drawingml/2006/diagram" xmlns:dsp="http://schemas.microsoft.com/office/drawing/2008/diagram" xmlns:a="http://schemas.openxmlformats.org/drawingml/2006/main">
+  <dsp:spTree>
+    <dsp:nvGrpSpPr>
+      <dsp:cNvPr id="0" name=""/>
+      <dsp:cNvGrpSpPr/>
+    </dsp:nvGrpSpPr>
+    <dsp:grpSpPr/>
+    <dsp:sp modelId="{B671AB39-0A18-4662-A88D-FD99E1E8B632}">
+      <dsp:nvSpPr>
+        <dsp:cNvPr id="0" name=""/>
+        <dsp:cNvSpPr/>
+      </dsp:nvSpPr>
+      <dsp:spPr>
+        <a:xfrm>
+          <a:off x="212335" y="218223"/>
+          <a:ext cx="1335915" cy="1335915"/>
+        </a:xfrm>
+        <a:prstGeom prst="ellipse">
+          <a:avLst/>
+        </a:prstGeom>
+        <a:solidFill>
+          <a:schemeClr val="accent1">
+            <a:tint val="40000"/>
+            <a:hueOff val="0"/>
+            <a:satOff val="0"/>
+            <a:lumOff val="0"/>
+            <a:alphaOff val="0"/>
+          </a:schemeClr>
+        </a:solidFill>
+        <a:ln>
+          <a:noFill/>
+        </a:ln>
+        <a:effectLst/>
+      </dsp:spPr>
+      <dsp:style>
+        <a:lnRef idx="0">
+          <a:scrgbClr r="0" g="0" b="0"/>
+        </a:lnRef>
+        <a:fillRef idx="1">
+          <a:scrgbClr r="0" g="0" b="0"/>
+        </a:fillRef>
+        <a:effectRef idx="0">
+          <a:scrgbClr r="0" g="0" b="0"/>
+        </a:effectRef>
+        <a:fontRef idx="minor"/>
+      </dsp:style>
+    </dsp:sp>
+    <dsp:sp modelId="{7B593301-7AC3-4A91-AEED-ABADDF927F2D}">
+      <dsp:nvSpPr>
+        <dsp:cNvPr id="0" name=""/>
+        <dsp:cNvSpPr/>
+      </dsp:nvSpPr>
+      <dsp:spPr>
+        <a:xfrm>
+          <a:off x="492877" y="498766"/>
+          <a:ext cx="774830" cy="774830"/>
+        </a:xfrm>
+        <a:prstGeom prst="rect">
+          <a:avLst/>
+        </a:prstGeom>
+        <a:blipFill>
+          <a:blip xmlns:r="http://schemas.openxmlformats.org/officeDocument/2006/relationships" r:embed="rId1">
+            <a:extLst>
+              <a:ext uri="{28A0092B-C50C-407E-A947-70E740481C1C}">
+                <a14:useLocalDpi xmlns:a14="http://schemas.microsoft.com/office/drawing/2010/main" val="0"/>
+              </a:ext>
+              <a:ext uri="{96DAC541-7B7A-43D3-8B79-37D633B846F1}">
+                <asvg:svgBlip xmlns:asvg="http://schemas.microsoft.com/office/drawing/2016/SVG/main" r:embed="rId2"/>
+              </a:ext>
+            </a:extLst>
+          </a:blip>
+          <a:stretch>
+            <a:fillRect/>
+          </a:stretch>
+        </a:blipFill>
+        <a:ln w="12700" cap="flat" cmpd="sng" algn="ctr">
+          <a:noFill/>
+          <a:prstDash val="solid"/>
+          <a:miter lim="800000"/>
+        </a:ln>
+        <a:effectLst/>
+      </dsp:spPr>
+      <dsp:style>
+        <a:lnRef idx="2">
+          <a:scrgbClr r="0" g="0" b="0"/>
+        </a:lnRef>
+        <a:fillRef idx="1">
+          <a:scrgbClr r="0" g="0" b="0"/>
+        </a:fillRef>
+        <a:effectRef idx="0">
+          <a:scrgbClr r="0" g="0" b="0"/>
+        </a:effectRef>
+        <a:fontRef idx="minor">
+          <a:schemeClr val="lt1"/>
+        </a:fontRef>
+      </dsp:style>
+    </dsp:sp>
+    <dsp:sp modelId="{397A9127-781D-4030-B737-FC67801F6D88}">
+      <dsp:nvSpPr>
+        <dsp:cNvPr id="0" name=""/>
+        <dsp:cNvSpPr/>
+      </dsp:nvSpPr>
+      <dsp:spPr>
+        <a:xfrm>
+          <a:off x="1834517" y="218223"/>
+          <a:ext cx="3148942" cy="1335915"/>
+        </a:xfrm>
+        <a:prstGeom prst="rect">
+          <a:avLst/>
+        </a:prstGeom>
+        <a:noFill/>
+        <a:ln>
+          <a:noFill/>
+        </a:ln>
+        <a:effectLst/>
+      </dsp:spPr>
+      <dsp:style>
+        <a:lnRef idx="0">
+          <a:scrgbClr r="0" g="0" b="0"/>
+        </a:lnRef>
+        <a:fillRef idx="0">
+          <a:scrgbClr r="0" g="0" b="0"/>
+        </a:fillRef>
+        <a:effectRef idx="0">
+          <a:scrgbClr r="0" g="0" b="0"/>
+        </a:effectRef>
+        <a:fontRef idx="minor"/>
+      </dsp:style>
+      <dsp:txBody>
+        <a:bodyPr spcFirstLastPara="0" vert="horz" wrap="square" lIns="0" tIns="0" rIns="0" bIns="0" numCol="1" spcCol="1270" anchor="ctr" anchorCtr="0">
+          <a:noAutofit/>
+        </a:bodyPr>
+        <a:lstStyle/>
+        <a:p>
+          <a:pPr marL="0" lvl="0" indent="0" algn="l" defTabSz="1066800">
+            <a:lnSpc>
+              <a:spcPct val="90000"/>
+            </a:lnSpc>
+            <a:spcBef>
+              <a:spcPct val="0"/>
+            </a:spcBef>
+            <a:spcAft>
+              <a:spcPct val="35000"/>
+            </a:spcAft>
+            <a:buNone/>
+          </a:pPr>
+          <a:r>
+            <a:rPr lang="en-US" sz="2400" kern="1200"/>
+            <a:t>Introduction</a:t>
+          </a:r>
+        </a:p>
+      </dsp:txBody>
+      <dsp:txXfrm>
+        <a:off x="1834517" y="218223"/>
+        <a:ext cx="3148942" cy="1335915"/>
+      </dsp:txXfrm>
+    </dsp:sp>
+    <dsp:sp modelId="{52AC73AE-A590-47E7-8D07-37DBA61DF0DA}">
+      <dsp:nvSpPr>
+        <dsp:cNvPr id="0" name=""/>
+        <dsp:cNvSpPr/>
+      </dsp:nvSpPr>
+      <dsp:spPr>
+        <a:xfrm>
+          <a:off x="5532139" y="218223"/>
+          <a:ext cx="1335915" cy="1335915"/>
+        </a:xfrm>
+        <a:prstGeom prst="ellipse">
+          <a:avLst/>
+        </a:prstGeom>
+        <a:solidFill>
+          <a:schemeClr val="accent1">
+            <a:tint val="40000"/>
+            <a:hueOff val="0"/>
+            <a:satOff val="0"/>
+            <a:lumOff val="0"/>
+            <a:alphaOff val="0"/>
+          </a:schemeClr>
+        </a:solidFill>
+        <a:ln>
+          <a:noFill/>
+        </a:ln>
+        <a:effectLst/>
+      </dsp:spPr>
+      <dsp:style>
+        <a:lnRef idx="0">
+          <a:scrgbClr r="0" g="0" b="0"/>
+        </a:lnRef>
+        <a:fillRef idx="1">
+          <a:scrgbClr r="0" g="0" b="0"/>
+        </a:fillRef>
+        <a:effectRef idx="0">
+          <a:scrgbClr r="0" g="0" b="0"/>
+        </a:effectRef>
+        <a:fontRef idx="minor"/>
+      </dsp:style>
+    </dsp:sp>
+    <dsp:sp modelId="{B66A774A-A4A1-4577-87C2-A9F1B92F3AC3}">
+      <dsp:nvSpPr>
+        <dsp:cNvPr id="0" name=""/>
+        <dsp:cNvSpPr/>
+      </dsp:nvSpPr>
+      <dsp:spPr>
+        <a:xfrm>
+          <a:off x="5812681" y="498766"/>
+          <a:ext cx="774830" cy="774830"/>
+        </a:xfrm>
+        <a:prstGeom prst="rect">
+          <a:avLst/>
+        </a:prstGeom>
+        <a:blipFill>
+          <a:blip xmlns:r="http://schemas.openxmlformats.org/officeDocument/2006/relationships" r:embed="rId3">
+            <a:extLst>
+              <a:ext uri="{28A0092B-C50C-407E-A947-70E740481C1C}">
+                <a14:useLocalDpi xmlns:a14="http://schemas.microsoft.com/office/drawing/2010/main" val="0"/>
+              </a:ext>
+              <a:ext uri="{96DAC541-7B7A-43D3-8B79-37D633B846F1}">
+                <asvg:svgBlip xmlns:asvg="http://schemas.microsoft.com/office/drawing/2016/SVG/main" r:embed="rId4"/>
+              </a:ext>
+            </a:extLst>
+          </a:blip>
+          <a:stretch>
+            <a:fillRect/>
+          </a:stretch>
+        </a:blipFill>
+        <a:ln w="12700" cap="flat" cmpd="sng" algn="ctr">
+          <a:noFill/>
+          <a:prstDash val="solid"/>
+          <a:miter lim="800000"/>
+        </a:ln>
+        <a:effectLst/>
+      </dsp:spPr>
+      <dsp:style>
+        <a:lnRef idx="2">
+          <a:scrgbClr r="0" g="0" b="0"/>
+        </a:lnRef>
+        <a:fillRef idx="1">
+          <a:scrgbClr r="0" g="0" b="0"/>
+        </a:fillRef>
+        <a:effectRef idx="0">
+          <a:scrgbClr r="0" g="0" b="0"/>
+        </a:effectRef>
+        <a:fontRef idx="minor">
+          <a:schemeClr val="lt1"/>
+        </a:fontRef>
+      </dsp:style>
+    </dsp:sp>
+    <dsp:sp modelId="{31EFBF69-7447-4C34-A95C-BA10A1D7C4DA}">
+      <dsp:nvSpPr>
+        <dsp:cNvPr id="0" name=""/>
+        <dsp:cNvSpPr/>
+      </dsp:nvSpPr>
+      <dsp:spPr>
+        <a:xfrm>
+          <a:off x="7154322" y="218223"/>
+          <a:ext cx="3148942" cy="1335915"/>
+        </a:xfrm>
+        <a:prstGeom prst="rect">
+          <a:avLst/>
+        </a:prstGeom>
+        <a:noFill/>
+        <a:ln>
+          <a:noFill/>
+        </a:ln>
+        <a:effectLst/>
+      </dsp:spPr>
+      <dsp:style>
+        <a:lnRef idx="0">
+          <a:scrgbClr r="0" g="0" b="0"/>
+        </a:lnRef>
+        <a:fillRef idx="0">
+          <a:scrgbClr r="0" g="0" b="0"/>
+        </a:fillRef>
+        <a:effectRef idx="0">
+          <a:scrgbClr r="0" g="0" b="0"/>
+        </a:effectRef>
+        <a:fontRef idx="minor"/>
+      </dsp:style>
+      <dsp:txBody>
+        <a:bodyPr spcFirstLastPara="0" vert="horz" wrap="square" lIns="0" tIns="0" rIns="0" bIns="0" numCol="1" spcCol="1270" anchor="ctr" anchorCtr="0">
+          <a:noAutofit/>
+        </a:bodyPr>
+        <a:lstStyle/>
+        <a:p>
+          <a:pPr marL="0" lvl="0" indent="0" algn="l" defTabSz="1066800">
+            <a:lnSpc>
+              <a:spcPct val="90000"/>
+            </a:lnSpc>
+            <a:spcBef>
+              <a:spcPct val="0"/>
+            </a:spcBef>
+            <a:spcAft>
+              <a:spcPct val="35000"/>
+            </a:spcAft>
+            <a:buNone/>
+          </a:pPr>
+          <a:r>
+            <a:rPr lang="en-US" sz="2400" kern="1200"/>
+            <a:t>Primary Goals</a:t>
+          </a:r>
+        </a:p>
+      </dsp:txBody>
+      <dsp:txXfrm>
+        <a:off x="7154322" y="218223"/>
+        <a:ext cx="3148942" cy="1335915"/>
+      </dsp:txXfrm>
+    </dsp:sp>
+    <dsp:sp modelId="{A85B81B8-8AC3-4C50-8F30-3DF2CECB8764}">
+      <dsp:nvSpPr>
+        <dsp:cNvPr id="0" name=""/>
+        <dsp:cNvSpPr/>
+      </dsp:nvSpPr>
+      <dsp:spPr>
+        <a:xfrm>
+          <a:off x="212335" y="2190774"/>
+          <a:ext cx="1335915" cy="1335915"/>
+        </a:xfrm>
+        <a:prstGeom prst="ellipse">
+          <a:avLst/>
+        </a:prstGeom>
+        <a:solidFill>
+          <a:schemeClr val="accent1">
+            <a:tint val="40000"/>
+            <a:hueOff val="0"/>
+            <a:satOff val="0"/>
+            <a:lumOff val="0"/>
+            <a:alphaOff val="0"/>
+          </a:schemeClr>
+        </a:solidFill>
+        <a:ln>
+          <a:noFill/>
+        </a:ln>
+        <a:effectLst/>
+      </dsp:spPr>
+      <dsp:style>
+        <a:lnRef idx="0">
+          <a:scrgbClr r="0" g="0" b="0"/>
+        </a:lnRef>
+        <a:fillRef idx="1">
+          <a:scrgbClr r="0" g="0" b="0"/>
+        </a:fillRef>
+        <a:effectRef idx="0">
+          <a:scrgbClr r="0" g="0" b="0"/>
+        </a:effectRef>
+        <a:fontRef idx="minor"/>
+      </dsp:style>
+    </dsp:sp>
+    <dsp:sp modelId="{9345E486-337C-4A25-ADFD-F20FF128E4C8}">
+      <dsp:nvSpPr>
+        <dsp:cNvPr id="0" name=""/>
+        <dsp:cNvSpPr/>
+      </dsp:nvSpPr>
+      <dsp:spPr>
+        <a:xfrm>
+          <a:off x="492877" y="2471316"/>
+          <a:ext cx="774830" cy="774830"/>
+        </a:xfrm>
+        <a:prstGeom prst="rect">
+          <a:avLst/>
+        </a:prstGeom>
+        <a:blipFill>
+          <a:blip xmlns:r="http://schemas.openxmlformats.org/officeDocument/2006/relationships" r:embed="rId5">
+            <a:extLst>
+              <a:ext uri="{28A0092B-C50C-407E-A947-70E740481C1C}">
+                <a14:useLocalDpi xmlns:a14="http://schemas.microsoft.com/office/drawing/2010/main" val="0"/>
+              </a:ext>
+              <a:ext uri="{96DAC541-7B7A-43D3-8B79-37D633B846F1}">
+                <asvg:svgBlip xmlns:asvg="http://schemas.microsoft.com/office/drawing/2016/SVG/main" r:embed="rId6"/>
+              </a:ext>
+            </a:extLst>
+          </a:blip>
+          <a:stretch>
+            <a:fillRect/>
+          </a:stretch>
+        </a:blipFill>
+        <a:ln w="12700" cap="flat" cmpd="sng" algn="ctr">
+          <a:noFill/>
+          <a:prstDash val="solid"/>
+          <a:miter lim="800000"/>
+        </a:ln>
+        <a:effectLst/>
+      </dsp:spPr>
+      <dsp:style>
+        <a:lnRef idx="2">
+          <a:scrgbClr r="0" g="0" b="0"/>
+        </a:lnRef>
+        <a:fillRef idx="1">
+          <a:scrgbClr r="0" g="0" b="0"/>
+        </a:fillRef>
+        <a:effectRef idx="0">
+          <a:scrgbClr r="0" g="0" b="0"/>
+        </a:effectRef>
+        <a:fontRef idx="minor">
+          <a:schemeClr val="lt1"/>
+        </a:fontRef>
+      </dsp:style>
+    </dsp:sp>
+    <dsp:sp modelId="{020601C9-B3EA-411B-AB39-8D0101208413}">
+      <dsp:nvSpPr>
+        <dsp:cNvPr id="0" name=""/>
+        <dsp:cNvSpPr/>
+      </dsp:nvSpPr>
+      <dsp:spPr>
+        <a:xfrm>
+          <a:off x="1834517" y="2190774"/>
+          <a:ext cx="3148942" cy="1335915"/>
+        </a:xfrm>
+        <a:prstGeom prst="rect">
+          <a:avLst/>
+        </a:prstGeom>
+        <a:noFill/>
+        <a:ln>
+          <a:noFill/>
+        </a:ln>
+        <a:effectLst/>
+      </dsp:spPr>
+      <dsp:style>
+        <a:lnRef idx="0">
+          <a:scrgbClr r="0" g="0" b="0"/>
+        </a:lnRef>
+        <a:fillRef idx="0">
+          <a:scrgbClr r="0" g="0" b="0"/>
+        </a:fillRef>
+        <a:effectRef idx="0">
+          <a:scrgbClr r="0" g="0" b="0"/>
+        </a:effectRef>
+        <a:fontRef idx="minor"/>
+      </dsp:style>
+      <dsp:txBody>
+        <a:bodyPr spcFirstLastPara="0" vert="horz" wrap="square" lIns="0" tIns="0" rIns="0" bIns="0" numCol="1" spcCol="1270" anchor="ctr" anchorCtr="0">
+          <a:noAutofit/>
+        </a:bodyPr>
+        <a:lstStyle/>
+        <a:p>
+          <a:pPr marL="0" lvl="0" indent="0" algn="l" defTabSz="1066800">
+            <a:lnSpc>
+              <a:spcPct val="90000"/>
+            </a:lnSpc>
+            <a:spcBef>
+              <a:spcPct val="0"/>
+            </a:spcBef>
+            <a:spcAft>
+              <a:spcPct val="35000"/>
+            </a:spcAft>
+            <a:buNone/>
+          </a:pPr>
+          <a:r>
+            <a:rPr lang="en-US" sz="2400" kern="1200"/>
+            <a:t>Timeline of Production</a:t>
+          </a:r>
+        </a:p>
+      </dsp:txBody>
+      <dsp:txXfrm>
+        <a:off x="1834517" y="2190774"/>
+        <a:ext cx="3148942" cy="1335915"/>
+      </dsp:txXfrm>
+    </dsp:sp>
+    <dsp:sp modelId="{A8F65300-62BE-4EFC-803A-0308E069BE86}">
+      <dsp:nvSpPr>
+        <dsp:cNvPr id="0" name=""/>
+        <dsp:cNvSpPr/>
+      </dsp:nvSpPr>
+      <dsp:spPr>
+        <a:xfrm>
+          <a:off x="5532139" y="2190774"/>
+          <a:ext cx="1335915" cy="1335915"/>
+        </a:xfrm>
+        <a:prstGeom prst="ellipse">
+          <a:avLst/>
+        </a:prstGeom>
+        <a:solidFill>
+          <a:schemeClr val="accent1">
+            <a:tint val="40000"/>
+            <a:hueOff val="0"/>
+            <a:satOff val="0"/>
+            <a:lumOff val="0"/>
+            <a:alphaOff val="0"/>
+          </a:schemeClr>
+        </a:solidFill>
+        <a:ln>
+          <a:noFill/>
+        </a:ln>
+        <a:effectLst/>
+      </dsp:spPr>
+      <dsp:style>
+        <a:lnRef idx="0">
+          <a:scrgbClr r="0" g="0" b="0"/>
+        </a:lnRef>
+        <a:fillRef idx="1">
+          <a:scrgbClr r="0" g="0" b="0"/>
+        </a:fillRef>
+        <a:effectRef idx="0">
+          <a:scrgbClr r="0" g="0" b="0"/>
+        </a:effectRef>
+        <a:fontRef idx="minor"/>
+      </dsp:style>
+    </dsp:sp>
+    <dsp:sp modelId="{50307A0E-43C6-4154-9888-8F3B5F347610}">
+      <dsp:nvSpPr>
+        <dsp:cNvPr id="0" name=""/>
+        <dsp:cNvSpPr/>
+      </dsp:nvSpPr>
+      <dsp:spPr>
+        <a:xfrm>
+          <a:off x="5812681" y="2471316"/>
+          <a:ext cx="774830" cy="774830"/>
+        </a:xfrm>
+        <a:prstGeom prst="rect">
+          <a:avLst/>
+        </a:prstGeom>
+        <a:blipFill>
+          <a:blip xmlns:r="http://schemas.openxmlformats.org/officeDocument/2006/relationships" r:embed="rId7">
+            <a:extLst>
+              <a:ext uri="{28A0092B-C50C-407E-A947-70E740481C1C}">
+                <a14:useLocalDpi xmlns:a14="http://schemas.microsoft.com/office/drawing/2010/main" val="0"/>
+              </a:ext>
+              <a:ext uri="{96DAC541-7B7A-43D3-8B79-37D633B846F1}">
+                <asvg:svgBlip xmlns:asvg="http://schemas.microsoft.com/office/drawing/2016/SVG/main" r:embed="rId8"/>
+              </a:ext>
+            </a:extLst>
+          </a:blip>
+          <a:stretch>
+            <a:fillRect/>
+          </a:stretch>
+        </a:blipFill>
+        <a:ln w="12700" cap="flat" cmpd="sng" algn="ctr">
+          <a:noFill/>
+          <a:prstDash val="solid"/>
+          <a:miter lim="800000"/>
+        </a:ln>
+        <a:effectLst/>
+      </dsp:spPr>
+      <dsp:style>
+        <a:lnRef idx="2">
+          <a:scrgbClr r="0" g="0" b="0"/>
+        </a:lnRef>
+        <a:fillRef idx="1">
+          <a:scrgbClr r="0" g="0" b="0"/>
+        </a:fillRef>
+        <a:effectRef idx="0">
+          <a:scrgbClr r="0" g="0" b="0"/>
+        </a:effectRef>
+        <a:fontRef idx="minor">
+          <a:schemeClr val="lt1"/>
+        </a:fontRef>
+      </dsp:style>
+    </dsp:sp>
+    <dsp:sp modelId="{CB2A660B-1DC9-487A-A570-D6185D5752DF}">
+      <dsp:nvSpPr>
+        <dsp:cNvPr id="0" name=""/>
+        <dsp:cNvSpPr/>
+      </dsp:nvSpPr>
+      <dsp:spPr>
+        <a:xfrm>
+          <a:off x="7154322" y="2190774"/>
+          <a:ext cx="3148942" cy="1335915"/>
+        </a:xfrm>
+        <a:prstGeom prst="rect">
+          <a:avLst/>
+        </a:prstGeom>
+        <a:noFill/>
+        <a:ln>
+          <a:noFill/>
+        </a:ln>
+        <a:effectLst/>
+      </dsp:spPr>
+      <dsp:style>
+        <a:lnRef idx="0">
+          <a:scrgbClr r="0" g="0" b="0"/>
+        </a:lnRef>
+        <a:fillRef idx="0">
+          <a:scrgbClr r="0" g="0" b="0"/>
+        </a:fillRef>
+        <a:effectRef idx="0">
+          <a:scrgbClr r="0" g="0" b="0"/>
+        </a:effectRef>
+        <a:fontRef idx="minor"/>
+      </dsp:style>
+      <dsp:txBody>
+        <a:bodyPr spcFirstLastPara="0" vert="horz" wrap="square" lIns="0" tIns="0" rIns="0" bIns="0" numCol="1" spcCol="1270" anchor="ctr" anchorCtr="0">
+          <a:noAutofit/>
+        </a:bodyPr>
+        <a:lstStyle/>
+        <a:p>
+          <a:pPr marL="0" lvl="0" indent="0" algn="l" defTabSz="1066800">
+            <a:lnSpc>
+              <a:spcPct val="90000"/>
+            </a:lnSpc>
+            <a:spcBef>
+              <a:spcPct val="0"/>
+            </a:spcBef>
+            <a:spcAft>
+              <a:spcPct val="35000"/>
+            </a:spcAft>
+            <a:buNone/>
+          </a:pPr>
+          <a:r>
+            <a:rPr lang="en-US" sz="2400" kern="1200"/>
+            <a:t>Summary</a:t>
+          </a:r>
+        </a:p>
+      </dsp:txBody>
+      <dsp:txXfrm>
+        <a:off x="7154322" y="2190774"/>
+        <a:ext cx="3148942" cy="1335915"/>
+      </dsp:txXfrm>
+    </dsp:sp>
+  </dsp:spTree>
+</dsp:drawing>
+</file>
+
+<file path=ppt/diagrams/layout1.xml><?xml version="1.0" encoding="utf-8"?>
+<dgm:layoutDef xmlns:dgm="http://schemas.openxmlformats.org/drawingml/2006/diagram" xmlns:a="http://schemas.openxmlformats.org/drawingml/2006/main" uniqueId="urn:microsoft.com/office/officeart/2018/2/layout/IconCircleList">
+  <dgm:title val="Icon Circle List"/>
+  <dgm:desc val="Use to show non-sequential or grouped chunks of information accompanied by related visuals. Circular shapes can hold an icon or small picture and corresponding text box shows Level 1 text. Works best for icons or small pictures with medium-length descriptions."/>
+  <dgm:catLst>
+    <dgm:cat type="icon" pri="500"/>
+  </dgm:catLst>
+  <dgm:sampData useDef="1">
+    <dgm:dataModel>
+      <dgm:ptLst/>
+      <dgm:bg/>
+      <dgm:whole/>
+    </dgm:dataModel>
+  </dgm:sampData>
+  <dgm:styleData useDef="1">
+    <dgm:dataModel>
+      <dgm:ptLst/>
+      <dgm:bg/>
+      <dgm:whole/>
+    </dgm:dataModel>
+  </dgm:styleData>
+  <dgm:clrData useDef="1">
+    <dgm:dataModel>
+      <dgm:ptLst/>
+      <dgm:bg/>
+      <dgm:whole/>
+    </dgm:dataModel>
+  </dgm:clrData>
+  <dgm:layoutNode name="root">
+    <dgm:varLst>
+      <dgm:dir/>
+      <dgm:resizeHandles val="exact"/>
+    </dgm:varLst>
+    <dgm:alg type="sp"/>
+    <dgm:shape xmlns:r="http://schemas.openxmlformats.org/officeDocument/2006/relationships" r:blip="">
+      <dgm:adjLst/>
+    </dgm:shape>
+    <dgm:presOf/>
+    <dgm:choose name="Name0">
+      <dgm:if name="Name1" axis="ch" ptType="node" func="cnt" op="lte" val="3">
+        <dgm:constrLst>
+          <dgm:constr type="w" for="ch" forName="container" refType="w"/>
+          <dgm:constr type="h" for="ch" forName="container" refType="h" fact="0.4"/>
+        </dgm:constrLst>
+      </dgm:if>
+      <dgm:else name="Name2">
+        <dgm:constrLst>
+          <dgm:constr type="w" for="ch" forName="container" refType="w"/>
+          <dgm:constr type="h" for="ch" forName="container" refType="h"/>
+        </dgm:constrLst>
+      </dgm:else>
+    </dgm:choose>
+    <dgm:ruleLst>
+      <dgm:rule type="h" for="ch" forName="container" val="INF" fact="NaN" max="NaN"/>
+    </dgm:ruleLst>
+    <dgm:layoutNode name="container">
+      <dgm:varLst>
+        <dgm:dir/>
+        <dgm:resizeHandles val="exact"/>
+      </dgm:varLst>
+      <dgm:choose name="Name3">
+        <dgm:if name="Name4" axis="self" func="var" arg="dir" op="equ" val="norm">
+          <dgm:alg type="snake">
+            <dgm:param type="grDir" val="tL"/>
+            <dgm:param type="flowDir" val="row"/>
+            <dgm:param type="contDir" val="sameDir"/>
+          </dgm:alg>
+        </dgm:if>
+        <dgm:else name="Name5">
+          <dgm:alg type="snake">
+            <dgm:param type="grDir" val="tR"/>
+            <dgm:param type="flowDir" val="row"/>
+            <dgm:param type="contDir" val="sameDir"/>
+          </dgm:alg>
+        </dgm:else>
+      </dgm:choose>
+      <dgm:shape xmlns:r="http://schemas.openxmlformats.org/officeDocument/2006/relationships" r:blip="">
+        <dgm:adjLst/>
+      </dgm:shape>
+      <dgm:presOf/>
+      <dgm:constrLst>
+        <dgm:constr type="w" for="ch" forName="compNode" refType="w"/>
+        <dgm:constr type="h" for="ch" forName="compNode" refType="w" fact="0.28"/>
+        <dgm:constr type="w" for="ch" forName="sibTrans" refType="w" refFor="ch" refForName="compNode" fact="0.115"/>
+        <dgm:constr type="sp" refType="h" op="equ" fact="0.17"/>
+        <dgm:constr type="primFontSz" for="des" ptType="node" op="equ" val="24"/>
+        <dgm:constr type="h" for="des" forName="compNode" op="equ"/>
+        <dgm:constr type="h" for="des" forName="iconBgRect" op="equ"/>
+      </dgm:constrLst>
+      <dgm:ruleLst>
+        <dgm:rule type="w" for="ch" forName="compNode" val="60" fact="NaN" max="NaN"/>
+      </dgm:ruleLst>
+      <dgm:forEach name="Name6" axis="ch" ptType="node">
+        <dgm:layoutNode name="compNode">
+          <dgm:alg type="composite"/>
+          <dgm:shape xmlns:r="http://schemas.openxmlformats.org/officeDocument/2006/relationships" r:blip="">
+            <dgm:adjLst/>
+          </dgm:shape>
+          <dgm:presOf axis="self"/>
+          <dgm:constrLst>
+            <dgm:constr type="w" for="ch" forName="iconBgRect" refType="w" fact="0.28"/>
+            <dgm:constr type="h" for="ch" forName="iconBgRect" refType="w" refFor="ch" refForName="iconBgRect"/>
+            <dgm:constr type="t" for="ch" forName="iconBgRect"/>
+            <dgm:constr type="l" for="ch" forName="iconBgRect"/>
+            <dgm:constr type="w" for="ch" forName="iconRect" refType="w" refFor="ch" refForName="iconBgRect" fact="0.58"/>
+            <dgm:constr type="h" for="ch" forName="iconRect" refType="w" refFor="ch" refForName="iconRect"/>
+            <dgm:constr type="ctrX" for="ch" forName="iconRect" refType="ctrX" refFor="ch" refForName="iconBgRect"/>
+            <dgm:constr type="ctrY" for="ch" forName="iconRect" refType="ctrY" refFor="ch" refForName="iconBgRect"/>
+            <dgm:constr type="w" for="ch" forName="spaceRect" refType="w" fact="0.06"/>
+            <dgm:constr type="h" for="ch" forName="spaceRect" refType="h" refFor="ch" refForName="iconBgRect"/>
+            <dgm:constr type="t" for="ch" forName="spaceRect" refType="t" refFor="ch" refForName="iconBgRect"/>
+            <dgm:constr type="l" for="ch" forName="spaceRect" refType="r" refFor="ch" refForName="iconBgRect"/>
+            <dgm:constr type="h" for="ch" forName="textRect" refType="h" refFor="ch" refForName="iconBgRect"/>
+            <dgm:constr type="t" for="ch" forName="textRect" refType="t" refFor="ch" refForName="iconBgRect"/>
+            <dgm:constr type="l" for="ch" forName="textRect" refType="r" refFor="ch" refForName="spaceRect"/>
+          </dgm:constrLst>
+          <dgm:ruleLst/>
+          <dgm:layoutNode name="iconBgRect" styleLbl="bgShp">
+            <dgm:alg type="sp"/>
+            <dgm:shape xmlns:r="http://schemas.openxmlformats.org/officeDocument/2006/relationships" type="ellipse" r:blip="">
+              <dgm:adjLst/>
+            </dgm:shape>
+            <dgm:presOf/>
+            <dgm:constrLst/>
+            <dgm:ruleLst/>
+          </dgm:layoutNode>
+          <dgm:layoutNode name="iconRect" styleLbl="node1">
+            <dgm:alg type="sp"/>
+            <dgm:shape xmlns:r="http://schemas.openxmlformats.org/officeDocument/2006/relationships" type="rect" r:blip="" blipPhldr="1">
+              <dgm:adjLst/>
+            </dgm:shape>
+            <dgm:presOf/>
+            <dgm:constrLst/>
+            <dgm:ruleLst/>
+          </dgm:layoutNode>
+          <dgm:layoutNode name="spaceRect">
+            <dgm:alg type="sp"/>
+            <dgm:shape xmlns:r="http://schemas.openxmlformats.org/officeDocument/2006/relationships" r:blip="">
+              <dgm:adjLst/>
+            </dgm:shape>
+            <dgm:presOf/>
+            <dgm:constrLst/>
+            <dgm:ruleLst/>
+          </dgm:layoutNode>
+          <dgm:layoutNode name="textRect" styleLbl="revTx">
+            <dgm:varLst>
+              <dgm:chMax val="1"/>
+              <dgm:chPref val="1"/>
+            </dgm:varLst>
+            <dgm:choose name="Name7">
+              <dgm:if name="Name8" func="var" arg="dir" op="equ" val="norm">
+                <dgm:alg type="tx">
+                  <dgm:param type="txAnchorVert" val="mid"/>
+                  <dgm:param type="parTxLTRAlign" val="l"/>
+                  <dgm:param type="shpTxLTRAlignCh" val="l"/>
+                  <dgm:param type="parTxRTLAlign" val="l"/>
+                  <dgm:param type="shpTxRTLAlignCh" val="l"/>
+                </dgm:alg>
+              </dgm:if>
+              <dgm:else name="Name9">
+                <dgm:alg type="tx">
+                  <dgm:param type="txAnchorVert" val="mid"/>
+                  <dgm:param type="parTxLTRAlign" val="r"/>
+                  <dgm:param type="shpTxLTRAlignCh" val="r"/>
+                  <dgm:param type="parTxRTLAlign" val="r"/>
+                  <dgm:param type="shpTxRTLAlignCh" val="r"/>
+                </dgm:alg>
+              </dgm:else>
+            </dgm:choose>
+            <dgm:shape xmlns:r="http://schemas.openxmlformats.org/officeDocument/2006/relationships" type="rect" r:blip="">
+              <dgm:adjLst/>
+            </dgm:shape>
+            <dgm:presOf axis="self" ptType="node"/>
+            <dgm:constrLst>
+              <dgm:constr type="lMarg"/>
+              <dgm:constr type="rMarg"/>
+              <dgm:constr type="tMarg"/>
+              <dgm:constr type="bMarg"/>
+            </dgm:constrLst>
+            <dgm:ruleLst>
+              <dgm:rule type="primFontSz" val="11" fact="NaN" max="NaN"/>
+            </dgm:ruleLst>
+          </dgm:layoutNode>
+        </dgm:layoutNode>
+        <dgm:forEach name="Name10" axis="followSib" ptType="sibTrans" cnt="1">
+          <dgm:layoutNode name="sibTrans">
+            <dgm:alg type="sp"/>
+            <dgm:shape xmlns:r="http://schemas.openxmlformats.org/officeDocument/2006/relationships" type="rect" r:blip="" hideGeom="1">
+              <dgm:adjLst/>
+            </dgm:shape>
+            <dgm:presOf axis="self"/>
+            <dgm:constrLst/>
+            <dgm:ruleLst/>
+          </dgm:layoutNode>
+        </dgm:forEach>
+      </dgm:forEach>
+    </dgm:layoutNode>
+  </dgm:layoutNode>
+  <dgm:extLst>
+    <a:ext uri="{68A01E43-0DF5-4B5B-8FA6-DAF915123BFB}">
+      <dgm1612:lstStyle xmlns:dgm1612="http://schemas.microsoft.com/office/drawing/2016/12/diagram">
+        <a:lvl1pPr>
+          <a:lnSpc>
+            <a:spcPct val="100000"/>
+          </a:lnSpc>
+        </a:lvl1pPr>
+      </dgm1612:lstStyle>
+    </a:ext>
+  </dgm:extLst>
+</dgm:layoutDef>
+</file>
+
+<file path=ppt/diagrams/quickStyle1.xml><?xml version="1.0" encoding="utf-8"?>
+<dgm:styleDef xmlns:dgm="http://schemas.openxmlformats.org/drawingml/2006/diagram" xmlns:a="http://schemas.openxmlformats.org/drawingml/2006/main" uniqueId="urn:microsoft.com/office/officeart/2005/8/quickstyle/simple1">
+  <dgm:title val=""/>
+  <dgm:desc val=""/>
+  <dgm:catLst>
+    <dgm:cat type="simple" pri="10100"/>
+  </dgm:catLst>
+  <dgm:scene3d>
+    <a:camera prst="orthographicFront"/>
+    <a:lightRig rig="threePt" dir="t"/>
+  </dgm:scene3d>
+  <dgm:styleLbl name="node0">
+    <dgm:scene3d>
+      <a:camera prst="orthographicFront"/>
+      <a:lightRig rig="threePt" dir="t"/>
+    </dgm:scene3d>
+    <dgm:sp3d/>
+    <dgm:txPr/>
+    <dgm:style>
+      <a:lnRef idx="2">
+        <a:scrgbClr r="0" g="0" b="0"/>
+      </a:lnRef>
+      <a:fillRef idx="1">
+        <a:scrgbClr r="0" g="0" b="0"/>
+      </a:fillRef>
+      <a:effectRef idx="0">
+        <a:scrgbClr r="0" g="0" b="0"/>
+      </a:effectRef>
+      <a:fontRef idx="minor">
+        <a:schemeClr val="lt1"/>
+      </a:fontRef>
+    </dgm:style>
+  </dgm:styleLbl>
+  <dgm:styleLbl name="lnNode1">
+    <dgm:scene3d>
+      <a:camera prst="orthographicFront"/>
+      <a:lightRig rig="threePt" dir="t"/>
+    </dgm:scene3d>
+    <dgm:sp3d/>
+    <dgm:txPr/>
+    <dgm:style>
+      <a:lnRef idx="2">
+        <a:scrgbClr r="0" g="0" b="0"/>
+      </a:lnRef>
+      <a:fillRef idx="1">
+        <a:scrgbClr r="0" g="0" b="0"/>
+      </a:fillRef>
+      <a:effectRef idx="0">
+        <a:scrgbClr r="0" g="0" b="0"/>
+      </a:effectRef>
+      <a:fontRef idx="minor">
+        <a:schemeClr val="lt1"/>
+      </a:fontRef>
+    </dgm:style>
+  </dgm:styleLbl>
+  <dgm:styleLbl name="vennNode1">
+    <dgm:scene3d>
+      <a:camera prst="orthographicFront"/>
+      <a:lightRig rig="threePt" dir="t"/>
+    </dgm:scene3d>
+    <dgm:sp3d/>
+    <dgm:txPr/>
+    <dgm:style>
+      <a:lnRef idx="2">
+        <a:scrgbClr r="0" g="0" b="0"/>
+      </a:lnRef>
+      <a:fillRef idx="1">
+        <a:scrgbClr r="0" g="0" b="0"/>
+      </a:fillRef>
+      <a:effectRef idx="0">
+        <a:scrgbClr r="0" g="0" b="0"/>
+      </a:effectRef>
+      <a:fontRef idx="minor">
+        <a:schemeClr val="tx1"/>
+      </a:fontRef>
+    </dgm:style>
+  </dgm:styleLbl>
+  <dgm:styleLbl name="alignNode1">
+    <dgm:scene3d>
+      <a:camera prst="orthographicFront"/>
+      <a:lightRig rig="threePt" dir="t"/>
+    </dgm:scene3d>
+    <dgm:sp3d/>
+    <dgm:txPr/>
+    <dgm:style>
+      <a:lnRef idx="2">
+        <a:scrgbClr r="0" g="0" b="0"/>
+      </a:lnRef>
+      <a:fillRef idx="1">
+        <a:scrgbClr r="0" g="0" b="0"/>
+      </a:fillRef>
+      <a:effectRef idx="0">
+        <a:scrgbClr r="0" g="0" b="0"/>
+      </a:effectRef>
+      <a:fontRef idx="minor">
+        <a:schemeClr val="lt1"/>
+      </a:fontRef>
+    </dgm:style>
+  </dgm:styleLbl>
+  <dgm:styleLbl name="node1">
+    <dgm:scene3d>
+      <a:camera prst="orthographicFront"/>
+      <a:lightRig rig="threePt" dir="t"/>
+    </dgm:scene3d>
+    <dgm:sp3d/>
+    <dgm:txPr/>
+    <dgm:style>
+      <a:lnRef idx="2">
+        <a:scrgbClr r="0" g="0" b="0"/>
+      </a:lnRef>
+      <a:fillRef idx="1">
+        <a:scrgbClr r="0" g="0" b="0"/>
+      </a:fillRef>
+      <a:effectRef idx="0">
+        <a:scrgbClr r="0" g="0" b="0"/>
+      </a:effectRef>
+      <a:fontRef idx="minor">
+        <a:schemeClr val="lt1"/>
+      </a:fontRef>
+    </dgm:style>
+  </dgm:styleLbl>
+  <dgm:styleLbl name="node2">
+    <dgm:scene3d>
+      <a:camera prst="orthographicFront"/>
+      <a:lightRig rig="threePt" dir="t"/>
+    </dgm:scene3d>
+    <dgm:sp3d/>
+    <dgm:txPr/>
+    <dgm:style>
+      <a:lnRef idx="2">
+        <a:scrgbClr r="0" g="0" b="0"/>
+      </a:lnRef>
+      <a:fillRef idx="1">
+        <a:scrgbClr r="0" g="0" b="0"/>
+      </a:fillRef>
+      <a:effectRef idx="0">
+        <a:scrgbClr r="0" g="0" b="0"/>
+      </a:effectRef>
+      <a:fontRef idx="minor">
+        <a:schemeClr val="lt1"/>
+      </a:fontRef>
+    </dgm:style>
+  </dgm:styleLbl>
+  <dgm:styleLbl name="node3">
+    <dgm:scene3d>
+      <a:camera prst="orthographicFront"/>
+      <a:lightRig rig="threePt" dir="t"/>
+    </dgm:scene3d>
+    <dgm:sp3d/>
+    <dgm:txPr/>
+    <dgm:style>
+      <a:lnRef idx="2">
+        <a:scrgbClr r="0" g="0" b="0"/>
+      </a:lnRef>
+      <a:fillRef idx="1">
+        <a:scrgbClr r="0" g="0" b="0"/>
+      </a:fillRef>
+      <a:effectRef idx="0">
+        <a:scrgbClr r="0" g="0" b="0"/>
+      </a:effectRef>
+      <a:fontRef idx="minor">
+        <a:schemeClr val="lt1"/>
+      </a:fontRef>
+    </dgm:style>
+  </dgm:styleLbl>
+  <dgm:styleLbl name="node4">
+    <dgm:scene3d>
+      <a:camera prst="orthographicFront"/>
+      <a:lightRig rig="threePt" dir="t"/>
+    </dgm:scene3d>
+    <dgm:sp3d/>
+    <dgm:txPr/>
+    <dgm:style>
+      <a:lnRef idx="2">
+        <a:scrgbClr r="0" g="0" b="0"/>
+      </a:lnRef>
+      <a:fillRef idx="1">
+        <a:scrgbClr r="0" g="0" b="0"/>
+      </a:fillRef>
+      <a:effectRef idx="0">
+        <a:scrgbClr r="0" g="0" b="0"/>
+      </a:effectRef>
+      <a:fontRef idx="minor">
+        <a:schemeClr val="lt1"/>
+      </a:fontRef>
+    </dgm:style>
+  </dgm:styleLbl>
+  <dgm:styleLbl name="fgImgPlace1">
+    <dgm:scene3d>
+      <a:camera prst="orthographicFront"/>
+      <a:lightRig rig="threePt" dir="t"/>
+    </dgm:scene3d>
+    <dgm:sp3d/>
+    <dgm:txPr/>
+    <dgm:style>
+      <a:lnRef idx="2">
+        <a:scrgbClr r="0" g="0" b="0"/>
+      </a:lnRef>
+      <a:fillRef idx="1">
+        <a:scrgbClr r="0" g="0" b="0"/>
+      </a:fillRef>
+      <a:effectRef idx="0">
+        <a:scrgbClr r="0" g="0" b="0"/>
+      </a:effectRef>
+      <a:fontRef idx="minor"/>
+    </dgm:style>
+  </dgm:styleLbl>
+  <dgm:styleLbl name="alignImgPlace1">
+    <dgm:scene3d>
+      <a:camera prst="orthographicFront"/>
+      <a:lightRig rig="threePt" dir="t"/>
+    </dgm:scene3d>
+    <dgm:sp3d/>
+    <dgm:txPr/>
+    <dgm:style>
+      <a:lnRef idx="2">
+        <a:scrgbClr r="0" g="0" b="0"/>
+      </a:lnRef>
+      <a:fillRef idx="1">
+        <a:scrgbClr r="0" g="0" b="0"/>
+      </a:fillRef>
+      <a:effectRef idx="0">
+        <a:scrgbClr r="0" g="0" b="0"/>
+      </a:effectRef>
+      <a:fontRef idx="minor"/>
+    </dgm:style>
+  </dgm:styleLbl>
+  <dgm:styleLbl name="bgImgPlace1">
+    <dgm:scene3d>
+      <a:camera prst="orthographicFront"/>
+      <a:lightRig rig="threePt" dir="t"/>
+    </dgm:scene3d>
+    <dgm:sp3d/>
+    <dgm:txPr/>
+    <dgm:style>
+      <a:lnRef idx="2">
+        <a:scrgbClr r="0" g="0" b="0"/>
+      </a:lnRef>
+      <a:fillRef idx="1">
+        <a:scrgbClr r="0" g="0" b="0"/>
+      </a:fillRef>
+      <a:effectRef idx="0">
+        <a:scrgbClr r="0" g="0" b="0"/>
+      </a:effectRef>
+      <a:fontRef idx="minor"/>
+    </dgm:style>
+  </dgm:styleLbl>
+  <dgm:styleLbl name="sibTrans2D1">
+    <dgm:scene3d>
+      <a:camera prst="orthographicFront"/>
+      <a:lightRig rig="threePt" dir="t"/>
+    </dgm:scene3d>
+    <dgm:sp3d/>
+    <dgm:txPr/>
+    <dgm:style>
+      <a:lnRef idx="0">
+        <a:scrgbClr r="0" g="0" b="0"/>
+      </a:lnRef>
+      <a:fillRef idx="1">
+        <a:scrgbClr r="0" g="0" b="0"/>
+      </a:fillRef>
+      <a:effectRef idx="0">
+        <a:scrgbClr r="0" g="0" b="0"/>
+      </a:effectRef>
+      <a:fontRef idx="minor">
+        <a:schemeClr val="lt1"/>
+      </a:fontRef>
+    </dgm:style>
+  </dgm:styleLbl>
+  <dgm:styleLbl name="fgSibTrans2D1">
+    <dgm:scene3d>
+      <a:camera prst="orthographicFront"/>
+      <a:lightRig rig="threePt" dir="t"/>
+    </dgm:scene3d>
+    <dgm:sp3d/>
+    <dgm:txPr/>
+    <dgm:style>
+      <a:lnRef idx="0">
+        <a:scrgbClr r="0" g="0" b="0"/>
+      </a:lnRef>
+      <a:fillRef idx="1">
+        <a:scrgbClr r="0" g="0" b="0"/>
+      </a:fillRef>
+      <a:effectRef idx="0">
+        <a:scrgbClr r="0" g="0" b="0"/>
+      </a:effectRef>
+      <a:fontRef idx="minor">
+        <a:schemeClr val="lt1"/>
+      </a:fontRef>
+    </dgm:style>
+  </dgm:styleLbl>
+  <dgm:styleLbl name="bgSibTrans2D1">
+    <dgm:scene3d>
+      <a:camera prst="orthographicFront"/>
+      <a:lightRig rig="threePt" dir="t"/>
+    </dgm:scene3d>
+    <dgm:sp3d/>
+    <dgm:txPr/>
+    <dgm:style>
+      <a:lnRef idx="0">
+        <a:scrgbClr r="0" g="0" b="0"/>
+      </a:lnRef>
+      <a:fillRef idx="1">
+        <a:scrgbClr r="0" g="0" b="0"/>
+      </a:fillRef>
+      <a:effectRef idx="0">
+        <a:scrgbClr r="0" g="0" b="0"/>
+      </a:effectRef>
+      <a:fontRef idx="minor">
+        <a:schemeClr val="lt1"/>
+      </a:fontRef>
+    </dgm:style>
+  </dgm:styleLbl>
+  <dgm:styleLbl name="sibTrans1D1">
+    <dgm:scene3d>
+      <a:camera prst="orthographicFront"/>
+      <a:lightRig rig="threePt" dir="t"/>
+    </dgm:scene3d>
+    <dgm:sp3d/>
+    <dgm:txPr/>
+    <dgm:style>
+      <a:lnRef idx="1">
+        <a:scrgbClr r="0" g="0" b="0"/>
+      </a:lnRef>
+      <a:fillRef idx="0">
+        <a:scrgbClr r="0" g="0" b="0"/>
+      </a:fillRef>
+      <a:effectRef idx="0">
+        <a:scrgbClr r="0" g="0" b="0"/>
+      </a:effectRef>
+      <a:fontRef idx="minor"/>
+    </dgm:style>
+  </dgm:styleLbl>
+  <dgm:styleLbl name="callout">
+    <dgm:scene3d>
+      <a:camera prst="orthographicFront"/>
+      <a:lightRig rig="threePt" dir="t"/>
+    </dgm:scene3d>
+    <dgm:sp3d/>
+    <dgm:txPr/>
+    <dgm:style>
+      <a:lnRef idx="2">
+        <a:scrgbClr r="0" g="0" b="0"/>
+      </a:lnRef>
+      <a:fillRef idx="1">
+        <a:scrgbClr r="0" g="0" b="0"/>
+      </a:fillRef>
+      <a:effectRef idx="0">
+        <a:scrgbClr r="0" g="0" b="0"/>
+      </a:effectRef>
+      <a:fontRef idx="minor"/>
+    </dgm:style>
+  </dgm:styleLbl>
+  <dgm:styleLbl name="asst0">
+    <dgm:scene3d>
+      <a:camera prst="orthographicFront"/>
+      <a:lightRig rig="threePt" dir="t"/>
+    </dgm:scene3d>
+    <dgm:sp3d/>
+    <dgm:txPr/>
+    <dgm:style>
+      <a:lnRef idx="2">
+        <a:scrgbClr r="0" g="0" b="0"/>
+      </a:lnRef>
+      <a:fillRef idx="1">
+        <a:scrgbClr r="0" g="0" b="0"/>
+      </a:fillRef>
+      <a:effectRef idx="0">
+        <a:scrgbClr r="0" g="0" b="0"/>
+      </a:effectRef>
+      <a:fontRef idx="minor">
+        <a:schemeClr val="lt1"/>
+      </a:fontRef>
+    </dgm:style>
+  </dgm:styleLbl>
+  <dgm:styleLbl name="asst1">
+    <dgm:scene3d>
+      <a:camera prst="orthographicFront"/>
+      <a:lightRig rig="threePt" dir="t"/>
+    </dgm:scene3d>
+    <dgm:sp3d/>
+    <dgm:txPr/>
+    <dgm:style>
+      <a:lnRef idx="2">
+        <a:scrgbClr r="0" g="0" b="0"/>
+      </a:lnRef>
+      <a:fillRef idx="1">
+        <a:scrgbClr r="0" g="0" b="0"/>
+      </a:fillRef>
+      <a:effectRef idx="0">
+        <a:scrgbClr r="0" g="0" b="0"/>
+      </a:effectRef>
+      <a:fontRef idx="minor">
+        <a:schemeClr val="lt1"/>
+      </a:fontRef>
+    </dgm:style>
+  </dgm:styleLbl>
+  <dgm:styleLbl name="asst2">
+    <dgm:scene3d>
+      <a:camera prst="orthographicFront"/>
+      <a:lightRig rig="threePt" dir="t"/>
+    </dgm:scene3d>
+    <dgm:sp3d/>
+    <dgm:txPr/>
+    <dgm:style>
+      <a:lnRef idx="2">
+        <a:scrgbClr r="0" g="0" b="0"/>
+      </a:lnRef>
+      <a:fillRef idx="1">
+        <a:scrgbClr r="0" g="0" b="0"/>
+      </a:fillRef>
+      <a:effectRef idx="0">
+        <a:scrgbClr r="0" g="0" b="0"/>
+      </a:effectRef>
+      <a:fontRef idx="minor">
+        <a:schemeClr val="lt1"/>
+      </a:fontRef>
+    </dgm:style>
+  </dgm:styleLbl>
+  <dgm:styleLbl name="asst3">
+    <dgm:scene3d>
+      <a:camera prst="orthographicFront"/>
+      <a:lightRig rig="threePt" dir="t"/>
+    </dgm:scene3d>
+    <dgm:sp3d/>
+    <dgm:txPr/>
+    <dgm:style>
+      <a:lnRef idx="2">
+        <a:scrgbClr r="0" g="0" b="0"/>
+      </a:lnRef>
+      <a:fillRef idx="1">
+        <a:scrgbClr r="0" g="0" b="0"/>
+      </a:fillRef>
+      <a:effectRef idx="0">
+        <a:scrgbClr r="0" g="0" b="0"/>
+      </a:effectRef>
+      <a:fontRef idx="minor">
+        <a:schemeClr val="lt1"/>
+      </a:fontRef>
+    </dgm:style>
+  </dgm:styleLbl>
+  <dgm:styleLbl name="asst4">
+    <dgm:scene3d>
+      <a:camera prst="orthographicFront"/>
+      <a:lightRig rig="threePt" dir="t"/>
+    </dgm:scene3d>
+    <dgm:sp3d/>
+    <dgm:txPr/>
+    <dgm:style>
+      <a:lnRef idx="2">
+        <a:scrgbClr r="0" g="0" b="0"/>
+      </a:lnRef>
+      <a:fillRef idx="1">
+        <a:scrgbClr r="0" g="0" b="0"/>
+      </a:fillRef>
+      <a:effectRef idx="0">
+        <a:scrgbClr r="0" g="0" b="0"/>
+      </a:effectRef>
+      <a:fontRef idx="minor">
+        <a:schemeClr val="lt1"/>
+      </a:fontRef>
+    </dgm:style>
+  </dgm:styleLbl>
+  <dgm:styleLbl name="parChTrans2D1">
+    <dgm:scene3d>
+      <a:camera prst="orthographicFront"/>
+      <a:lightRig rig="threePt" dir="t"/>
+    </dgm:scene3d>
+    <dgm:sp3d/>
+    <dgm:txPr/>
+    <dgm:style>
+      <a:lnRef idx="2">
+        <a:scrgbClr r="0" g="0" b="0"/>
+      </a:lnRef>
+      <a:fillRef idx="1">
+        <a:scrgbClr r="0" g="0" b="0"/>
+      </a:fillRef>
+      <a:effectRef idx="0">
+        <a:scrgbClr r="0" g="0" b="0"/>
+      </a:effectRef>
+      <a:fontRef idx="minor">
+        <a:schemeClr val="lt1"/>
+      </a:fontRef>
+    </dgm:style>
+  </dgm:styleLbl>
+  <dgm:styleLbl name="parChTrans2D2">
+    <dgm:scene3d>
+      <a:camera prst="orthographicFront"/>
+      <a:lightRig rig="threePt" dir="t"/>
+    </dgm:scene3d>
+    <dgm:sp3d/>
+    <dgm:txPr/>
+    <dgm:style>
+      <a:lnRef idx="2">
+        <a:scrgbClr r="0" g="0" b="0"/>
+      </a:lnRef>
+      <a:fillRef idx="1">
+        <a:scrgbClr r="0" g="0" b="0"/>
+      </a:fillRef>
+      <a:effectRef idx="0">
+        <a:scrgbClr r="0" g="0" b="0"/>
+      </a:effectRef>
+      <a:fontRef idx="minor">
+        <a:schemeClr val="lt1"/>
+      </a:fontRef>
+    </dgm:style>
+  </dgm:styleLbl>
+  <dgm:styleLbl name="parChTrans2D3">
+    <dgm:scene3d>
+      <a:camera prst="orthographicFront"/>
+      <a:lightRig rig="threePt" dir="t"/>
+    </dgm:scene3d>
+    <dgm:sp3d/>
+    <dgm:txPr/>
+    <dgm:style>
+      <a:lnRef idx="2">
+        <a:scrgbClr r="0" g="0" b="0"/>
+      </a:lnRef>
+      <a:fillRef idx="1">
+        <a:scrgbClr r="0" g="0" b="0"/>
+      </a:fillRef>
+      <a:effectRef idx="0">
+        <a:scrgbClr r="0" g="0" b="0"/>
+      </a:effectRef>
+      <a:fontRef idx="minor">
+        <a:schemeClr val="lt1"/>
+      </a:fontRef>
+    </dgm:style>
+  </dgm:styleLbl>
+  <dgm:styleLbl name="parChTrans2D4">
+    <dgm:scene3d>
+      <a:camera prst="orthographicFront"/>
+      <a:lightRig rig="threePt" dir="t"/>
+    </dgm:scene3d>
+    <dgm:sp3d/>
+    <dgm:txPr/>
+    <dgm:style>
+      <a:lnRef idx="2">
+        <a:scrgbClr r="0" g="0" b="0"/>
+      </a:lnRef>
+      <a:fillRef idx="1">
+        <a:scrgbClr r="0" g="0" b="0"/>
+      </a:fillRef>
+      <a:effectRef idx="0">
+        <a:scrgbClr r="0" g="0" b="0"/>
+      </a:effectRef>
+      <a:fontRef idx="minor">
+        <a:schemeClr val="lt1"/>
+      </a:fontRef>
+    </dgm:style>
+  </dgm:styleLbl>
+  <dgm:styleLbl name="parChTrans1D1">
+    <dgm:scene3d>
+      <a:camera prst="orthographicFront"/>
+      <a:lightRig rig="threePt" dir="t"/>
+    </dgm:scene3d>
+    <dgm:sp3d/>
+    <dgm:txPr/>
+    <dgm:style>
+      <a:lnRef idx="2">
+        <a:scrgbClr r="0" g="0" b="0"/>
+      </a:lnRef>
+      <a:fillRef idx="0">
+        <a:scrgbClr r="0" g="0" b="0"/>
+      </a:fillRef>
+      <a:effectRef idx="0">
+        <a:scrgbClr r="0" g="0" b="0"/>
+      </a:effectRef>
+      <a:fontRef idx="minor"/>
+    </dgm:style>
+  </dgm:styleLbl>
+  <dgm:styleLbl name="parChTrans1D2">
+    <dgm:scene3d>
+      <a:camera prst="orthographicFront"/>
+      <a:lightRig rig="threePt" dir="t"/>
+    </dgm:scene3d>
+    <dgm:sp3d/>
+    <dgm:txPr/>
+    <dgm:style>
+      <a:lnRef idx="2">
+        <a:scrgbClr r="0" g="0" b="0"/>
+      </a:lnRef>
+      <a:fillRef idx="0">
+        <a:scrgbClr r="0" g="0" b="0"/>
+      </a:fillRef>
+      <a:effectRef idx="0">
+        <a:scrgbClr r="0" g="0" b="0"/>
+      </a:effectRef>
+      <a:fontRef idx="minor"/>
+    </dgm:style>
+  </dgm:styleLbl>
+  <dgm:styleLbl name="parChTrans1D3">
+    <dgm:scene3d>
+      <a:camera prst="orthographicFront"/>
+      <a:lightRig rig="threePt" dir="t"/>
+    </dgm:scene3d>
+    <dgm:sp3d/>
+    <dgm:txPr/>
+    <dgm:style>
+      <a:lnRef idx="2">
+        <a:scrgbClr r="0" g="0" b="0"/>
+      </a:lnRef>
+      <a:fillRef idx="0">
+        <a:scrgbClr r="0" g="0" b="0"/>
+      </a:fillRef>
+      <a:effectRef idx="0">
+        <a:scrgbClr r="0" g="0" b="0"/>
+      </a:effectRef>
+      <a:fontRef idx="minor"/>
+    </dgm:style>
+  </dgm:styleLbl>
+  <dgm:styleLbl name="parChTrans1D4">
+    <dgm:scene3d>
+      <a:camera prst="orthographicFront"/>
+      <a:lightRig rig="threePt" dir="t"/>
+    </dgm:scene3d>
+    <dgm:sp3d/>
+    <dgm:txPr/>
+    <dgm:style>
+      <a:lnRef idx="2">
+        <a:scrgbClr r="0" g="0" b="0"/>
+      </a:lnRef>
+      <a:fillRef idx="0">
+        <a:scrgbClr r="0" g="0" b="0"/>
+      </a:fillRef>
+      <a:effectRef idx="0">
+        <a:scrgbClr r="0" g="0" b="0"/>
+      </a:effectRef>
+      <a:fontRef idx="minor"/>
+    </dgm:style>
+  </dgm:styleLbl>
+  <dgm:styleLbl name="fgAcc1">
+    <dgm:scene3d>
+      <a:camera prst="orthographicFront"/>
+      <a:lightRig rig="threePt" dir="t"/>
+    </dgm:scene3d>
+    <dgm:sp3d/>
+    <dgm:txPr/>
+    <dgm:style>
+      <a:lnRef idx="2">
+        <a:scrgbClr r="0" g="0" b="0"/>
+      </a:lnRef>
+      <a:fillRef idx="1">
+        <a:scrgbClr r="0" g="0" b="0"/>
+      </a:fillRef>
+      <a:effectRef idx="0">
+        <a:scrgbClr r="0" g="0" b="0"/>
+      </a:effectRef>
+      <a:fontRef idx="minor"/>
+    </dgm:style>
+  </dgm:styleLbl>
+  <dgm:styleLbl name="conFgAcc1">
+    <dgm:scene3d>
+      <a:camera prst="orthographicFront"/>
+      <a:lightRig rig="threePt" dir="t"/>
+    </dgm:scene3d>
+    <dgm:sp3d/>
+    <dgm:txPr/>
+    <dgm:style>
+      <a:lnRef idx="2">
+        <a:scrgbClr r="0" g="0" b="0"/>
+      </a:lnRef>
+      <a:fillRef idx="1">
+        <a:scrgbClr r="0" g="0" b="0"/>
+      </a:fillRef>
+      <a:effectRef idx="0">
+        <a:scrgbClr r="0" g="0" b="0"/>
+      </a:effectRef>
+      <a:fontRef idx="minor"/>
+    </dgm:style>
+  </dgm:styleLbl>
+  <dgm:styleLbl name="alignAcc1">
+    <dgm:scene3d>
+      <a:camera prst="orthographicFront"/>
+      <a:lightRig rig="threePt" dir="t"/>
+    </dgm:scene3d>
+    <dgm:sp3d/>
+    <dgm:txPr/>
+    <dgm:style>
+      <a:lnRef idx="2">
+        <a:scrgbClr r="0" g="0" b="0"/>
+      </a:lnRef>
+      <a:fillRef idx="1">
+        <a:scrgbClr r="0" g="0" b="0"/>
+      </a:fillRef>
+      <a:effectRef idx="0">
+        <a:scrgbClr r="0" g="0" b="0"/>
+      </a:effectRef>
+      <a:fontRef idx="minor"/>
+    </dgm:style>
+  </dgm:styleLbl>
+  <dgm:styleLbl name="trAlignAcc1">
+    <dgm:scene3d>
+      <a:camera prst="orthographicFront"/>
+      <a:lightRig rig="threePt" dir="t"/>
+    </dgm:scene3d>
+    <dgm:sp3d/>
+    <dgm:txPr/>
+    <dgm:style>
+      <a:lnRef idx="1">
+        <a:scrgbClr r="0" g="0" b="0"/>
+      </a:lnRef>
+      <a:fillRef idx="1">
+        <a:scrgbClr r="0" g="0" b="0"/>
+      </a:fillRef>
+      <a:effectRef idx="0">
+        <a:scrgbClr r="0" g="0" b="0"/>
+      </a:effectRef>
+      <a:fontRef idx="minor"/>
+    </dgm:style>
+  </dgm:styleLbl>
+  <dgm:styleLbl name="bgAcc1">
+    <dgm:scene3d>
+      <a:camera prst="orthographicFront"/>
+      <a:lightRig rig="threePt" dir="t"/>
+    </dgm:scene3d>
+    <dgm:sp3d/>
+    <dgm:txPr/>
+    <dgm:style>
+      <a:lnRef idx="2">
+        <a:scrgbClr r="0" g="0" b="0"/>
+      </a:lnRef>
+      <a:fillRef idx="1">
+        <a:scrgbClr r="0" g="0" b="0"/>
+      </a:fillRef>
+      <a:effectRef idx="0">
+        <a:scrgbClr r="0" g="0" b="0"/>
+      </a:effectRef>
+      <a:fontRef idx="minor"/>
+    </dgm:style>
+  </dgm:styleLbl>
+  <dgm:styleLbl name="solidFgAcc1">
+    <dgm:scene3d>
+      <a:camera prst="orthographicFront"/>
+      <a:lightRig rig="threePt" dir="t"/>
+    </dgm:scene3d>
+    <dgm:sp3d/>
+    <dgm:txPr/>
+    <dgm:style>
+      <a:lnRef idx="2">
+        <a:scrgbClr r="0" g="0" b="0"/>
+      </a:lnRef>
+      <a:fillRef idx="1">
+        <a:scrgbClr r="0" g="0" b="0"/>
+      </a:fillRef>
+      <a:effectRef idx="0">
+        <a:scrgbClr r="0" g="0" b="0"/>
+      </a:effectRef>
+      <a:fontRef idx="minor"/>
+    </dgm:style>
+  </dgm:styleLbl>
+  <dgm:styleLbl name="solidAlignAcc1">
+    <dgm:scene3d>
+      <a:camera prst="orthographicFront"/>
+      <a:lightRig rig="threePt" dir="t"/>
+    </dgm:scene3d>
+    <dgm:sp3d/>
+    <dgm:txPr/>
+    <dgm:style>
+      <a:lnRef idx="2">
+        <a:scrgbClr r="0" g="0" b="0"/>
+      </a:lnRef>
+      <a:fillRef idx="1">
+        <a:scrgbClr r="0" g="0" b="0"/>
+      </a:fillRef>
+      <a:effectRef idx="0">
+        <a:scrgbClr r="0" g="0" b="0"/>
+      </a:effectRef>
+      <a:fontRef idx="minor"/>
+    </dgm:style>
+  </dgm:styleLbl>
+  <dgm:styleLbl name="solidBgAcc1">
+    <dgm:scene3d>
+      <a:camera prst="orthographicFront"/>
+      <a:lightRig rig="threePt" dir="t"/>
+    </dgm:scene3d>
+    <dgm:sp3d/>
+    <dgm:txPr/>
+    <dgm:style>
+      <a:lnRef idx="2">
+        <a:scrgbClr r="0" g="0" b="0"/>
+      </a:lnRef>
+      <a:fillRef idx="1">
+        <a:scrgbClr r="0" g="0" b="0"/>
+      </a:fillRef>
+      <a:effectRef idx="0">
+        <a:scrgbClr r="0" g="0" b="0"/>
+      </a:effectRef>
+      <a:fontRef idx="minor"/>
+    </dgm:style>
+  </dgm:styleLbl>
+  <dgm:styleLbl name="fgAccFollowNode1">
+    <dgm:scene3d>
+      <a:camera prst="orthographicFront"/>
+      <a:lightRig rig="threePt" dir="t"/>
+    </dgm:scene3d>
+    <dgm:sp3d/>
+    <dgm:txPr/>
+    <dgm:style>
+      <a:lnRef idx="2">
+        <a:scrgbClr r="0" g="0" b="0"/>
+      </a:lnRef>
+      <a:fillRef idx="1">
+        <a:scrgbClr r="0" g="0" b="0"/>
+      </a:fillRef>
+      <a:effectRef idx="0">
+        <a:scrgbClr r="0" g="0" b="0"/>
+      </a:effectRef>
+      <a:fontRef idx="minor"/>
+    </dgm:style>
+  </dgm:styleLbl>
+  <dgm:styleLbl name="alignAccFollowNode1">
+    <dgm:scene3d>
+      <a:camera prst="orthographicFront"/>
+      <a:lightRig rig="threePt" dir="t"/>
+    </dgm:scene3d>
+    <dgm:sp3d/>
+    <dgm:txPr/>
+    <dgm:style>
+      <a:lnRef idx="2">
+        <a:scrgbClr r="0" g="0" b="0"/>
+      </a:lnRef>
+      <a:fillRef idx="1">
+        <a:scrgbClr r="0" g="0" b="0"/>
+      </a:fillRef>
+      <a:effectRef idx="0">
+        <a:scrgbClr r="0" g="0" b="0"/>
+      </a:effectRef>
+      <a:fontRef idx="minor"/>
+    </dgm:style>
+  </dgm:styleLbl>
+  <dgm:styleLbl name="bgAccFollowNode1">
+    <dgm:scene3d>
+      <a:camera prst="orthographicFront"/>
+      <a:lightRig rig="threePt" dir="t"/>
+    </dgm:scene3d>
+    <dgm:sp3d/>
+    <dgm:txPr/>
+    <dgm:style>
+      <a:lnRef idx="2">
+        <a:scrgbClr r="0" g="0" b="0"/>
+      </a:lnRef>
+      <a:fillRef idx="1">
+        <a:scrgbClr r="0" g="0" b="0"/>
+      </a:fillRef>
+      <a:effectRef idx="0">
+        <a:scrgbClr r="0" g="0" b="0"/>
+      </a:effectRef>
+      <a:fontRef idx="minor"/>
+    </dgm:style>
+  </dgm:styleLbl>
+  <dgm:styleLbl name="fgAcc0">
+    <dgm:scene3d>
+      <a:camera prst="orthographicFront"/>
+      <a:lightRig rig="threePt" dir="t"/>
+    </dgm:scene3d>
+    <dgm:sp3d/>
+    <dgm:txPr/>
+    <dgm:style>
+      <a:lnRef idx="2">
+        <a:scrgbClr r="0" g="0" b="0"/>
+      </a:lnRef>
+      <a:fillRef idx="1">
+        <a:scrgbClr r="0" g="0" b="0"/>
+      </a:fillRef>
+      <a:effectRef idx="0">
+        <a:scrgbClr r="0" g="0" b="0"/>
+      </a:effectRef>
+      <a:fontRef idx="minor"/>
+    </dgm:style>
+  </dgm:styleLbl>
+  <dgm:styleLbl name="fgAcc2">
+    <dgm:scene3d>
+      <a:camera prst="orthographicFront"/>
+      <a:lightRig rig="threePt" dir="t"/>
+    </dgm:scene3d>
+    <dgm:sp3d/>
+    <dgm:txPr/>
+    <dgm:style>
+      <a:lnRef idx="2">
+        <a:scrgbClr r="0" g="0" b="0"/>
+      </a:lnRef>
+      <a:fillRef idx="1">
+        <a:scrgbClr r="0" g="0" b="0"/>
+      </a:fillRef>
+      <a:effectRef idx="0">
+        <a:scrgbClr r="0" g="0" b="0"/>
+      </a:effectRef>
+      <a:fontRef idx="minor"/>
+    </dgm:style>
+  </dgm:styleLbl>
+  <dgm:styleLbl name="fgAcc3">
+    <dgm:scene3d>
+      <a:camera prst="orthographicFront"/>
+      <a:lightRig rig="threePt" dir="t"/>
+    </dgm:scene3d>
+    <dgm:sp3d/>
+    <dgm:txPr/>
+    <dgm:style>
+      <a:lnRef idx="2">
+        <a:scrgbClr r="0" g="0" b="0"/>
+      </a:lnRef>
+      <a:fillRef idx="1">
+        <a:scrgbClr r="0" g="0" b="0"/>
+      </a:fillRef>
+      <a:effectRef idx="0">
+        <a:scrgbClr r="0" g="0" b="0"/>
+      </a:effectRef>
+      <a:fontRef idx="minor"/>
+    </dgm:style>
+  </dgm:styleLbl>
+  <dgm:styleLbl name="fgAcc4">
+    <dgm:scene3d>
+      <a:camera prst="orthographicFront"/>
+      <a:lightRig rig="threePt" dir="t"/>
+    </dgm:scene3d>
+    <dgm:sp3d/>
+    <dgm:txPr/>
+    <dgm:style>
+      <a:lnRef idx="2">
+        <a:scrgbClr r="0" g="0" b="0"/>
+      </a:lnRef>
+      <a:fillRef idx="1">
+        <a:scrgbClr r="0" g="0" b="0"/>
+      </a:fillRef>
+      <a:effectRef idx="0">
+        <a:scrgbClr r="0" g="0" b="0"/>
+      </a:effectRef>
+      <a:fontRef idx="minor"/>
+    </dgm:style>
+  </dgm:styleLbl>
+  <dgm:styleLbl name="bgShp">
+    <dgm:scene3d>
+      <a:camera prst="orthographicFront"/>
+      <a:lightRig rig="threePt" dir="t"/>
+    </dgm:scene3d>
+    <dgm:sp3d/>
+    <dgm:txPr/>
+    <dgm:style>
+      <a:lnRef idx="0">
+        <a:scrgbClr r="0" g="0" b="0"/>
+      </a:lnRef>
+      <a:fillRef idx="1">
+        <a:scrgbClr r="0" g="0" b="0"/>
+      </a:fillRef>
+      <a:effectRef idx="0">
+        <a:scrgbClr r="0" g="0" b="0"/>
+      </a:effectRef>
+      <a:fontRef idx="minor"/>
+    </dgm:style>
+  </dgm:styleLbl>
+  <dgm:styleLbl name="dkBgShp">
+    <dgm:scene3d>
+      <a:camera prst="orthographicFront"/>
+      <a:lightRig rig="threePt" dir="t"/>
+    </dgm:scene3d>
+    <dgm:sp3d/>
+    <dgm:txPr/>
+    <dgm:style>
+      <a:lnRef idx="0">
+        <a:scrgbClr r="0" g="0" b="0"/>
+      </a:lnRef>
+      <a:fillRef idx="1">
+        <a:scrgbClr r="0" g="0" b="0"/>
+      </a:fillRef>
+      <a:effectRef idx="0">
+        <a:scrgbClr r="0" g="0" b="0"/>
+      </a:effectRef>
+      <a:fontRef idx="minor"/>
+    </dgm:style>
+  </dgm:styleLbl>
+  <dgm:styleLbl name="trBgShp">
+    <dgm:scene3d>
+      <a:camera prst="orthographicFront"/>
+      <a:lightRig rig="threePt" dir="t"/>
+    </dgm:scene3d>
+    <dgm:sp3d/>
+    <dgm:txPr/>
+    <dgm:style>
+      <a:lnRef idx="0">
+        <a:scrgbClr r="0" g="0" b="0"/>
+      </a:lnRef>
+      <a:fillRef idx="1">
+        <a:scrgbClr r="0" g="0" b="0"/>
+      </a:fillRef>
+      <a:effectRef idx="0">
+        <a:scrgbClr r="0" g="0" b="0"/>
+      </a:effectRef>
+      <a:fontRef idx="minor"/>
+    </dgm:style>
+  </dgm:styleLbl>
+  <dgm:styleLbl name="fgShp">
+    <dgm:scene3d>
+      <a:camera prst="orthographicFront"/>
+      <a:lightRig rig="threePt" dir="t"/>
+    </dgm:scene3d>
+    <dgm:sp3d/>
+    <dgm:txPr/>
+    <dgm:style>
+      <a:lnRef idx="2">
+        <a:scrgbClr r="0" g="0" b="0"/>
+      </a:lnRef>
+      <a:fillRef idx="1">
+        <a:scrgbClr r="0" g="0" b="0"/>
+      </a:fillRef>
+      <a:effectRef idx="0">
+        <a:scrgbClr r="0" g="0" b="0"/>
+      </a:effectRef>
+      <a:fontRef idx="minor"/>
+    </dgm:style>
+  </dgm:styleLbl>
+  <dgm:styleLbl name="revTx">
+    <dgm:scene3d>
+      <a:camera prst="orthographicFront"/>
+      <a:lightRig rig="threePt" dir="t"/>
+    </dgm:scene3d>
+    <dgm:sp3d/>
+    <dgm:txPr/>
+    <dgm:style>
+      <a:lnRef idx="0">
+        <a:scrgbClr r="0" g="0" b="0"/>
+      </a:lnRef>
+      <a:fillRef idx="0">
+        <a:scrgbClr r="0" g="0" b="0"/>
+      </a:fillRef>
+      <a:effectRef idx="0">
+        <a:scrgbClr r="0" g="0" b="0"/>
+      </a:effectRef>
+      <a:fontRef idx="minor"/>
+    </dgm:style>
+  </dgm:styleLbl>
+</dgm:styleDef>
 </file>
 
 <file path=ppt/handoutMasters/handoutMaster1.xml><?xml version="1.0" encoding="utf-8"?>
@@ -273,7 +4185,7 @@
           <a:p>
             <a:fld id="{B56F32FC-4BD9-442A-A8C6-51598C909FE3}" type="datetimeFigureOut">
               <a:rPr lang="en-US" smtClean="0"/>
-              <a:t>9/14/2022</a:t>
+              <a:t>9/15/2022</a:t>
             </a:fld>
             <a:endParaRPr lang="en-US" dirty="0"/>
           </a:p>
@@ -450,7 +4362,7 @@
           <a:p>
             <a:fld id="{056371FA-A98D-41E8-93F4-09945841298A}" type="datetimeFigureOut">
               <a:rPr lang="en-US" smtClean="0"/>
-              <a:t>9/14/2022</a:t>
+              <a:t>9/15/2022</a:t>
             </a:fld>
             <a:endParaRPr lang="en-US" dirty="0"/>
           </a:p>
@@ -9615,7 +13527,7 @@
         </p:nvSpPr>
         <p:spPr>
           <a:xfrm>
-            <a:off x="6416041" y="6075162"/>
+            <a:off x="7250230" y="6461340"/>
             <a:ext cx="4941770" cy="396660"/>
           </a:xfrm>
         </p:spPr>
@@ -9627,7 +13539,7 @@
           <a:p>
             <a:pPr algn="r"/>
             <a:r>
-              <a:rPr lang="en-US" dirty="0"/>
+              <a:rPr lang="en-US" sz="2000" dirty="0"/>
               <a:t>Bryant Pham</a:t>
             </a:r>
           </a:p>
@@ -9643,6 +13555,9 @@
   <p:clrMapOvr>
     <a:masterClrMapping/>
   </p:clrMapOvr>
+  <p:transition spd="slow">
+    <p:push dir="u"/>
+  </p:transition>
 </p:sld>
 </file>
 
@@ -9681,27 +13596,67 @@
         </p:nvSpPr>
         <p:spPr>
           <a:xfrm>
-            <a:off x="1333500" y="790223"/>
-            <a:ext cx="2895600" cy="1555786"/>
+            <a:off x="838200" y="365125"/>
+            <a:ext cx="10515600" cy="1325563"/>
+          </a:xfrm>
+        </p:spPr>
+        <p:txBody>
+          <a:bodyPr anchor="ctr">
+            <a:normAutofit/>
+          </a:bodyPr>
+          <a:lstStyle/>
+          <a:p>
+            <a:r>
+              <a:rPr lang="en-US" dirty="0"/>
+              <a:t>AGENDA</a:t>
+            </a:r>
+          </a:p>
+        </p:txBody>
+      </p:sp>
+      <p:sp>
+        <p:nvSpPr>
+          <p:cNvPr id="56" name="Date Placeholder 3">
+            <a:extLst>
+              <a:ext uri="{FF2B5EF4-FFF2-40B4-BE49-F238E27FC236}">
+                <a16:creationId xmlns:a16="http://schemas.microsoft.com/office/drawing/2014/main" id="{D2FCF0D7-62B6-EE0D-344F-13D05EAF619E}"/>
+              </a:ext>
+            </a:extLst>
+          </p:cNvPr>
+          <p:cNvSpPr>
+            <a:spLocks noGrp="1"/>
+          </p:cNvSpPr>
+          <p:nvPr>
+            <p:ph type="dt" sz="half" idx="10"/>
+          </p:nvPr>
+        </p:nvSpPr>
+        <p:spPr>
+          <a:xfrm>
+            <a:off x="838200" y="6356350"/>
+            <a:ext cx="2743200" cy="365125"/>
           </a:xfrm>
         </p:spPr>
         <p:txBody>
           <a:bodyPr/>
           <a:lstStyle/>
           <a:p>
-            <a:r>
-              <a:rPr lang="en-US" dirty="0"/>
-              <a:t>AGENDA</a:t>
+            <a:pPr>
+              <a:spcAft>
+                <a:spcPts val="600"/>
+              </a:spcAft>
+            </a:pPr>
+            <a:r>
+              <a:rPr lang="en-US"/>
+              <a:t>20XX</a:t>
             </a:r>
           </a:p>
         </p:txBody>
       </p:sp>
       <p:sp>
         <p:nvSpPr>
-          <p:cNvPr id="3" name="Content Placeholder 2">
-            <a:extLst>
-              <a:ext uri="{FF2B5EF4-FFF2-40B4-BE49-F238E27FC236}">
-                <a16:creationId xmlns:a16="http://schemas.microsoft.com/office/drawing/2014/main" id="{5671D7E5-EF66-4BCD-8DAA-E9061157F0BE}"/>
+          <p:cNvPr id="57" name="Footer Placeholder 4">
+            <a:extLst>
+              <a:ext uri="{FF2B5EF4-FFF2-40B4-BE49-F238E27FC236}">
+                <a16:creationId xmlns:a16="http://schemas.microsoft.com/office/drawing/2014/main" id="{08579A4C-85E1-FAF6-8F7B-870B33ECFAB7}"/>
               </a:ext>
             </a:extLst>
           </p:cNvPr>
@@ -9709,44 +13664,106 @@
             <a:spLocks noGrp="1"/>
           </p:cNvSpPr>
           <p:nvPr>
-            <p:ph idx="1"/>
+            <p:ph type="ftr" sz="quarter" idx="11"/>
           </p:nvPr>
         </p:nvSpPr>
         <p:spPr>
           <a:xfrm>
-            <a:off x="1333500" y="2924175"/>
-            <a:ext cx="2895600" cy="2519363"/>
+            <a:off x="4038600" y="6356350"/>
+            <a:ext cx="4114800" cy="365125"/>
           </a:xfrm>
         </p:spPr>
         <p:txBody>
           <a:bodyPr/>
           <a:lstStyle/>
           <a:p>
-            <a:r>
-              <a:rPr lang="en-US" dirty="0"/>
-              <a:t>Introduction</a:t>
-            </a:r>
-          </a:p>
-          <a:p>
-            <a:r>
-              <a:rPr lang="en-US" dirty="0"/>
-              <a:t>Primary Goals</a:t>
-            </a:r>
-          </a:p>
-          <a:p>
-            <a:r>
-              <a:rPr lang="en-US" dirty="0"/>
-              <a:t>Timeline of Production</a:t>
-            </a:r>
-          </a:p>
-          <a:p>
-            <a:r>
-              <a:rPr lang="en-US" dirty="0"/>
-              <a:t>Summary</a:t>
+            <a:pPr>
+              <a:spcAft>
+                <a:spcPts val="600"/>
+              </a:spcAft>
+            </a:pPr>
+            <a:r>
+              <a:rPr lang="en-US"/>
+              <a:t>PRESENTATION TITLE</a:t>
             </a:r>
           </a:p>
         </p:txBody>
       </p:sp>
+      <p:sp>
+        <p:nvSpPr>
+          <p:cNvPr id="58" name="Slide Number Placeholder 5">
+            <a:extLst>
+              <a:ext uri="{FF2B5EF4-FFF2-40B4-BE49-F238E27FC236}">
+                <a16:creationId xmlns:a16="http://schemas.microsoft.com/office/drawing/2014/main" id="{CA2318A8-DEBB-F331-5006-9D51E6BDD32B}"/>
+              </a:ext>
+            </a:extLst>
+          </p:cNvPr>
+          <p:cNvSpPr>
+            <a:spLocks noGrp="1"/>
+          </p:cNvSpPr>
+          <p:nvPr>
+            <p:ph type="sldNum" sz="quarter" idx="12"/>
+          </p:nvPr>
+        </p:nvSpPr>
+        <p:spPr>
+          <a:xfrm>
+            <a:off x="8610600" y="6356350"/>
+            <a:ext cx="2743200" cy="365125"/>
+          </a:xfrm>
+        </p:spPr>
+        <p:txBody>
+          <a:bodyPr/>
+          <a:lstStyle/>
+          <a:p>
+            <a:pPr>
+              <a:spcAft>
+                <a:spcPts val="600"/>
+              </a:spcAft>
+            </a:pPr>
+            <a:fld id="{A49DFD55-3C28-40EF-9E31-A92D2E4017FF}" type="slidenum">
+              <a:rPr lang="en-US" smtClean="0"/>
+              <a:pPr>
+                <a:spcAft>
+                  <a:spcPts val="600"/>
+                </a:spcAft>
+              </a:pPr>
+              <a:t>2</a:t>
+            </a:fld>
+            <a:endParaRPr lang="en-US"/>
+          </a:p>
+        </p:txBody>
+      </p:sp>
+      <p:graphicFrame>
+        <p:nvGraphicFramePr>
+          <p:cNvPr id="59" name="Content Placeholder 2">
+            <a:extLst>
+              <a:ext uri="{FF2B5EF4-FFF2-40B4-BE49-F238E27FC236}">
+                <a16:creationId xmlns:a16="http://schemas.microsoft.com/office/drawing/2014/main" id="{40B6EC56-4BEE-DEEC-B586-46C8A1CD4572}"/>
+              </a:ext>
+            </a:extLst>
+          </p:cNvPr>
+          <p:cNvGraphicFramePr>
+            <a:graphicFrameLocks noGrp="1"/>
+          </p:cNvGraphicFramePr>
+          <p:nvPr>
+            <p:ph type="dgm" sz="quarter" idx="15"/>
+            <p:extLst>
+              <p:ext uri="{D42A27DB-BD31-4B8C-83A1-F6EECF244321}">
+                <p14:modId xmlns:p14="http://schemas.microsoft.com/office/powerpoint/2010/main" val="4263555323"/>
+              </p:ext>
+            </p:extLst>
+          </p:nvPr>
+        </p:nvGraphicFramePr>
+        <p:xfrm>
+          <a:off x="838200" y="2111375"/>
+          <a:ext cx="10515600" cy="3744913"/>
+        </p:xfrm>
+        <a:graphic>
+          <a:graphicData uri="http://schemas.openxmlformats.org/drawingml/2006/diagram">
+            <dgm:relIds xmlns:dgm="http://schemas.openxmlformats.org/drawingml/2006/diagram" xmlns:r="http://schemas.openxmlformats.org/officeDocument/2006/relationships" r:dm="rId2" r:lo="rId3" r:qs="rId4" r:cs="rId5"/>
+          </a:graphicData>
+        </a:graphic>
+      </p:graphicFrame>
     </p:spTree>
     <p:extLst>
       <p:ext uri="{BB962C8B-B14F-4D97-AF65-F5344CB8AC3E}">
@@ -9757,6 +13774,18 @@
   <p:clrMapOvr>
     <a:masterClrMapping/>
   </p:clrMapOvr>
+  <mc:AlternateContent xmlns:mc="http://schemas.openxmlformats.org/markup-compatibility/2006" xmlns:p159="http://schemas.microsoft.com/office/powerpoint/2015/09/main">
+    <mc:Choice Requires="p159">
+      <p:transition xmlns:p14="http://schemas.microsoft.com/office/powerpoint/2010/main" spd="slow" p14:dur="2000">
+        <p159:morph option="byObject"/>
+      </p:transition>
+    </mc:Choice>
+    <mc:Fallback xmlns="">
+      <p:transition spd="slow">
+        <p:fade/>
+      </p:transition>
+    </mc:Fallback>
+  </mc:AlternateContent>
 </p:sld>
 </file>
 
@@ -9795,18 +13824,431 @@
         </p:nvSpPr>
         <p:spPr>
           <a:xfrm>
-            <a:off x="831850" y="2826544"/>
-            <a:ext cx="5111750" cy="1204912"/>
+            <a:off x="5476875" y="769937"/>
+            <a:ext cx="5111750" cy="581026"/>
+          </a:xfrm>
+        </p:spPr>
+        <p:txBody>
+          <a:bodyPr vert="horz" lIns="91440" tIns="45720" rIns="91440" bIns="45720" rtlCol="0" anchor="b">
+            <a:normAutofit/>
+          </a:bodyPr>
+          <a:lstStyle/>
+          <a:p>
+            <a:r>
+              <a:rPr lang="en-US" kern="1200" cap="all" spc="150" baseline="0" dirty="0">
+                <a:latin typeface="+mj-lt"/>
+                <a:ea typeface="+mj-ea"/>
+                <a:cs typeface="+mj-cs"/>
+              </a:rPr>
+              <a:t>INTRODUCTION</a:t>
+            </a:r>
+          </a:p>
+        </p:txBody>
+      </p:sp>
+      <p:sp>
+        <p:nvSpPr>
+          <p:cNvPr id="3" name="TextBox 2">
+            <a:extLst>
+              <a:ext uri="{FF2B5EF4-FFF2-40B4-BE49-F238E27FC236}">
+                <a16:creationId xmlns:a16="http://schemas.microsoft.com/office/drawing/2014/main" id="{A124636D-C047-CF8D-244B-681919300013}"/>
+              </a:ext>
+            </a:extLst>
+          </p:cNvPr>
+          <p:cNvSpPr txBox="1"/>
+          <p:nvPr/>
+        </p:nvSpPr>
+        <p:spPr>
+          <a:xfrm>
+            <a:off x="5476875" y="1903412"/>
+            <a:ext cx="5111750" cy="1525588"/>
+          </a:xfrm>
+          <a:prstGeom prst="rect">
+            <a:avLst/>
+          </a:prstGeom>
+        </p:spPr>
+        <p:txBody>
+          <a:bodyPr vert="horz" lIns="91440" tIns="45720" rIns="91440" bIns="45720" rtlCol="0">
+            <a:normAutofit fontScale="25000" lnSpcReduction="20000"/>
+          </a:bodyPr>
+          <a:lstStyle/>
+          <a:p>
+            <a:pPr>
+              <a:lnSpc>
+                <a:spcPct val="90000"/>
+              </a:lnSpc>
+              <a:spcBef>
+                <a:spcPts val="1000"/>
+              </a:spcBef>
+            </a:pPr>
+            <a:r>
+              <a:rPr lang="en-US" sz="8000" kern="1200" spc="50" baseline="0" dirty="0">
+                <a:latin typeface="+mn-lt"/>
+                <a:ea typeface="+mn-ea"/>
+                <a:cs typeface="+mn-cs"/>
+              </a:rPr>
+              <a:t>Experience:</a:t>
+            </a:r>
+          </a:p>
+          <a:p>
+            <a:pPr>
+              <a:lnSpc>
+                <a:spcPct val="90000"/>
+              </a:lnSpc>
+              <a:spcBef>
+                <a:spcPts val="1000"/>
+              </a:spcBef>
+            </a:pPr>
+            <a:r>
+              <a:rPr lang="en-US" sz="8000" kern="1200" spc="50" baseline="0" dirty="0">
+                <a:latin typeface="+mn-lt"/>
+                <a:ea typeface="+mn-ea"/>
+                <a:cs typeface="+mn-cs"/>
+              </a:rPr>
+              <a:t>Infantryman </a:t>
+            </a:r>
+          </a:p>
+          <a:p>
+            <a:pPr>
+              <a:lnSpc>
+                <a:spcPct val="90000"/>
+              </a:lnSpc>
+              <a:spcBef>
+                <a:spcPts val="1000"/>
+              </a:spcBef>
+            </a:pPr>
+            <a:r>
+              <a:rPr lang="en-US" sz="8000" kern="1200" spc="50" baseline="0" dirty="0">
+                <a:latin typeface="+mn-lt"/>
+                <a:ea typeface="+mn-ea"/>
+                <a:cs typeface="+mn-cs"/>
+              </a:rPr>
+              <a:t>Renewable Energy</a:t>
+            </a:r>
+          </a:p>
+          <a:p>
+            <a:pPr>
+              <a:lnSpc>
+                <a:spcPct val="90000"/>
+              </a:lnSpc>
+              <a:spcBef>
+                <a:spcPts val="1000"/>
+              </a:spcBef>
+            </a:pPr>
+            <a:r>
+              <a:rPr lang="en-US" sz="8000" spc="50" dirty="0"/>
+              <a:t>SECRET Clearance</a:t>
+            </a:r>
+            <a:endParaRPr lang="en-US" sz="8000" kern="1200" spc="50" baseline="0" dirty="0">
+              <a:latin typeface="+mn-lt"/>
+              <a:ea typeface="+mn-ea"/>
+              <a:cs typeface="+mn-cs"/>
+            </a:endParaRPr>
+          </a:p>
+          <a:p>
+            <a:pPr>
+              <a:lnSpc>
+                <a:spcPct val="90000"/>
+              </a:lnSpc>
+              <a:spcBef>
+                <a:spcPts val="1000"/>
+              </a:spcBef>
+            </a:pPr>
+            <a:endParaRPr lang="en-US" sz="8000" kern="1200" spc="50" baseline="0" dirty="0">
+              <a:latin typeface="+mn-lt"/>
+              <a:ea typeface="+mn-ea"/>
+              <a:cs typeface="+mn-cs"/>
+            </a:endParaRPr>
+          </a:p>
+          <a:p>
+            <a:pPr>
+              <a:lnSpc>
+                <a:spcPct val="90000"/>
+              </a:lnSpc>
+              <a:spcBef>
+                <a:spcPts val="1000"/>
+              </a:spcBef>
+            </a:pPr>
+            <a:r>
+              <a:rPr lang="en-US" sz="8000" kern="1200" spc="50" baseline="0" dirty="0">
+                <a:latin typeface="+mn-lt"/>
+                <a:ea typeface="+mn-ea"/>
+                <a:cs typeface="+mn-cs"/>
+              </a:rPr>
+              <a:t>Interests:</a:t>
+            </a:r>
+          </a:p>
+          <a:p>
+            <a:pPr>
+              <a:lnSpc>
+                <a:spcPct val="90000"/>
+              </a:lnSpc>
+              <a:spcBef>
+                <a:spcPts val="1000"/>
+              </a:spcBef>
+            </a:pPr>
+            <a:r>
+              <a:rPr lang="en-US" sz="8000" kern="1200" spc="50" baseline="0" dirty="0">
+                <a:latin typeface="+mn-lt"/>
+                <a:ea typeface="+mn-ea"/>
+                <a:cs typeface="+mn-cs"/>
+              </a:rPr>
+              <a:t>Cars (European)</a:t>
+            </a:r>
+          </a:p>
+          <a:p>
+            <a:pPr>
+              <a:lnSpc>
+                <a:spcPct val="90000"/>
+              </a:lnSpc>
+              <a:spcBef>
+                <a:spcPts val="1000"/>
+              </a:spcBef>
+            </a:pPr>
+            <a:r>
+              <a:rPr lang="en-US" sz="8000" kern="1200" spc="50" baseline="0" dirty="0">
+                <a:latin typeface="+mn-lt"/>
+                <a:ea typeface="+mn-ea"/>
+                <a:cs typeface="+mn-cs"/>
+              </a:rPr>
+              <a:t>Motorcycles</a:t>
+            </a:r>
+          </a:p>
+          <a:p>
+            <a:pPr>
+              <a:lnSpc>
+                <a:spcPct val="90000"/>
+              </a:lnSpc>
+              <a:spcBef>
+                <a:spcPts val="1000"/>
+              </a:spcBef>
+            </a:pPr>
+            <a:endParaRPr lang="en-US" sz="8000" kern="1200" spc="50" baseline="0" dirty="0">
+              <a:latin typeface="+mn-lt"/>
+              <a:ea typeface="+mn-ea"/>
+              <a:cs typeface="+mn-cs"/>
+            </a:endParaRPr>
+          </a:p>
+          <a:p>
+            <a:pPr>
+              <a:lnSpc>
+                <a:spcPct val="90000"/>
+              </a:lnSpc>
+              <a:spcBef>
+                <a:spcPts val="1000"/>
+              </a:spcBef>
+            </a:pPr>
+            <a:r>
+              <a:rPr lang="en-US" sz="8000" kern="1200" spc="50" baseline="0" dirty="0">
+                <a:latin typeface="+mn-lt"/>
+                <a:ea typeface="+mn-ea"/>
+                <a:cs typeface="+mn-cs"/>
+              </a:rPr>
+              <a:t>Future:</a:t>
+            </a:r>
+          </a:p>
+          <a:p>
+            <a:pPr>
+              <a:lnSpc>
+                <a:spcPct val="90000"/>
+              </a:lnSpc>
+              <a:spcBef>
+                <a:spcPts val="1000"/>
+              </a:spcBef>
+            </a:pPr>
+            <a:r>
+              <a:rPr lang="en-US" sz="8000" kern="1200" spc="50" baseline="0" dirty="0">
+                <a:latin typeface="+mn-lt"/>
+                <a:ea typeface="+mn-ea"/>
+                <a:cs typeface="+mn-cs"/>
+              </a:rPr>
+              <a:t>Business Intelligence Analyst</a:t>
+            </a:r>
+          </a:p>
+          <a:p>
+            <a:pPr>
+              <a:lnSpc>
+                <a:spcPct val="90000"/>
+              </a:lnSpc>
+              <a:spcBef>
+                <a:spcPts val="1000"/>
+              </a:spcBef>
+            </a:pPr>
+            <a:r>
+              <a:rPr lang="en-US" sz="8000" kern="1200" spc="50" baseline="0" dirty="0">
+                <a:latin typeface="+mn-lt"/>
+                <a:ea typeface="+mn-ea"/>
+                <a:cs typeface="+mn-cs"/>
+              </a:rPr>
+              <a:t>Business Intelligence Consultant</a:t>
+            </a:r>
+          </a:p>
+          <a:p>
+            <a:pPr>
+              <a:lnSpc>
+                <a:spcPct val="90000"/>
+              </a:lnSpc>
+              <a:spcBef>
+                <a:spcPts val="1000"/>
+              </a:spcBef>
+            </a:pPr>
+            <a:endParaRPr lang="en-US" sz="400" kern="1200" spc="50" baseline="0" dirty="0">
+              <a:latin typeface="+mn-lt"/>
+              <a:ea typeface="+mn-ea"/>
+              <a:cs typeface="+mn-cs"/>
+            </a:endParaRPr>
+          </a:p>
+          <a:p>
+            <a:pPr>
+              <a:lnSpc>
+                <a:spcPct val="90000"/>
+              </a:lnSpc>
+              <a:spcBef>
+                <a:spcPts val="1000"/>
+              </a:spcBef>
+            </a:pPr>
+            <a:endParaRPr lang="en-US" sz="400" kern="1200" spc="50" baseline="0" dirty="0">
+              <a:latin typeface="+mn-lt"/>
+              <a:ea typeface="+mn-ea"/>
+              <a:cs typeface="+mn-cs"/>
+            </a:endParaRPr>
+          </a:p>
+          <a:p>
+            <a:pPr>
+              <a:lnSpc>
+                <a:spcPct val="90000"/>
+              </a:lnSpc>
+              <a:spcBef>
+                <a:spcPts val="1000"/>
+              </a:spcBef>
+            </a:pPr>
+            <a:r>
+              <a:rPr lang="en-US" sz="400" kern="1200" spc="50" baseline="0" dirty="0">
+                <a:latin typeface="+mn-lt"/>
+                <a:ea typeface="+mn-ea"/>
+                <a:cs typeface="+mn-cs"/>
+              </a:rPr>
+              <a:t> </a:t>
+            </a:r>
+          </a:p>
+        </p:txBody>
+      </p:sp>
+      <p:sp>
+        <p:nvSpPr>
+          <p:cNvPr id="15" name="Date Placeholder 3">
+            <a:extLst>
+              <a:ext uri="{FF2B5EF4-FFF2-40B4-BE49-F238E27FC236}">
+                <a16:creationId xmlns:a16="http://schemas.microsoft.com/office/drawing/2014/main" id="{BB780400-020C-D918-9F51-324DF3C9E454}"/>
+              </a:ext>
+            </a:extLst>
+          </p:cNvPr>
+          <p:cNvSpPr>
+            <a:spLocks noGrp="1"/>
+          </p:cNvSpPr>
+          <p:nvPr>
+            <p:ph type="dt" sz="half" idx="10"/>
+          </p:nvPr>
+        </p:nvSpPr>
+        <p:spPr>
+          <a:xfrm>
+            <a:off x="838200" y="6356350"/>
+            <a:ext cx="2743200" cy="365125"/>
           </a:xfrm>
         </p:spPr>
         <p:txBody>
           <a:bodyPr/>
           <a:lstStyle/>
           <a:p>
-            <a:r>
-              <a:rPr lang="en-US" dirty="0"/>
-              <a:t>INTRODUCTION</a:t>
-            </a:r>
+            <a:pPr>
+              <a:spcAft>
+                <a:spcPts val="600"/>
+              </a:spcAft>
+            </a:pPr>
+            <a:r>
+              <a:rPr lang="en-US"/>
+              <a:t>20XX</a:t>
+            </a:r>
+          </a:p>
+        </p:txBody>
+      </p:sp>
+      <p:sp>
+        <p:nvSpPr>
+          <p:cNvPr id="17" name="Footer Placeholder 4">
+            <a:extLst>
+              <a:ext uri="{FF2B5EF4-FFF2-40B4-BE49-F238E27FC236}">
+                <a16:creationId xmlns:a16="http://schemas.microsoft.com/office/drawing/2014/main" id="{FCD814E3-A2C9-A0AD-8A68-A313B5366C80}"/>
+              </a:ext>
+            </a:extLst>
+          </p:cNvPr>
+          <p:cNvSpPr>
+            <a:spLocks noGrp="1"/>
+          </p:cNvSpPr>
+          <p:nvPr>
+            <p:ph type="ftr" sz="quarter" idx="11"/>
+          </p:nvPr>
+        </p:nvSpPr>
+        <p:spPr>
+          <a:xfrm>
+            <a:off x="4038600" y="6356350"/>
+            <a:ext cx="4114800" cy="365125"/>
+          </a:xfrm>
+        </p:spPr>
+        <p:txBody>
+          <a:bodyPr/>
+          <a:lstStyle/>
+          <a:p>
+            <a:pPr>
+              <a:spcAft>
+                <a:spcPts val="600"/>
+              </a:spcAft>
+            </a:pPr>
+            <a:r>
+              <a:rPr lang="en-US"/>
+              <a:t>PRESENTATION TITLE</a:t>
+            </a:r>
+          </a:p>
+        </p:txBody>
+      </p:sp>
+      <p:sp>
+        <p:nvSpPr>
+          <p:cNvPr id="19" name="Slide Number Placeholder 5">
+            <a:extLst>
+              <a:ext uri="{FF2B5EF4-FFF2-40B4-BE49-F238E27FC236}">
+                <a16:creationId xmlns:a16="http://schemas.microsoft.com/office/drawing/2014/main" id="{20A5F4F5-C32D-FC72-92E3-09EF715C9DC8}"/>
+              </a:ext>
+            </a:extLst>
+          </p:cNvPr>
+          <p:cNvSpPr>
+            <a:spLocks noGrp="1"/>
+          </p:cNvSpPr>
+          <p:nvPr>
+            <p:ph type="sldNum" sz="quarter" idx="12"/>
+          </p:nvPr>
+        </p:nvSpPr>
+        <p:spPr>
+          <a:xfrm>
+            <a:off x="8610600" y="6356350"/>
+            <a:ext cx="2743200" cy="365125"/>
+          </a:xfrm>
+        </p:spPr>
+        <p:txBody>
+          <a:bodyPr/>
+          <a:lstStyle/>
+          <a:p>
+            <a:pPr>
+              <a:spcAft>
+                <a:spcPts val="600"/>
+              </a:spcAft>
+            </a:pPr>
+            <a:fld id="{A49DFD55-3C28-40EF-9E31-A92D2E4017FF}" type="slidenum">
+              <a:rPr lang="en-US" smtClean="0"/>
+              <a:pPr>
+                <a:spcAft>
+                  <a:spcPts val="600"/>
+                </a:spcAft>
+              </a:pPr>
+              <a:t>3</a:t>
+            </a:fld>
+            <a:endParaRPr lang="en-US"/>
           </a:p>
         </p:txBody>
       </p:sp>
@@ -9820,6 +14262,18 @@
   <p:clrMapOvr>
     <a:masterClrMapping/>
   </p:clrMapOvr>
+  <mc:AlternateContent xmlns:mc="http://schemas.openxmlformats.org/markup-compatibility/2006" xmlns:p159="http://schemas.microsoft.com/office/powerpoint/2015/09/main">
+    <mc:Choice Requires="p159">
+      <p:transition xmlns:p14="http://schemas.microsoft.com/office/powerpoint/2010/main" spd="slow" p14:dur="2000">
+        <p159:morph option="byObject"/>
+      </p:transition>
+    </mc:Choice>
+    <mc:Fallback xmlns="">
+      <p:transition spd="slow">
+        <p:fade/>
+      </p:transition>
+    </mc:Fallback>
+  </mc:AlternateContent>
 </p:sld>
 </file>
 
@@ -9853,17 +14307,19 @@
             <a:spLocks noGrp="1"/>
           </p:cNvSpPr>
           <p:nvPr>
-            <p:ph type="ctrTitle"/>
+            <p:ph type="title"/>
           </p:nvPr>
         </p:nvSpPr>
         <p:spPr>
           <a:xfrm>
-            <a:off x="6991350" y="728413"/>
-            <a:ext cx="4179570" cy="1715531"/>
+            <a:off x="838200" y="1876664"/>
+            <a:ext cx="5111750" cy="479580"/>
           </a:xfrm>
         </p:spPr>
         <p:txBody>
-          <a:bodyPr/>
+          <a:bodyPr anchor="b">
+            <a:normAutofit/>
+          </a:bodyPr>
           <a:lstStyle/>
           <a:p>
             <a:r>
@@ -9886,13 +14342,13 @@
             <a:spLocks noGrp="1"/>
           </p:cNvSpPr>
           <p:nvPr>
-            <p:ph type="subTitle" idx="1"/>
+            <p:ph type="body" idx="1"/>
           </p:nvPr>
         </p:nvSpPr>
         <p:spPr>
           <a:xfrm>
-            <a:off x="6991350" y="2763540"/>
-            <a:ext cx="4179570" cy="2394409"/>
+            <a:off x="914400" y="2672179"/>
+            <a:ext cx="5559425" cy="2514183"/>
           </a:xfrm>
         </p:spPr>
         <p:txBody>
@@ -9906,8 +14362,8 @@
               <a:buChar char="•"/>
             </a:pPr>
             <a:r>
-              <a:rPr lang="en-US" dirty="0"/>
-              <a:t>Allow staff to update database with new or existing clients</a:t>
+              <a:rPr lang="en-US" sz="2000" dirty="0"/>
+              <a:t>Create app with options for security login, create client information, and delete information in database</a:t>
             </a:r>
           </a:p>
           <a:p>
@@ -9916,8 +14372,18 @@
               <a:buChar char="•"/>
             </a:pPr>
             <a:r>
-              <a:rPr lang="en-US" dirty="0"/>
-              <a:t>Let clients access their accounts to view personal information</a:t>
+              <a:rPr lang="en-US" sz="2000" dirty="0"/>
+              <a:t>Create forms to add client information </a:t>
+            </a:r>
+          </a:p>
+          <a:p>
+            <a:pPr marL="285750" indent="-285750">
+              <a:buFont typeface="Arial" panose="020B0604020202020204" pitchFamily="34" charset="0"/>
+              <a:buChar char="•"/>
+            </a:pPr>
+            <a:r>
+              <a:rPr lang="en-US" sz="2000" dirty="0"/>
+              <a:t>Automate flows to add/delete information from forms to database</a:t>
             </a:r>
           </a:p>
           <a:p>
@@ -9925,7 +14391,127 @@
               <a:buFontTx/>
               <a:buChar char="-"/>
             </a:pPr>
-            <a:endParaRPr lang="en-US" dirty="0"/>
+            <a:endParaRPr lang="en-US" sz="800" dirty="0"/>
+          </a:p>
+        </p:txBody>
+      </p:sp>
+      <p:sp>
+        <p:nvSpPr>
+          <p:cNvPr id="8" name="Date Placeholder 3">
+            <a:extLst>
+              <a:ext uri="{FF2B5EF4-FFF2-40B4-BE49-F238E27FC236}">
+                <a16:creationId xmlns:a16="http://schemas.microsoft.com/office/drawing/2014/main" id="{814B414B-9117-E407-604A-808224338BF5}"/>
+              </a:ext>
+            </a:extLst>
+          </p:cNvPr>
+          <p:cNvSpPr>
+            <a:spLocks noGrp="1"/>
+          </p:cNvSpPr>
+          <p:nvPr>
+            <p:ph type="dt" sz="half" idx="10"/>
+          </p:nvPr>
+        </p:nvSpPr>
+        <p:spPr>
+          <a:xfrm>
+            <a:off x="838200" y="6356350"/>
+            <a:ext cx="1219200" cy="365125"/>
+          </a:xfrm>
+        </p:spPr>
+        <p:txBody>
+          <a:bodyPr/>
+          <a:lstStyle/>
+          <a:p>
+            <a:pPr>
+              <a:spcAft>
+                <a:spcPts val="600"/>
+              </a:spcAft>
+            </a:pPr>
+            <a:r>
+              <a:rPr lang="en-US"/>
+              <a:t>20XX</a:t>
+            </a:r>
+          </a:p>
+        </p:txBody>
+      </p:sp>
+      <p:sp>
+        <p:nvSpPr>
+          <p:cNvPr id="10" name="Footer Placeholder 4">
+            <a:extLst>
+              <a:ext uri="{FF2B5EF4-FFF2-40B4-BE49-F238E27FC236}">
+                <a16:creationId xmlns:a16="http://schemas.microsoft.com/office/drawing/2014/main" id="{7390922E-A1D8-6546-BD17-2D7C73A3A8BB}"/>
+              </a:ext>
+            </a:extLst>
+          </p:cNvPr>
+          <p:cNvSpPr>
+            <a:spLocks noGrp="1"/>
+          </p:cNvSpPr>
+          <p:nvPr>
+            <p:ph type="ftr" sz="quarter" idx="11"/>
+          </p:nvPr>
+        </p:nvSpPr>
+        <p:spPr>
+          <a:xfrm>
+            <a:off x="2463800" y="6356350"/>
+            <a:ext cx="3479800" cy="365125"/>
+          </a:xfrm>
+        </p:spPr>
+        <p:txBody>
+          <a:bodyPr/>
+          <a:lstStyle/>
+          <a:p>
+            <a:pPr>
+              <a:spcAft>
+                <a:spcPts val="600"/>
+              </a:spcAft>
+            </a:pPr>
+            <a:r>
+              <a:rPr lang="en-US"/>
+              <a:t>PRESENTATION TITLE</a:t>
+            </a:r>
+          </a:p>
+        </p:txBody>
+      </p:sp>
+      <p:sp>
+        <p:nvSpPr>
+          <p:cNvPr id="12" name="Slide Number Placeholder 5">
+            <a:extLst>
+              <a:ext uri="{FF2B5EF4-FFF2-40B4-BE49-F238E27FC236}">
+                <a16:creationId xmlns:a16="http://schemas.microsoft.com/office/drawing/2014/main" id="{3FEC4A65-93B9-F029-D05A-7C281A62C39C}"/>
+              </a:ext>
+            </a:extLst>
+          </p:cNvPr>
+          <p:cNvSpPr>
+            <a:spLocks noGrp="1"/>
+          </p:cNvSpPr>
+          <p:nvPr>
+            <p:ph type="sldNum" sz="quarter" idx="12"/>
+          </p:nvPr>
+        </p:nvSpPr>
+        <p:spPr>
+          <a:xfrm>
+            <a:off x="8610600" y="6356350"/>
+            <a:ext cx="2743200" cy="365125"/>
+          </a:xfrm>
+        </p:spPr>
+        <p:txBody>
+          <a:bodyPr/>
+          <a:lstStyle/>
+          <a:p>
+            <a:pPr>
+              <a:spcAft>
+                <a:spcPts val="600"/>
+              </a:spcAft>
+            </a:pPr>
+            <a:fld id="{A49DFD55-3C28-40EF-9E31-A92D2E4017FF}" type="slidenum">
+              <a:rPr lang="en-US" smtClean="0"/>
+              <a:pPr>
+                <a:spcAft>
+                  <a:spcPts val="600"/>
+                </a:spcAft>
+              </a:pPr>
+              <a:t>4</a:t>
+            </a:fld>
+            <a:endParaRPr lang="en-US"/>
           </a:p>
         </p:txBody>
       </p:sp>
@@ -9939,6 +14525,18 @@
   <p:clrMapOvr>
     <a:masterClrMapping/>
   </p:clrMapOvr>
+  <mc:AlternateContent xmlns:mc="http://schemas.openxmlformats.org/markup-compatibility/2006" xmlns:p159="http://schemas.microsoft.com/office/powerpoint/2015/09/main">
+    <mc:Choice Requires="p159">
+      <p:transition xmlns:p14="http://schemas.microsoft.com/office/powerpoint/2010/main" spd="slow" p14:dur="2000">
+        <p159:morph option="byObject"/>
+      </p:transition>
+    </mc:Choice>
+    <mc:Fallback xmlns="">
+      <p:transition spd="slow">
+        <p:fade/>
+      </p:transition>
+    </mc:Fallback>
+  </mc:AlternateContent>
 </p:sld>
 </file>
 
@@ -10258,6 +14856,9 @@
   <p:clrMapOvr>
     <a:masterClrMapping/>
   </p:clrMapOvr>
+  <p:transition spd="slow">
+    <p:wipe/>
+  </p:transition>
 </p:sld>
 </file>
 
@@ -10391,6 +14992,18 @@
   <p:clrMapOvr>
     <a:masterClrMapping/>
   </p:clrMapOvr>
+  <mc:AlternateContent xmlns:mc="http://schemas.openxmlformats.org/markup-compatibility/2006" xmlns:p159="http://schemas.microsoft.com/office/powerpoint/2015/09/main">
+    <mc:Choice Requires="p159">
+      <p:transition xmlns:p14="http://schemas.microsoft.com/office/powerpoint/2010/main" spd="slow" p14:dur="2000">
+        <p159:morph option="byObject"/>
+      </p:transition>
+    </mc:Choice>
+    <mc:Fallback xmlns="">
+      <p:transition spd="slow">
+        <p:fade/>
+      </p:transition>
+    </mc:Fallback>
+  </mc:AlternateContent>
 </p:sld>
 </file>
 
@@ -10429,8 +15042,8 @@
         </p:nvSpPr>
         <p:spPr>
           <a:xfrm>
-            <a:off x="4006215" y="781234"/>
-            <a:ext cx="4179570" cy="1493668"/>
+            <a:off x="4218909" y="0"/>
+            <a:ext cx="3063369" cy="605900"/>
           </a:xfrm>
         </p:spPr>
         <p:txBody>
@@ -10447,10 +15060,10 @@
       </p:sp>
       <p:pic>
         <p:nvPicPr>
-          <p:cNvPr id="12" name="Picture 11" descr="Qr code&#10;&#10;Description automatically generated">
-            <a:extLst>
-              <a:ext uri="{FF2B5EF4-FFF2-40B4-BE49-F238E27FC236}">
-                <a16:creationId xmlns:a16="http://schemas.microsoft.com/office/drawing/2014/main" id="{D0A05AD6-BA21-3EEE-76CF-C3B054A14F19}"/>
+          <p:cNvPr id="4" name="Picture 3" descr="Qr code&#10;&#10;Description automatically generated">
+            <a:extLst>
+              <a:ext uri="{FF2B5EF4-FFF2-40B4-BE49-F238E27FC236}">
+                <a16:creationId xmlns:a16="http://schemas.microsoft.com/office/drawing/2014/main" id="{31FB3BC6-5B9D-0DA3-8F8E-27464119D8E1}"/>
               </a:ext>
             </a:extLst>
           </p:cNvPr>
@@ -10467,14 +15080,129 @@
         </p:blipFill>
         <p:spPr>
           <a:xfrm>
-            <a:off x="4909722" y="3029506"/>
-            <a:ext cx="2372556" cy="2372556"/>
+            <a:off x="8507202" y="1876082"/>
+            <a:ext cx="2395861" cy="3105835"/>
           </a:xfrm>
           <a:prstGeom prst="rect">
             <a:avLst/>
           </a:prstGeom>
         </p:spPr>
       </p:pic>
+      <p:sp>
+        <p:nvSpPr>
+          <p:cNvPr id="5" name="TextBox 4">
+            <a:extLst>
+              <a:ext uri="{FF2B5EF4-FFF2-40B4-BE49-F238E27FC236}">
+                <a16:creationId xmlns:a16="http://schemas.microsoft.com/office/drawing/2014/main" id="{185E379E-EBCD-79EB-6E22-E97A9FF4A8D4}"/>
+              </a:ext>
+            </a:extLst>
+          </p:cNvPr>
+          <p:cNvSpPr txBox="1"/>
+          <p:nvPr/>
+        </p:nvSpPr>
+        <p:spPr>
+          <a:xfrm>
+            <a:off x="9138802" y="1647676"/>
+            <a:ext cx="1132662" cy="646331"/>
+          </a:xfrm>
+          <a:prstGeom prst="rect">
+            <a:avLst/>
+          </a:prstGeom>
+          <a:noFill/>
+        </p:spPr>
+        <p:txBody>
+          <a:bodyPr wrap="square" rtlCol="0">
+            <a:spAutoFit/>
+          </a:bodyPr>
+          <a:lstStyle/>
+          <a:p>
+            <a:r>
+              <a:rPr lang="en-US" dirty="0">
+                <a:solidFill>
+                  <a:schemeClr val="bg1"/>
+                </a:solidFill>
+              </a:rPr>
+              <a:t>LinkedIn:</a:t>
+            </a:r>
+          </a:p>
+          <a:p>
+            <a:endParaRPr lang="en-US" dirty="0">
+              <a:solidFill>
+                <a:schemeClr val="bg1"/>
+              </a:solidFill>
+            </a:endParaRPr>
+          </a:p>
+        </p:txBody>
+      </p:sp>
+      <p:pic>
+        <p:nvPicPr>
+          <p:cNvPr id="7" name="Picture 6" descr="Qr code&#10;&#10;Description automatically generated">
+            <a:extLst>
+              <a:ext uri="{FF2B5EF4-FFF2-40B4-BE49-F238E27FC236}">
+                <a16:creationId xmlns:a16="http://schemas.microsoft.com/office/drawing/2014/main" id="{BF16CC6C-9701-B69B-FA1C-93A06FC38D94}"/>
+              </a:ext>
+            </a:extLst>
+          </p:cNvPr>
+          <p:cNvPicPr>
+            <a:picLocks noChangeAspect="1"/>
+          </p:cNvPicPr>
+          <p:nvPr/>
+        </p:nvPicPr>
+        <p:blipFill>
+          <a:blip r:embed="rId3"/>
+          <a:stretch>
+            <a:fillRect/>
+          </a:stretch>
+        </p:blipFill>
+        <p:spPr>
+          <a:xfrm>
+            <a:off x="4551678" y="1876083"/>
+            <a:ext cx="2395861" cy="3105834"/>
+          </a:xfrm>
+          <a:prstGeom prst="rect">
+            <a:avLst/>
+          </a:prstGeom>
+        </p:spPr>
+      </p:pic>
+      <p:sp>
+        <p:nvSpPr>
+          <p:cNvPr id="8" name="TextBox 7">
+            <a:extLst>
+              <a:ext uri="{FF2B5EF4-FFF2-40B4-BE49-F238E27FC236}">
+                <a16:creationId xmlns:a16="http://schemas.microsoft.com/office/drawing/2014/main" id="{2A3A63DD-F110-A0C2-549F-47488EED93EB}"/>
+              </a:ext>
+            </a:extLst>
+          </p:cNvPr>
+          <p:cNvSpPr txBox="1"/>
+          <p:nvPr/>
+        </p:nvSpPr>
+        <p:spPr>
+          <a:xfrm>
+            <a:off x="4681167" y="1601509"/>
+            <a:ext cx="2266372" cy="369332"/>
+          </a:xfrm>
+          <a:prstGeom prst="rect">
+            <a:avLst/>
+          </a:prstGeom>
+          <a:noFill/>
+        </p:spPr>
+        <p:txBody>
+          <a:bodyPr wrap="square" rtlCol="0">
+            <a:spAutoFit/>
+          </a:bodyPr>
+          <a:lstStyle/>
+          <a:p>
+            <a:r>
+              <a:rPr lang="en-US" dirty="0">
+                <a:solidFill>
+                  <a:schemeClr val="bg1"/>
+                </a:solidFill>
+              </a:rPr>
+              <a:t>Capstone Review:</a:t>
+            </a:r>
+          </a:p>
+        </p:txBody>
+      </p:sp>
     </p:spTree>
     <p:extLst>
       <p:ext uri="{BB962C8B-B14F-4D97-AF65-F5344CB8AC3E}">
@@ -10485,6 +15213,9 @@
   <p:clrMapOvr>
     <a:masterClrMapping/>
   </p:clrMapOvr>
+  <p:transition spd="slow">
+    <p:wipe/>
+  </p:transition>
 </p:sld>
 </file>
 
